--- a/02-Buyuk-Veri-ve-Hadoop-Giris/03_hadoop.pptx
+++ b/02-Buyuk-Veri-ve-Hadoop-Giris/03_hadoop.pptx
@@ -205,7 +205,7 @@
           <a:p>
             <a:fld id="{6F77F576-AE14-466D-AA6B-335273622B21}" type="datetimeFigureOut">
               <a:rPr lang="en-US" smtClean="0"/>
-              <a:t>3/25/2018</a:t>
+              <a:t>10/4/2019</a:t>
             </a:fld>
             <a:endParaRPr lang="en-US"/>
           </a:p>
@@ -269,35 +269,35 @@
           <a:p>
             <a:pPr lvl="0"/>
             <a:r>
-              <a:rPr lang="tr-TR" smtClean="0"/>
+              <a:rPr lang="tr-TR"/>
               <a:t>Asıl metin stillerini düzenlemek için tıklatın</a:t>
             </a:r>
           </a:p>
           <a:p>
             <a:pPr lvl="1"/>
             <a:r>
-              <a:rPr lang="tr-TR" smtClean="0"/>
+              <a:rPr lang="tr-TR"/>
               <a:t>İkinci düzey</a:t>
             </a:r>
           </a:p>
           <a:p>
             <a:pPr lvl="2"/>
             <a:r>
-              <a:rPr lang="tr-TR" smtClean="0"/>
+              <a:rPr lang="tr-TR"/>
               <a:t>Üçüncü düzey</a:t>
             </a:r>
           </a:p>
           <a:p>
             <a:pPr lvl="3"/>
             <a:r>
-              <a:rPr lang="tr-TR" smtClean="0"/>
+              <a:rPr lang="tr-TR"/>
               <a:t>Dördüncü düzey</a:t>
             </a:r>
           </a:p>
           <a:p>
             <a:pPr lvl="4"/>
             <a:r>
-              <a:rPr lang="tr-TR" smtClean="0"/>
+              <a:rPr lang="tr-TR"/>
               <a:t>Beşinci düzey</a:t>
             </a:r>
             <a:endParaRPr lang="en-US"/>
@@ -770,11 +770,11 @@
           <a:lstStyle/>
           <a:p>
             <a:r>
-              <a:rPr lang="tr-TR" dirty="0" smtClean="0"/>
+              <a:rPr lang="tr-TR" dirty="0"/>
               <a:t>Bir çok bilgisayarın işlemci, ana bellek ve depolama güçlerini</a:t>
             </a:r>
             <a:r>
-              <a:rPr lang="tr-TR" baseline="0" dirty="0" smtClean="0"/>
+              <a:rPr lang="tr-TR" baseline="0" dirty="0"/>
               <a:t> birleştirip kullanması.</a:t>
             </a:r>
           </a:p>
@@ -864,15 +864,15 @@
           <a:lstStyle/>
           <a:p>
             <a:r>
-              <a:rPr lang="tr-TR" dirty="0" smtClean="0"/>
+              <a:rPr lang="tr-TR" dirty="0"/>
               <a:t>Bir çok bilgisayarın işlemci, ana bellek ve depolama güçlerini</a:t>
             </a:r>
             <a:r>
-              <a:rPr lang="tr-TR" baseline="0" dirty="0" smtClean="0"/>
+              <a:rPr lang="tr-TR" baseline="0" dirty="0"/>
               <a:t> </a:t>
             </a:r>
             <a:r>
-              <a:rPr lang="tr-TR" baseline="0" smtClean="0"/>
+              <a:rPr lang="tr-TR" baseline="0"/>
               <a:t>birleştirip kullanması.</a:t>
             </a:r>
           </a:p>
@@ -962,15 +962,15 @@
           <a:lstStyle/>
           <a:p>
             <a:r>
-              <a:rPr lang="tr-TR" dirty="0" smtClean="0"/>
+              <a:rPr lang="tr-TR" dirty="0"/>
               <a:t>Bir çok bilgisayarın işlemci, ana bellek ve depolama güçlerini</a:t>
             </a:r>
             <a:r>
-              <a:rPr lang="tr-TR" baseline="0" dirty="0" smtClean="0"/>
+              <a:rPr lang="tr-TR" baseline="0" dirty="0"/>
               <a:t> </a:t>
             </a:r>
             <a:r>
-              <a:rPr lang="tr-TR" baseline="0" smtClean="0"/>
+              <a:rPr lang="tr-TR" baseline="0"/>
               <a:t>birleştirip kullanması.</a:t>
             </a:r>
           </a:p>
@@ -1060,15 +1060,15 @@
           <a:lstStyle/>
           <a:p>
             <a:r>
-              <a:rPr lang="tr-TR" dirty="0" smtClean="0"/>
+              <a:rPr lang="tr-TR" dirty="0"/>
               <a:t>Bir çok bilgisayarın işlemci, ana bellek ve depolama güçlerini</a:t>
             </a:r>
             <a:r>
-              <a:rPr lang="tr-TR" baseline="0" dirty="0" smtClean="0"/>
+              <a:rPr lang="tr-TR" baseline="0" dirty="0"/>
               <a:t> </a:t>
             </a:r>
             <a:r>
-              <a:rPr lang="tr-TR" baseline="0" smtClean="0"/>
+              <a:rPr lang="tr-TR" baseline="0"/>
               <a:t>birleştirip kullanması.</a:t>
             </a:r>
           </a:p>
@@ -1158,15 +1158,15 @@
           <a:lstStyle/>
           <a:p>
             <a:r>
-              <a:rPr lang="tr-TR" dirty="0" smtClean="0"/>
+              <a:rPr lang="tr-TR" dirty="0"/>
               <a:t>Bir çok bilgisayarın işlemci, ana bellek ve depolama güçlerini</a:t>
             </a:r>
             <a:r>
-              <a:rPr lang="tr-TR" baseline="0" dirty="0" smtClean="0"/>
+              <a:rPr lang="tr-TR" baseline="0" dirty="0"/>
               <a:t> </a:t>
             </a:r>
             <a:r>
-              <a:rPr lang="tr-TR" baseline="0" smtClean="0"/>
+              <a:rPr lang="tr-TR" baseline="0"/>
               <a:t>birleştirip kullanması.</a:t>
             </a:r>
           </a:p>
@@ -1253,7 +1253,7 @@
           </a:lstStyle>
           <a:p>
             <a:r>
-              <a:rPr lang="tr-TR" smtClean="0"/>
+              <a:rPr lang="tr-TR"/>
               <a:t>Asıl başlık stili için tıklatın</a:t>
             </a:r>
             <a:endParaRPr lang="en-US"/>
@@ -1318,7 +1318,7 @@
           </a:lstStyle>
           <a:p>
             <a:r>
-              <a:rPr lang="tr-TR" smtClean="0"/>
+              <a:rPr lang="tr-TR"/>
               <a:t>Asıl alt başlık stilini düzenlemek için tıklatın</a:t>
             </a:r>
             <a:endParaRPr lang="en-US"/>
@@ -1342,7 +1342,7 @@
           <a:p>
             <a:fld id="{54AA066D-271F-4C1A-B89A-0705A7689EE9}" type="datetimeFigureOut">
               <a:rPr lang="en-US" smtClean="0"/>
-              <a:t>3/25/2018</a:t>
+              <a:t>10/4/2019</a:t>
             </a:fld>
             <a:endParaRPr lang="en-US"/>
           </a:p>
@@ -1436,7 +1436,7 @@
           <a:lstStyle/>
           <a:p>
             <a:r>
-              <a:rPr lang="tr-TR" smtClean="0"/>
+              <a:rPr lang="tr-TR"/>
               <a:t>Asıl başlık stili için tıklatın</a:t>
             </a:r>
             <a:endParaRPr lang="en-US"/>
@@ -1460,35 +1460,35 @@
           <a:p>
             <a:pPr lvl="0"/>
             <a:r>
-              <a:rPr lang="tr-TR" smtClean="0"/>
+              <a:rPr lang="tr-TR"/>
               <a:t>Asıl metin stillerini düzenlemek için tıklatın</a:t>
             </a:r>
           </a:p>
           <a:p>
             <a:pPr lvl="1"/>
             <a:r>
-              <a:rPr lang="tr-TR" smtClean="0"/>
+              <a:rPr lang="tr-TR"/>
               <a:t>İkinci düzey</a:t>
             </a:r>
           </a:p>
           <a:p>
             <a:pPr lvl="2"/>
             <a:r>
-              <a:rPr lang="tr-TR" smtClean="0"/>
+              <a:rPr lang="tr-TR"/>
               <a:t>Üçüncü düzey</a:t>
             </a:r>
           </a:p>
           <a:p>
             <a:pPr lvl="3"/>
             <a:r>
-              <a:rPr lang="tr-TR" smtClean="0"/>
+              <a:rPr lang="tr-TR"/>
               <a:t>Dördüncü düzey</a:t>
             </a:r>
           </a:p>
           <a:p>
             <a:pPr lvl="4"/>
             <a:r>
-              <a:rPr lang="tr-TR" smtClean="0"/>
+              <a:rPr lang="tr-TR"/>
               <a:t>Beşinci düzey</a:t>
             </a:r>
             <a:endParaRPr lang="en-US"/>
@@ -1512,7 +1512,7 @@
           <a:p>
             <a:fld id="{54AA066D-271F-4C1A-B89A-0705A7689EE9}" type="datetimeFigureOut">
               <a:rPr lang="en-US" smtClean="0"/>
-              <a:t>3/25/2018</a:t>
+              <a:t>10/4/2019</a:t>
             </a:fld>
             <a:endParaRPr lang="en-US"/>
           </a:p>
@@ -1611,7 +1611,7 @@
           <a:lstStyle/>
           <a:p>
             <a:r>
-              <a:rPr lang="tr-TR" smtClean="0"/>
+              <a:rPr lang="tr-TR"/>
               <a:t>Asıl başlık stili için tıklatın</a:t>
             </a:r>
             <a:endParaRPr lang="en-US"/>
@@ -1640,35 +1640,35 @@
           <a:p>
             <a:pPr lvl="0"/>
             <a:r>
-              <a:rPr lang="tr-TR" smtClean="0"/>
+              <a:rPr lang="tr-TR"/>
               <a:t>Asıl metin stillerini düzenlemek için tıklatın</a:t>
             </a:r>
           </a:p>
           <a:p>
             <a:pPr lvl="1"/>
             <a:r>
-              <a:rPr lang="tr-TR" smtClean="0"/>
+              <a:rPr lang="tr-TR"/>
               <a:t>İkinci düzey</a:t>
             </a:r>
           </a:p>
           <a:p>
             <a:pPr lvl="2"/>
             <a:r>
-              <a:rPr lang="tr-TR" smtClean="0"/>
+              <a:rPr lang="tr-TR"/>
               <a:t>Üçüncü düzey</a:t>
             </a:r>
           </a:p>
           <a:p>
             <a:pPr lvl="3"/>
             <a:r>
-              <a:rPr lang="tr-TR" smtClean="0"/>
+              <a:rPr lang="tr-TR"/>
               <a:t>Dördüncü düzey</a:t>
             </a:r>
           </a:p>
           <a:p>
             <a:pPr lvl="4"/>
             <a:r>
-              <a:rPr lang="tr-TR" smtClean="0"/>
+              <a:rPr lang="tr-TR"/>
               <a:t>Beşinci düzey</a:t>
             </a:r>
             <a:endParaRPr lang="en-US"/>
@@ -1692,7 +1692,7 @@
           <a:p>
             <a:fld id="{54AA066D-271F-4C1A-B89A-0705A7689EE9}" type="datetimeFigureOut">
               <a:rPr lang="en-US" smtClean="0"/>
-              <a:t>3/25/2018</a:t>
+              <a:t>10/4/2019</a:t>
             </a:fld>
             <a:endParaRPr lang="en-US"/>
           </a:p>
@@ -1786,7 +1786,7 @@
           <a:lstStyle/>
           <a:p>
             <a:r>
-              <a:rPr lang="tr-TR" smtClean="0"/>
+              <a:rPr lang="tr-TR"/>
               <a:t>Asıl başlık stili için tıklatın</a:t>
             </a:r>
             <a:endParaRPr lang="en-US"/>
@@ -1810,35 +1810,35 @@
           <a:p>
             <a:pPr lvl="0"/>
             <a:r>
-              <a:rPr lang="tr-TR" smtClean="0"/>
+              <a:rPr lang="tr-TR"/>
               <a:t>Asıl metin stillerini düzenlemek için tıklatın</a:t>
             </a:r>
           </a:p>
           <a:p>
             <a:pPr lvl="1"/>
             <a:r>
-              <a:rPr lang="tr-TR" smtClean="0"/>
+              <a:rPr lang="tr-TR"/>
               <a:t>İkinci düzey</a:t>
             </a:r>
           </a:p>
           <a:p>
             <a:pPr lvl="2"/>
             <a:r>
-              <a:rPr lang="tr-TR" smtClean="0"/>
+              <a:rPr lang="tr-TR"/>
               <a:t>Üçüncü düzey</a:t>
             </a:r>
           </a:p>
           <a:p>
             <a:pPr lvl="3"/>
             <a:r>
-              <a:rPr lang="tr-TR" smtClean="0"/>
+              <a:rPr lang="tr-TR"/>
               <a:t>Dördüncü düzey</a:t>
             </a:r>
           </a:p>
           <a:p>
             <a:pPr lvl="4"/>
             <a:r>
-              <a:rPr lang="tr-TR" smtClean="0"/>
+              <a:rPr lang="tr-TR"/>
               <a:t>Beşinci düzey</a:t>
             </a:r>
             <a:endParaRPr lang="en-US"/>
@@ -1862,7 +1862,7 @@
           <a:p>
             <a:fld id="{54AA066D-271F-4C1A-B89A-0705A7689EE9}" type="datetimeFigureOut">
               <a:rPr lang="en-US" smtClean="0"/>
-              <a:t>3/25/2018</a:t>
+              <a:t>10/4/2019</a:t>
             </a:fld>
             <a:endParaRPr lang="en-US"/>
           </a:p>
@@ -1965,7 +1965,7 @@
           </a:lstStyle>
           <a:p>
             <a:r>
-              <a:rPr lang="tr-TR" smtClean="0"/>
+              <a:rPr lang="tr-TR"/>
               <a:t>Asıl başlık stili için tıklatın</a:t>
             </a:r>
             <a:endParaRPr lang="en-US"/>
@@ -2085,7 +2085,7 @@
           <a:p>
             <a:pPr lvl="0"/>
             <a:r>
-              <a:rPr lang="tr-TR" smtClean="0"/>
+              <a:rPr lang="tr-TR"/>
               <a:t>Asıl metin stillerini düzenlemek için tıklatın</a:t>
             </a:r>
           </a:p>
@@ -2108,7 +2108,7 @@
           <a:p>
             <a:fld id="{54AA066D-271F-4C1A-B89A-0705A7689EE9}" type="datetimeFigureOut">
               <a:rPr lang="en-US" smtClean="0"/>
-              <a:t>3/25/2018</a:t>
+              <a:t>10/4/2019</a:t>
             </a:fld>
             <a:endParaRPr lang="en-US"/>
           </a:p>
@@ -2202,7 +2202,7 @@
           <a:lstStyle/>
           <a:p>
             <a:r>
-              <a:rPr lang="tr-TR" smtClean="0"/>
+              <a:rPr lang="tr-TR"/>
               <a:t>Asıl başlık stili için tıklatın</a:t>
             </a:r>
             <a:endParaRPr lang="en-US"/>
@@ -2231,35 +2231,35 @@
           <a:p>
             <a:pPr lvl="0"/>
             <a:r>
-              <a:rPr lang="tr-TR" smtClean="0"/>
+              <a:rPr lang="tr-TR"/>
               <a:t>Asıl metin stillerini düzenlemek için tıklatın</a:t>
             </a:r>
           </a:p>
           <a:p>
             <a:pPr lvl="1"/>
             <a:r>
-              <a:rPr lang="tr-TR" smtClean="0"/>
+              <a:rPr lang="tr-TR"/>
               <a:t>İkinci düzey</a:t>
             </a:r>
           </a:p>
           <a:p>
             <a:pPr lvl="2"/>
             <a:r>
-              <a:rPr lang="tr-TR" smtClean="0"/>
+              <a:rPr lang="tr-TR"/>
               <a:t>Üçüncü düzey</a:t>
             </a:r>
           </a:p>
           <a:p>
             <a:pPr lvl="3"/>
             <a:r>
-              <a:rPr lang="tr-TR" smtClean="0"/>
+              <a:rPr lang="tr-TR"/>
               <a:t>Dördüncü düzey</a:t>
             </a:r>
           </a:p>
           <a:p>
             <a:pPr lvl="4"/>
             <a:r>
-              <a:rPr lang="tr-TR" smtClean="0"/>
+              <a:rPr lang="tr-TR"/>
               <a:t>Beşinci düzey</a:t>
             </a:r>
             <a:endParaRPr lang="en-US"/>
@@ -2288,35 +2288,35 @@
           <a:p>
             <a:pPr lvl="0"/>
             <a:r>
-              <a:rPr lang="tr-TR" smtClean="0"/>
+              <a:rPr lang="tr-TR"/>
               <a:t>Asıl metin stillerini düzenlemek için tıklatın</a:t>
             </a:r>
           </a:p>
           <a:p>
             <a:pPr lvl="1"/>
             <a:r>
-              <a:rPr lang="tr-TR" smtClean="0"/>
+              <a:rPr lang="tr-TR"/>
               <a:t>İkinci düzey</a:t>
             </a:r>
           </a:p>
           <a:p>
             <a:pPr lvl="2"/>
             <a:r>
-              <a:rPr lang="tr-TR" smtClean="0"/>
+              <a:rPr lang="tr-TR"/>
               <a:t>Üçüncü düzey</a:t>
             </a:r>
           </a:p>
           <a:p>
             <a:pPr lvl="3"/>
             <a:r>
-              <a:rPr lang="tr-TR" smtClean="0"/>
+              <a:rPr lang="tr-TR"/>
               <a:t>Dördüncü düzey</a:t>
             </a:r>
           </a:p>
           <a:p>
             <a:pPr lvl="4"/>
             <a:r>
-              <a:rPr lang="tr-TR" smtClean="0"/>
+              <a:rPr lang="tr-TR"/>
               <a:t>Beşinci düzey</a:t>
             </a:r>
             <a:endParaRPr lang="en-US"/>
@@ -2340,7 +2340,7 @@
           <a:p>
             <a:fld id="{54AA066D-271F-4C1A-B89A-0705A7689EE9}" type="datetimeFigureOut">
               <a:rPr lang="en-US" smtClean="0"/>
-              <a:t>3/25/2018</a:t>
+              <a:t>10/4/2019</a:t>
             </a:fld>
             <a:endParaRPr lang="en-US"/>
           </a:p>
@@ -2439,7 +2439,7 @@
           <a:lstStyle/>
           <a:p>
             <a:r>
-              <a:rPr lang="tr-TR" smtClean="0"/>
+              <a:rPr lang="tr-TR"/>
               <a:t>Asıl başlık stili için tıklatın</a:t>
             </a:r>
             <a:endParaRPr lang="en-US"/>
@@ -2505,7 +2505,7 @@
           <a:p>
             <a:pPr lvl="0"/>
             <a:r>
-              <a:rPr lang="tr-TR" smtClean="0"/>
+              <a:rPr lang="tr-TR"/>
               <a:t>Asıl metin stillerini düzenlemek için tıklatın</a:t>
             </a:r>
           </a:p>
@@ -2533,35 +2533,35 @@
           <a:p>
             <a:pPr lvl="0"/>
             <a:r>
-              <a:rPr lang="tr-TR" smtClean="0"/>
+              <a:rPr lang="tr-TR"/>
               <a:t>Asıl metin stillerini düzenlemek için tıklatın</a:t>
             </a:r>
           </a:p>
           <a:p>
             <a:pPr lvl="1"/>
             <a:r>
-              <a:rPr lang="tr-TR" smtClean="0"/>
+              <a:rPr lang="tr-TR"/>
               <a:t>İkinci düzey</a:t>
             </a:r>
           </a:p>
           <a:p>
             <a:pPr lvl="2"/>
             <a:r>
-              <a:rPr lang="tr-TR" smtClean="0"/>
+              <a:rPr lang="tr-TR"/>
               <a:t>Üçüncü düzey</a:t>
             </a:r>
           </a:p>
           <a:p>
             <a:pPr lvl="3"/>
             <a:r>
-              <a:rPr lang="tr-TR" smtClean="0"/>
+              <a:rPr lang="tr-TR"/>
               <a:t>Dördüncü düzey</a:t>
             </a:r>
           </a:p>
           <a:p>
             <a:pPr lvl="4"/>
             <a:r>
-              <a:rPr lang="tr-TR" smtClean="0"/>
+              <a:rPr lang="tr-TR"/>
               <a:t>Beşinci düzey</a:t>
             </a:r>
             <a:endParaRPr lang="en-US"/>
@@ -2627,7 +2627,7 @@
           <a:p>
             <a:pPr lvl="0"/>
             <a:r>
-              <a:rPr lang="tr-TR" smtClean="0"/>
+              <a:rPr lang="tr-TR"/>
               <a:t>Asıl metin stillerini düzenlemek için tıklatın</a:t>
             </a:r>
           </a:p>
@@ -2655,35 +2655,35 @@
           <a:p>
             <a:pPr lvl="0"/>
             <a:r>
-              <a:rPr lang="tr-TR" smtClean="0"/>
+              <a:rPr lang="tr-TR"/>
               <a:t>Asıl metin stillerini düzenlemek için tıklatın</a:t>
             </a:r>
           </a:p>
           <a:p>
             <a:pPr lvl="1"/>
             <a:r>
-              <a:rPr lang="tr-TR" smtClean="0"/>
+              <a:rPr lang="tr-TR"/>
               <a:t>İkinci düzey</a:t>
             </a:r>
           </a:p>
           <a:p>
             <a:pPr lvl="2"/>
             <a:r>
-              <a:rPr lang="tr-TR" smtClean="0"/>
+              <a:rPr lang="tr-TR"/>
               <a:t>Üçüncü düzey</a:t>
             </a:r>
           </a:p>
           <a:p>
             <a:pPr lvl="3"/>
             <a:r>
-              <a:rPr lang="tr-TR" smtClean="0"/>
+              <a:rPr lang="tr-TR"/>
               <a:t>Dördüncü düzey</a:t>
             </a:r>
           </a:p>
           <a:p>
             <a:pPr lvl="4"/>
             <a:r>
-              <a:rPr lang="tr-TR" smtClean="0"/>
+              <a:rPr lang="tr-TR"/>
               <a:t>Beşinci düzey</a:t>
             </a:r>
             <a:endParaRPr lang="en-US"/>
@@ -2707,7 +2707,7 @@
           <a:p>
             <a:fld id="{54AA066D-271F-4C1A-B89A-0705A7689EE9}" type="datetimeFigureOut">
               <a:rPr lang="en-US" smtClean="0"/>
-              <a:t>3/25/2018</a:t>
+              <a:t>10/4/2019</a:t>
             </a:fld>
             <a:endParaRPr lang="en-US"/>
           </a:p>
@@ -2801,7 +2801,7 @@
           <a:lstStyle/>
           <a:p>
             <a:r>
-              <a:rPr lang="tr-TR" smtClean="0"/>
+              <a:rPr lang="tr-TR"/>
               <a:t>Asıl başlık stili için tıklatın</a:t>
             </a:r>
             <a:endParaRPr lang="en-US"/>
@@ -2825,7 +2825,7 @@
           <a:p>
             <a:fld id="{54AA066D-271F-4C1A-B89A-0705A7689EE9}" type="datetimeFigureOut">
               <a:rPr lang="en-US" smtClean="0"/>
-              <a:t>3/25/2018</a:t>
+              <a:t>10/4/2019</a:t>
             </a:fld>
             <a:endParaRPr lang="en-US"/>
           </a:p>
@@ -2920,7 +2920,7 @@
           <a:p>
             <a:fld id="{54AA066D-271F-4C1A-B89A-0705A7689EE9}" type="datetimeFigureOut">
               <a:rPr lang="en-US" smtClean="0"/>
-              <a:t>3/25/2018</a:t>
+              <a:t>10/4/2019</a:t>
             </a:fld>
             <a:endParaRPr lang="en-US"/>
           </a:p>
@@ -3023,7 +3023,7 @@
           </a:lstStyle>
           <a:p>
             <a:r>
-              <a:rPr lang="tr-TR" smtClean="0"/>
+              <a:rPr lang="tr-TR"/>
               <a:t>Asıl başlık stili için tıklatın</a:t>
             </a:r>
             <a:endParaRPr lang="en-US"/>
@@ -3080,35 +3080,35 @@
           <a:p>
             <a:pPr lvl="0"/>
             <a:r>
-              <a:rPr lang="tr-TR" smtClean="0"/>
+              <a:rPr lang="tr-TR"/>
               <a:t>Asıl metin stillerini düzenlemek için tıklatın</a:t>
             </a:r>
           </a:p>
           <a:p>
             <a:pPr lvl="1"/>
             <a:r>
-              <a:rPr lang="tr-TR" smtClean="0"/>
+              <a:rPr lang="tr-TR"/>
               <a:t>İkinci düzey</a:t>
             </a:r>
           </a:p>
           <a:p>
             <a:pPr lvl="2"/>
             <a:r>
-              <a:rPr lang="tr-TR" smtClean="0"/>
+              <a:rPr lang="tr-TR"/>
               <a:t>Üçüncü düzey</a:t>
             </a:r>
           </a:p>
           <a:p>
             <a:pPr lvl="3"/>
             <a:r>
-              <a:rPr lang="tr-TR" smtClean="0"/>
+              <a:rPr lang="tr-TR"/>
               <a:t>Dördüncü düzey</a:t>
             </a:r>
           </a:p>
           <a:p>
             <a:pPr lvl="4"/>
             <a:r>
-              <a:rPr lang="tr-TR" smtClean="0"/>
+              <a:rPr lang="tr-TR"/>
               <a:t>Beşinci düzey</a:t>
             </a:r>
             <a:endParaRPr lang="en-US"/>
@@ -3174,7 +3174,7 @@
           <a:p>
             <a:pPr lvl="0"/>
             <a:r>
-              <a:rPr lang="tr-TR" smtClean="0"/>
+              <a:rPr lang="tr-TR"/>
               <a:t>Asıl metin stillerini düzenlemek için tıklatın</a:t>
             </a:r>
           </a:p>
@@ -3197,7 +3197,7 @@
           <a:p>
             <a:fld id="{54AA066D-271F-4C1A-B89A-0705A7689EE9}" type="datetimeFigureOut">
               <a:rPr lang="en-US" smtClean="0"/>
-              <a:t>3/25/2018</a:t>
+              <a:t>10/4/2019</a:t>
             </a:fld>
             <a:endParaRPr lang="en-US"/>
           </a:p>
@@ -3300,7 +3300,7 @@
           </a:lstStyle>
           <a:p>
             <a:r>
-              <a:rPr lang="tr-TR" smtClean="0"/>
+              <a:rPr lang="tr-TR"/>
               <a:t>Asıl başlık stili için tıklatın</a:t>
             </a:r>
             <a:endParaRPr lang="en-US"/>
@@ -3427,7 +3427,7 @@
           <a:p>
             <a:pPr lvl="0"/>
             <a:r>
-              <a:rPr lang="tr-TR" smtClean="0"/>
+              <a:rPr lang="tr-TR"/>
               <a:t>Asıl metin stillerini düzenlemek için tıklatın</a:t>
             </a:r>
           </a:p>
@@ -3450,7 +3450,7 @@
           <a:p>
             <a:fld id="{54AA066D-271F-4C1A-B89A-0705A7689EE9}" type="datetimeFigureOut">
               <a:rPr lang="en-US" smtClean="0"/>
-              <a:t>3/25/2018</a:t>
+              <a:t>10/4/2019</a:t>
             </a:fld>
             <a:endParaRPr lang="en-US"/>
           </a:p>
@@ -3559,7 +3559,7 @@
           <a:lstStyle/>
           <a:p>
             <a:r>
-              <a:rPr lang="tr-TR" smtClean="0"/>
+              <a:rPr lang="tr-TR"/>
               <a:t>Asıl başlık stili için tıklatın</a:t>
             </a:r>
             <a:endParaRPr lang="en-US"/>
@@ -3593,35 +3593,35 @@
           <a:p>
             <a:pPr lvl="0"/>
             <a:r>
-              <a:rPr lang="tr-TR" smtClean="0"/>
+              <a:rPr lang="tr-TR"/>
               <a:t>Asıl metin stillerini düzenlemek için tıklatın</a:t>
             </a:r>
           </a:p>
           <a:p>
             <a:pPr lvl="1"/>
             <a:r>
-              <a:rPr lang="tr-TR" smtClean="0"/>
+              <a:rPr lang="tr-TR"/>
               <a:t>İkinci düzey</a:t>
             </a:r>
           </a:p>
           <a:p>
             <a:pPr lvl="2"/>
             <a:r>
-              <a:rPr lang="tr-TR" smtClean="0"/>
+              <a:rPr lang="tr-TR"/>
               <a:t>Üçüncü düzey</a:t>
             </a:r>
           </a:p>
           <a:p>
             <a:pPr lvl="3"/>
             <a:r>
-              <a:rPr lang="tr-TR" smtClean="0"/>
+              <a:rPr lang="tr-TR"/>
               <a:t>Dördüncü düzey</a:t>
             </a:r>
           </a:p>
           <a:p>
             <a:pPr lvl="4"/>
             <a:r>
-              <a:rPr lang="tr-TR" smtClean="0"/>
+              <a:rPr lang="tr-TR"/>
               <a:t>Beşinci düzey</a:t>
             </a:r>
             <a:endParaRPr lang="en-US"/>
@@ -3663,7 +3663,7 @@
           <a:p>
             <a:fld id="{54AA066D-271F-4C1A-B89A-0705A7689EE9}" type="datetimeFigureOut">
               <a:rPr lang="en-US" smtClean="0"/>
-              <a:t>3/25/2018</a:t>
+              <a:t>10/4/2019</a:t>
             </a:fld>
             <a:endParaRPr lang="en-US"/>
           </a:p>
@@ -4105,369 +4105,6 @@
           </a:fontRef>
         </p:style>
       </p:cxnSp>
-      <p:grpSp>
-        <p:nvGrpSpPr>
-          <p:cNvPr id="15" name="Grup 14"/>
-          <p:cNvGrpSpPr/>
-          <p:nvPr/>
-        </p:nvGrpSpPr>
-        <p:grpSpPr>
-          <a:xfrm>
-            <a:off x="228596" y="6231467"/>
-            <a:ext cx="3041654" cy="492576"/>
-            <a:chOff x="228596" y="6231467"/>
-            <a:chExt cx="3041654" cy="492576"/>
-          </a:xfrm>
-        </p:grpSpPr>
-        <p:grpSp>
-          <p:nvGrpSpPr>
-            <p:cNvPr id="8" name="Grup 7"/>
-            <p:cNvGrpSpPr/>
-            <p:nvPr/>
-          </p:nvGrpSpPr>
-          <p:grpSpPr>
-            <a:xfrm>
-              <a:off x="228596" y="6231467"/>
-              <a:ext cx="2802471" cy="457084"/>
-              <a:chOff x="127000" y="5901146"/>
-              <a:chExt cx="5156200" cy="838200"/>
-            </a:xfrm>
-          </p:grpSpPr>
-          <p:sp>
-            <p:nvSpPr>
-              <p:cNvPr id="7" name="Dikdörtgen 6"/>
-              <p:cNvSpPr/>
-              <p:nvPr/>
-            </p:nvSpPr>
-            <p:spPr>
-              <a:xfrm>
-                <a:off x="127000" y="5901146"/>
-                <a:ext cx="5156200" cy="838200"/>
-              </a:xfrm>
-              <a:prstGeom prst="rect">
-                <a:avLst/>
-              </a:prstGeom>
-              <a:solidFill>
-                <a:schemeClr val="bg1">
-                  <a:lumMod val="95000"/>
-                </a:schemeClr>
-              </a:solidFill>
-              <a:ln>
-                <a:noFill/>
-              </a:ln>
-            </p:spPr>
-            <p:style>
-              <a:lnRef idx="2">
-                <a:schemeClr val="accent1">
-                  <a:shade val="50000"/>
-                </a:schemeClr>
-              </a:lnRef>
-              <a:fillRef idx="1">
-                <a:schemeClr val="accent1"/>
-              </a:fillRef>
-              <a:effectRef idx="0">
-                <a:schemeClr val="accent1"/>
-              </a:effectRef>
-              <a:fontRef idx="minor">
-                <a:schemeClr val="lt1"/>
-              </a:fontRef>
-            </p:style>
-            <p:txBody>
-              <a:bodyPr rtlCol="0" anchor="ctr"/>
-              <a:lstStyle/>
-              <a:p>
-                <a:pPr algn="ctr"/>
-                <a:endParaRPr lang="en-US" sz="2000"/>
-              </a:p>
-            </p:txBody>
-          </p:sp>
-          <p:grpSp>
-            <p:nvGrpSpPr>
-              <p:cNvPr id="6" name="Grup 5"/>
-              <p:cNvGrpSpPr/>
-              <p:nvPr/>
-            </p:nvGrpSpPr>
-            <p:grpSpPr>
-              <a:xfrm>
-                <a:off x="211667" y="6019800"/>
-                <a:ext cx="5012266" cy="605115"/>
-                <a:chOff x="211667" y="6019800"/>
-                <a:chExt cx="5012266" cy="605115"/>
-              </a:xfrm>
-            </p:grpSpPr>
-            <p:pic>
-              <p:nvPicPr>
-                <p:cNvPr id="4" name="Resim 3"/>
-                <p:cNvPicPr>
-                  <a:picLocks noChangeAspect="1"/>
-                </p:cNvPicPr>
-                <p:nvPr/>
-              </p:nvPicPr>
-              <p:blipFill rotWithShape="1">
-                <a:blip r:embed="rId3" cstate="print">
-                  <a:extLst>
-                    <a:ext uri="{28A0092B-C50C-407E-A947-70E740481C1C}">
-                      <a14:useLocalDpi xmlns:a14="http://schemas.microsoft.com/office/drawing/2010/main" val="0"/>
-                    </a:ext>
-                  </a:extLst>
-                </a:blip>
-                <a:srcRect l="24387" t="8319" r="18355" b="50150"/>
-                <a:stretch/>
-              </p:blipFill>
-              <p:spPr>
-                <a:xfrm>
-                  <a:off x="211667" y="6019800"/>
-                  <a:ext cx="1072095" cy="600892"/>
-                </a:xfrm>
-                <a:prstGeom prst="rect">
-                  <a:avLst/>
-                </a:prstGeom>
-              </p:spPr>
-            </p:pic>
-            <p:sp>
-              <p:nvSpPr>
-                <p:cNvPr id="5" name="Unvan 1"/>
-                <p:cNvSpPr txBox="1">
-                  <a:spLocks/>
-                </p:cNvSpPr>
-                <p:nvPr/>
-              </p:nvSpPr>
-              <p:spPr>
-                <a:xfrm>
-                  <a:off x="1283763" y="6024023"/>
-                  <a:ext cx="3940170" cy="600892"/>
-                </a:xfrm>
-                <a:prstGeom prst="rect">
-                  <a:avLst/>
-                </a:prstGeom>
-              </p:spPr>
-              <p:txBody>
-                <a:bodyPr vert="horz" lIns="91440" tIns="45720" rIns="91440" bIns="45720" rtlCol="0" anchor="b">
-                  <a:noAutofit/>
-                </a:bodyPr>
-                <a:lstStyle>
-                  <a:lvl1pPr algn="ctr" defTabSz="914400" rtl="0" eaLnBrk="1" latinLnBrk="0" hangingPunct="1">
-                    <a:lnSpc>
-                      <a:spcPct val="90000"/>
-                    </a:lnSpc>
-                    <a:spcBef>
-                      <a:spcPct val="0"/>
-                    </a:spcBef>
-                    <a:buNone/>
-                    <a:defRPr sz="6000" kern="1200">
-                      <a:solidFill>
-                        <a:schemeClr val="tx1"/>
-                      </a:solidFill>
-                      <a:latin typeface="+mj-lt"/>
-                      <a:ea typeface="+mj-ea"/>
-                      <a:cs typeface="+mj-cs"/>
-                    </a:defRPr>
-                  </a:lvl1pPr>
-                </a:lstStyle>
-                <a:p>
-                  <a:pPr algn="l"/>
-                  <a:r>
-                    <a:rPr lang="tr-TR" sz="2000" dirty="0" smtClean="0">
-                      <a:solidFill>
-                        <a:srgbClr val="CB171F"/>
-                      </a:solidFill>
-                      <a:latin typeface="Constantia" panose="02030602050306030303" pitchFamily="18" charset="0"/>
-                      <a:ea typeface="Verdana" panose="020B0604030504040204" pitchFamily="34" charset="0"/>
-                      <a:cs typeface="Arial" panose="020B0604020202020204" pitchFamily="34" charset="0"/>
-                    </a:rPr>
-                    <a:t>Veri Bilimi Okulu</a:t>
-                  </a:r>
-                  <a:endParaRPr lang="en-US" sz="2000" dirty="0">
-                    <a:solidFill>
-                      <a:srgbClr val="CB171F"/>
-                    </a:solidFill>
-                    <a:latin typeface="Constantia" panose="02030602050306030303" pitchFamily="18" charset="0"/>
-                    <a:ea typeface="Verdana" panose="020B0604030504040204" pitchFamily="34" charset="0"/>
-                    <a:cs typeface="Arial" panose="020B0604020202020204" pitchFamily="34" charset="0"/>
-                  </a:endParaRPr>
-                </a:p>
-              </p:txBody>
-            </p:sp>
-          </p:grpSp>
-        </p:grpSp>
-        <p:sp>
-          <p:nvSpPr>
-            <p:cNvPr id="12" name="Metin kutusu 11"/>
-            <p:cNvSpPr txBox="1"/>
-            <p:nvPr/>
-          </p:nvSpPr>
-          <p:spPr>
-            <a:xfrm>
-              <a:off x="1582782" y="6493211"/>
-              <a:ext cx="1687468" cy="230832"/>
-            </a:xfrm>
-            <a:prstGeom prst="rect">
-              <a:avLst/>
-            </a:prstGeom>
-            <a:noFill/>
-          </p:spPr>
-          <p:txBody>
-            <a:bodyPr wrap="square" rtlCol="0">
-              <a:spAutoFit/>
-            </a:bodyPr>
-            <a:lstStyle/>
-            <a:p>
-              <a:r>
-                <a:rPr lang="en-US" sz="900" dirty="0" smtClean="0">
-                  <a:solidFill>
-                    <a:srgbClr val="0B8043"/>
-                  </a:solidFill>
-                </a:rPr>
-                <a:t>https:</a:t>
-              </a:r>
-              <a:r>
-                <a:rPr lang="en-US" sz="900" dirty="0" smtClean="0">
-                  <a:solidFill>
-                    <a:schemeClr val="bg1">
-                      <a:lumMod val="50000"/>
-                    </a:schemeClr>
-                  </a:solidFill>
-                </a:rPr>
-                <a:t>//www.veribilimi.co</a:t>
-              </a:r>
-              <a:endParaRPr lang="en-US" sz="900" dirty="0">
-                <a:solidFill>
-                  <a:schemeClr val="bg1">
-                    <a:lumMod val="50000"/>
-                  </a:schemeClr>
-                </a:solidFill>
-              </a:endParaRPr>
-            </a:p>
-          </p:txBody>
-        </p:sp>
-      </p:grpSp>
-      <p:grpSp>
-        <p:nvGrpSpPr>
-          <p:cNvPr id="11" name="Grup 10"/>
-          <p:cNvGrpSpPr/>
-          <p:nvPr/>
-        </p:nvGrpSpPr>
-        <p:grpSpPr>
-          <a:xfrm>
-            <a:off x="9194796" y="6231467"/>
-            <a:ext cx="2802471" cy="457084"/>
-            <a:chOff x="184993" y="5905369"/>
-            <a:chExt cx="5156200" cy="838200"/>
-          </a:xfrm>
-        </p:grpSpPr>
-        <p:sp>
-          <p:nvSpPr>
-            <p:cNvPr id="13" name="Dikdörtgen 12"/>
-            <p:cNvSpPr/>
-            <p:nvPr/>
-          </p:nvSpPr>
-          <p:spPr>
-            <a:xfrm>
-              <a:off x="184993" y="5905369"/>
-              <a:ext cx="5156200" cy="838200"/>
-            </a:xfrm>
-            <a:prstGeom prst="rect">
-              <a:avLst/>
-            </a:prstGeom>
-            <a:solidFill>
-              <a:schemeClr val="bg1">
-                <a:lumMod val="95000"/>
-              </a:schemeClr>
-            </a:solidFill>
-            <a:ln>
-              <a:noFill/>
-            </a:ln>
-          </p:spPr>
-          <p:style>
-            <a:lnRef idx="2">
-              <a:schemeClr val="accent1">
-                <a:shade val="50000"/>
-              </a:schemeClr>
-            </a:lnRef>
-            <a:fillRef idx="1">
-              <a:schemeClr val="accent1"/>
-            </a:fillRef>
-            <a:effectRef idx="0">
-              <a:schemeClr val="accent1"/>
-            </a:effectRef>
-            <a:fontRef idx="minor">
-              <a:schemeClr val="lt1"/>
-            </a:fontRef>
-          </p:style>
-          <p:txBody>
-            <a:bodyPr rtlCol="0" anchor="ctr"/>
-            <a:lstStyle/>
-            <a:p>
-              <a:pPr algn="ctr"/>
-              <a:endParaRPr lang="en-US" sz="2000"/>
-            </a:p>
-          </p:txBody>
-        </p:sp>
-        <p:sp>
-          <p:nvSpPr>
-            <p:cNvPr id="14" name="Unvan 1"/>
-            <p:cNvSpPr txBox="1">
-              <a:spLocks/>
-            </p:cNvSpPr>
-            <p:nvPr/>
-          </p:nvSpPr>
-          <p:spPr>
-            <a:xfrm>
-              <a:off x="302252" y="6024023"/>
-              <a:ext cx="4921678" cy="600892"/>
-            </a:xfrm>
-            <a:prstGeom prst="rect">
-              <a:avLst/>
-            </a:prstGeom>
-          </p:spPr>
-          <p:txBody>
-            <a:bodyPr vert="horz" lIns="91440" tIns="45720" rIns="91440" bIns="45720" rtlCol="0" anchor="b">
-              <a:noAutofit/>
-            </a:bodyPr>
-            <a:lstStyle>
-              <a:lvl1pPr algn="ctr" defTabSz="914400" rtl="0" eaLnBrk="1" latinLnBrk="0" hangingPunct="1">
-                <a:lnSpc>
-                  <a:spcPct val="90000"/>
-                </a:lnSpc>
-                <a:spcBef>
-                  <a:spcPct val="0"/>
-                </a:spcBef>
-                <a:buNone/>
-                <a:defRPr sz="6000" kern="1200">
-                  <a:solidFill>
-                    <a:schemeClr val="tx1"/>
-                  </a:solidFill>
-                  <a:latin typeface="+mj-lt"/>
-                  <a:ea typeface="+mj-ea"/>
-                  <a:cs typeface="+mj-cs"/>
-                </a:defRPr>
-              </a:lvl1pPr>
-            </a:lstStyle>
-            <a:p>
-              <a:pPr algn="l"/>
-              <a:r>
-                <a:rPr lang="tr-TR" sz="2000" dirty="0">
-                  <a:solidFill>
-                    <a:srgbClr val="CB171F"/>
-                  </a:solidFill>
-                  <a:latin typeface="Constantia" panose="02030602050306030303" pitchFamily="18" charset="0"/>
-                  <a:ea typeface="Verdana" panose="020B0604030504040204" pitchFamily="34" charset="0"/>
-                  <a:cs typeface="Arial" panose="020B0604020202020204" pitchFamily="34" charset="0"/>
-                </a:rPr>
-                <a:t>A’dan Z’ye Büyük Veri</a:t>
-              </a:r>
-              <a:endParaRPr lang="en-US" sz="2000" dirty="0">
-                <a:solidFill>
-                  <a:srgbClr val="CB171F"/>
-                </a:solidFill>
-                <a:latin typeface="Constantia" panose="02030602050306030303" pitchFamily="18" charset="0"/>
-                <a:ea typeface="Verdana" panose="020B0604030504040204" pitchFamily="34" charset="0"/>
-                <a:cs typeface="Arial" panose="020B0604020202020204" pitchFamily="34" charset="0"/>
-              </a:endParaRPr>
-            </a:p>
-          </p:txBody>
-        </p:sp>
-      </p:grpSp>
       <p:pic>
         <p:nvPicPr>
           <p:cNvPr id="3" name="Resim 2"/>
@@ -4477,7 +4114,7 @@
           <p:nvPr/>
         </p:nvPicPr>
         <p:blipFill>
-          <a:blip r:embed="rId4">
+          <a:blip r:embed="rId3">
             <a:extLst>
               <a:ext uri="{28A0092B-C50C-407E-A947-70E740481C1C}">
                 <a14:useLocalDpi xmlns:a14="http://schemas.microsoft.com/office/drawing/2010/main" val="0"/>
@@ -4508,13 +4145,6 @@
   <p:clrMapOvr>
     <a:masterClrMapping/>
   </p:clrMapOvr>
-  <p:timing>
-    <p:tnLst>
-      <p:par>
-        <p:cTn id="1" dur="indefinite" restart="never" nodeType="tmRoot"/>
-      </p:par>
-    </p:tnLst>
-  </p:timing>
 </p:sld>
 </file>
 
@@ -4558,7 +4188,7 @@
           <a:lstStyle/>
           <a:p>
             <a:r>
-              <a:rPr lang="tr-TR" sz="4200" b="1" dirty="0" smtClean="0">
+              <a:rPr lang="tr-TR" sz="4200" b="1" dirty="0">
                 <a:solidFill>
                   <a:srgbClr val="CD1F26"/>
                 </a:solidFill>
@@ -4616,369 +4246,6 @@
           </a:fontRef>
         </p:style>
       </p:cxnSp>
-      <p:grpSp>
-        <p:nvGrpSpPr>
-          <p:cNvPr id="15" name="Grup 14"/>
-          <p:cNvGrpSpPr/>
-          <p:nvPr/>
-        </p:nvGrpSpPr>
-        <p:grpSpPr>
-          <a:xfrm>
-            <a:off x="228596" y="6231467"/>
-            <a:ext cx="3041654" cy="492576"/>
-            <a:chOff x="228596" y="6231467"/>
-            <a:chExt cx="3041654" cy="492576"/>
-          </a:xfrm>
-        </p:grpSpPr>
-        <p:grpSp>
-          <p:nvGrpSpPr>
-            <p:cNvPr id="8" name="Grup 7"/>
-            <p:cNvGrpSpPr/>
-            <p:nvPr/>
-          </p:nvGrpSpPr>
-          <p:grpSpPr>
-            <a:xfrm>
-              <a:off x="228596" y="6231467"/>
-              <a:ext cx="2802471" cy="457084"/>
-              <a:chOff x="127000" y="5901146"/>
-              <a:chExt cx="5156200" cy="838200"/>
-            </a:xfrm>
-          </p:grpSpPr>
-          <p:sp>
-            <p:nvSpPr>
-              <p:cNvPr id="7" name="Dikdörtgen 6"/>
-              <p:cNvSpPr/>
-              <p:nvPr/>
-            </p:nvSpPr>
-            <p:spPr>
-              <a:xfrm>
-                <a:off x="127000" y="5901146"/>
-                <a:ext cx="5156200" cy="838200"/>
-              </a:xfrm>
-              <a:prstGeom prst="rect">
-                <a:avLst/>
-              </a:prstGeom>
-              <a:solidFill>
-                <a:schemeClr val="bg1">
-                  <a:lumMod val="95000"/>
-                </a:schemeClr>
-              </a:solidFill>
-              <a:ln>
-                <a:noFill/>
-              </a:ln>
-            </p:spPr>
-            <p:style>
-              <a:lnRef idx="2">
-                <a:schemeClr val="accent1">
-                  <a:shade val="50000"/>
-                </a:schemeClr>
-              </a:lnRef>
-              <a:fillRef idx="1">
-                <a:schemeClr val="accent1"/>
-              </a:fillRef>
-              <a:effectRef idx="0">
-                <a:schemeClr val="accent1"/>
-              </a:effectRef>
-              <a:fontRef idx="minor">
-                <a:schemeClr val="lt1"/>
-              </a:fontRef>
-            </p:style>
-            <p:txBody>
-              <a:bodyPr rtlCol="0" anchor="ctr"/>
-              <a:lstStyle/>
-              <a:p>
-                <a:pPr algn="ctr"/>
-                <a:endParaRPr lang="en-US" sz="2000"/>
-              </a:p>
-            </p:txBody>
-          </p:sp>
-          <p:grpSp>
-            <p:nvGrpSpPr>
-              <p:cNvPr id="6" name="Grup 5"/>
-              <p:cNvGrpSpPr/>
-              <p:nvPr/>
-            </p:nvGrpSpPr>
-            <p:grpSpPr>
-              <a:xfrm>
-                <a:off x="211667" y="6019800"/>
-                <a:ext cx="5012266" cy="605115"/>
-                <a:chOff x="211667" y="6019800"/>
-                <a:chExt cx="5012266" cy="605115"/>
-              </a:xfrm>
-            </p:grpSpPr>
-            <p:pic>
-              <p:nvPicPr>
-                <p:cNvPr id="4" name="Resim 3"/>
-                <p:cNvPicPr>
-                  <a:picLocks noChangeAspect="1"/>
-                </p:cNvPicPr>
-                <p:nvPr/>
-              </p:nvPicPr>
-              <p:blipFill rotWithShape="1">
-                <a:blip r:embed="rId3" cstate="print">
-                  <a:extLst>
-                    <a:ext uri="{28A0092B-C50C-407E-A947-70E740481C1C}">
-                      <a14:useLocalDpi xmlns:a14="http://schemas.microsoft.com/office/drawing/2010/main" val="0"/>
-                    </a:ext>
-                  </a:extLst>
-                </a:blip>
-                <a:srcRect l="24387" t="8319" r="18355" b="50150"/>
-                <a:stretch/>
-              </p:blipFill>
-              <p:spPr>
-                <a:xfrm>
-                  <a:off x="211667" y="6019800"/>
-                  <a:ext cx="1072095" cy="600892"/>
-                </a:xfrm>
-                <a:prstGeom prst="rect">
-                  <a:avLst/>
-                </a:prstGeom>
-              </p:spPr>
-            </p:pic>
-            <p:sp>
-              <p:nvSpPr>
-                <p:cNvPr id="5" name="Unvan 1"/>
-                <p:cNvSpPr txBox="1">
-                  <a:spLocks/>
-                </p:cNvSpPr>
-                <p:nvPr/>
-              </p:nvSpPr>
-              <p:spPr>
-                <a:xfrm>
-                  <a:off x="1283763" y="6024023"/>
-                  <a:ext cx="3940170" cy="600892"/>
-                </a:xfrm>
-                <a:prstGeom prst="rect">
-                  <a:avLst/>
-                </a:prstGeom>
-              </p:spPr>
-              <p:txBody>
-                <a:bodyPr vert="horz" lIns="91440" tIns="45720" rIns="91440" bIns="45720" rtlCol="0" anchor="b">
-                  <a:noAutofit/>
-                </a:bodyPr>
-                <a:lstStyle>
-                  <a:lvl1pPr algn="ctr" defTabSz="914400" rtl="0" eaLnBrk="1" latinLnBrk="0" hangingPunct="1">
-                    <a:lnSpc>
-                      <a:spcPct val="90000"/>
-                    </a:lnSpc>
-                    <a:spcBef>
-                      <a:spcPct val="0"/>
-                    </a:spcBef>
-                    <a:buNone/>
-                    <a:defRPr sz="6000" kern="1200">
-                      <a:solidFill>
-                        <a:schemeClr val="tx1"/>
-                      </a:solidFill>
-                      <a:latin typeface="+mj-lt"/>
-                      <a:ea typeface="+mj-ea"/>
-                      <a:cs typeface="+mj-cs"/>
-                    </a:defRPr>
-                  </a:lvl1pPr>
-                </a:lstStyle>
-                <a:p>
-                  <a:pPr algn="l"/>
-                  <a:r>
-                    <a:rPr lang="tr-TR" sz="2000" dirty="0" smtClean="0">
-                      <a:solidFill>
-                        <a:srgbClr val="CB171F"/>
-                      </a:solidFill>
-                      <a:latin typeface="Constantia" panose="02030602050306030303" pitchFamily="18" charset="0"/>
-                      <a:ea typeface="Verdana" panose="020B0604030504040204" pitchFamily="34" charset="0"/>
-                      <a:cs typeface="Arial" panose="020B0604020202020204" pitchFamily="34" charset="0"/>
-                    </a:rPr>
-                    <a:t>Veri Bilimi Okulu</a:t>
-                  </a:r>
-                  <a:endParaRPr lang="en-US" sz="2000" dirty="0">
-                    <a:solidFill>
-                      <a:srgbClr val="CB171F"/>
-                    </a:solidFill>
-                    <a:latin typeface="Constantia" panose="02030602050306030303" pitchFamily="18" charset="0"/>
-                    <a:ea typeface="Verdana" panose="020B0604030504040204" pitchFamily="34" charset="0"/>
-                    <a:cs typeface="Arial" panose="020B0604020202020204" pitchFamily="34" charset="0"/>
-                  </a:endParaRPr>
-                </a:p>
-              </p:txBody>
-            </p:sp>
-          </p:grpSp>
-        </p:grpSp>
-        <p:sp>
-          <p:nvSpPr>
-            <p:cNvPr id="12" name="Metin kutusu 11"/>
-            <p:cNvSpPr txBox="1"/>
-            <p:nvPr/>
-          </p:nvSpPr>
-          <p:spPr>
-            <a:xfrm>
-              <a:off x="1582782" y="6493211"/>
-              <a:ext cx="1687468" cy="230832"/>
-            </a:xfrm>
-            <a:prstGeom prst="rect">
-              <a:avLst/>
-            </a:prstGeom>
-            <a:noFill/>
-          </p:spPr>
-          <p:txBody>
-            <a:bodyPr wrap="square" rtlCol="0">
-              <a:spAutoFit/>
-            </a:bodyPr>
-            <a:lstStyle/>
-            <a:p>
-              <a:r>
-                <a:rPr lang="en-US" sz="900" dirty="0" smtClean="0">
-                  <a:solidFill>
-                    <a:srgbClr val="0B8043"/>
-                  </a:solidFill>
-                </a:rPr>
-                <a:t>https:</a:t>
-              </a:r>
-              <a:r>
-                <a:rPr lang="en-US" sz="900" dirty="0" smtClean="0">
-                  <a:solidFill>
-                    <a:schemeClr val="bg1">
-                      <a:lumMod val="50000"/>
-                    </a:schemeClr>
-                  </a:solidFill>
-                </a:rPr>
-                <a:t>//www.veribilimi.co</a:t>
-              </a:r>
-              <a:endParaRPr lang="en-US" sz="900" dirty="0">
-                <a:solidFill>
-                  <a:schemeClr val="bg1">
-                    <a:lumMod val="50000"/>
-                  </a:schemeClr>
-                </a:solidFill>
-              </a:endParaRPr>
-            </a:p>
-          </p:txBody>
-        </p:sp>
-      </p:grpSp>
-      <p:grpSp>
-        <p:nvGrpSpPr>
-          <p:cNvPr id="11" name="Grup 10"/>
-          <p:cNvGrpSpPr/>
-          <p:nvPr/>
-        </p:nvGrpSpPr>
-        <p:grpSpPr>
-          <a:xfrm>
-            <a:off x="9194796" y="6231467"/>
-            <a:ext cx="2802471" cy="457084"/>
-            <a:chOff x="184993" y="5905369"/>
-            <a:chExt cx="5156200" cy="838200"/>
-          </a:xfrm>
-        </p:grpSpPr>
-        <p:sp>
-          <p:nvSpPr>
-            <p:cNvPr id="13" name="Dikdörtgen 12"/>
-            <p:cNvSpPr/>
-            <p:nvPr/>
-          </p:nvSpPr>
-          <p:spPr>
-            <a:xfrm>
-              <a:off x="184993" y="5905369"/>
-              <a:ext cx="5156200" cy="838200"/>
-            </a:xfrm>
-            <a:prstGeom prst="rect">
-              <a:avLst/>
-            </a:prstGeom>
-            <a:solidFill>
-              <a:schemeClr val="bg1">
-                <a:lumMod val="95000"/>
-              </a:schemeClr>
-            </a:solidFill>
-            <a:ln>
-              <a:noFill/>
-            </a:ln>
-          </p:spPr>
-          <p:style>
-            <a:lnRef idx="2">
-              <a:schemeClr val="accent1">
-                <a:shade val="50000"/>
-              </a:schemeClr>
-            </a:lnRef>
-            <a:fillRef idx="1">
-              <a:schemeClr val="accent1"/>
-            </a:fillRef>
-            <a:effectRef idx="0">
-              <a:schemeClr val="accent1"/>
-            </a:effectRef>
-            <a:fontRef idx="minor">
-              <a:schemeClr val="lt1"/>
-            </a:fontRef>
-          </p:style>
-          <p:txBody>
-            <a:bodyPr rtlCol="0" anchor="ctr"/>
-            <a:lstStyle/>
-            <a:p>
-              <a:pPr algn="ctr"/>
-              <a:endParaRPr lang="en-US" sz="2000"/>
-            </a:p>
-          </p:txBody>
-        </p:sp>
-        <p:sp>
-          <p:nvSpPr>
-            <p:cNvPr id="14" name="Unvan 1"/>
-            <p:cNvSpPr txBox="1">
-              <a:spLocks/>
-            </p:cNvSpPr>
-            <p:nvPr/>
-          </p:nvSpPr>
-          <p:spPr>
-            <a:xfrm>
-              <a:off x="302252" y="6024023"/>
-              <a:ext cx="4921678" cy="600892"/>
-            </a:xfrm>
-            <a:prstGeom prst="rect">
-              <a:avLst/>
-            </a:prstGeom>
-          </p:spPr>
-          <p:txBody>
-            <a:bodyPr vert="horz" lIns="91440" tIns="45720" rIns="91440" bIns="45720" rtlCol="0" anchor="b">
-              <a:noAutofit/>
-            </a:bodyPr>
-            <a:lstStyle>
-              <a:lvl1pPr algn="ctr" defTabSz="914400" rtl="0" eaLnBrk="1" latinLnBrk="0" hangingPunct="1">
-                <a:lnSpc>
-                  <a:spcPct val="90000"/>
-                </a:lnSpc>
-                <a:spcBef>
-                  <a:spcPct val="0"/>
-                </a:spcBef>
-                <a:buNone/>
-                <a:defRPr sz="6000" kern="1200">
-                  <a:solidFill>
-                    <a:schemeClr val="tx1"/>
-                  </a:solidFill>
-                  <a:latin typeface="+mj-lt"/>
-                  <a:ea typeface="+mj-ea"/>
-                  <a:cs typeface="+mj-cs"/>
-                </a:defRPr>
-              </a:lvl1pPr>
-            </a:lstStyle>
-            <a:p>
-              <a:pPr algn="l"/>
-              <a:r>
-                <a:rPr lang="tr-TR" sz="2000" dirty="0">
-                  <a:solidFill>
-                    <a:srgbClr val="CB171F"/>
-                  </a:solidFill>
-                  <a:latin typeface="Constantia" panose="02030602050306030303" pitchFamily="18" charset="0"/>
-                  <a:ea typeface="Verdana" panose="020B0604030504040204" pitchFamily="34" charset="0"/>
-                  <a:cs typeface="Arial" panose="020B0604020202020204" pitchFamily="34" charset="0"/>
-                </a:rPr>
-                <a:t>A’dan Z’ye Büyük Veri</a:t>
-              </a:r>
-              <a:endParaRPr lang="en-US" sz="2000" dirty="0">
-                <a:solidFill>
-                  <a:srgbClr val="CB171F"/>
-                </a:solidFill>
-                <a:latin typeface="Constantia" panose="02030602050306030303" pitchFamily="18" charset="0"/>
-                <a:ea typeface="Verdana" panose="020B0604030504040204" pitchFamily="34" charset="0"/>
-                <a:cs typeface="Arial" panose="020B0604020202020204" pitchFamily="34" charset="0"/>
-              </a:endParaRPr>
-            </a:p>
-          </p:txBody>
-        </p:sp>
-      </p:grpSp>
       <p:sp>
         <p:nvSpPr>
           <p:cNvPr id="3" name="Dikdörtgen 2"/>
@@ -5005,44 +4272,44 @@
               <a:buChar char="ü"/>
             </a:pPr>
             <a:r>
-              <a:rPr lang="en-US" sz="3800" dirty="0" smtClean="0"/>
+              <a:rPr lang="en-US" sz="3800" dirty="0"/>
               <a:t>The Apache Hadoop </a:t>
             </a:r>
             <a:r>
-              <a:rPr lang="tr-TR" sz="3800" dirty="0" smtClean="0"/>
+              <a:rPr lang="tr-TR" sz="3800" dirty="0"/>
               <a:t>yazılım kütüphanesi, bir «</a:t>
             </a:r>
             <a:r>
-              <a:rPr lang="tr-TR" sz="3800" dirty="0" err="1" smtClean="0"/>
+              <a:rPr lang="tr-TR" sz="3800" dirty="0" err="1"/>
               <a:t>framework</a:t>
             </a:r>
             <a:r>
-              <a:rPr lang="tr-TR" sz="3800" dirty="0" smtClean="0"/>
+              <a:rPr lang="tr-TR" sz="3800" dirty="0"/>
               <a:t>» dür.  </a:t>
             </a:r>
           </a:p>
           <a:p>
-            <a:endParaRPr lang="tr-TR" sz="3800" dirty="0" smtClean="0"/>
+            <a:endParaRPr lang="tr-TR" sz="3800" dirty="0"/>
           </a:p>
           <a:p>
             <a:r>
-              <a:rPr lang="tr-TR" sz="3800" dirty="0" smtClean="0"/>
+              <a:rPr lang="tr-TR" sz="3800" dirty="0"/>
               <a:t>Bu </a:t>
             </a:r>
             <a:r>
-              <a:rPr lang="tr-TR" sz="3800" dirty="0" err="1" smtClean="0"/>
+              <a:rPr lang="tr-TR" sz="3800" dirty="0" err="1"/>
               <a:t>framework</a:t>
             </a:r>
             <a:r>
-              <a:rPr lang="tr-TR" sz="3800" dirty="0" smtClean="0"/>
+              <a:rPr lang="tr-TR" sz="3800" dirty="0"/>
               <a:t>; çok büyük hacimli veri setlerinin sunucu kümeleri (</a:t>
             </a:r>
             <a:r>
-              <a:rPr lang="tr-TR" sz="3800" dirty="0" err="1" smtClean="0"/>
+              <a:rPr lang="tr-TR" sz="3800" dirty="0" err="1"/>
               <a:t>clusters</a:t>
             </a:r>
             <a:r>
-              <a:rPr lang="tr-TR" sz="3800" dirty="0" smtClean="0"/>
+              <a:rPr lang="tr-TR" sz="3800" dirty="0"/>
               <a:t>) üzerinde basit programlama modelleriyle dağıtık şekilde işlenmesine imkan verir. </a:t>
             </a:r>
           </a:p>
@@ -5070,14 +4337,13 @@
           <a:lstStyle/>
           <a:p>
             <a:r>
-              <a:rPr lang="tr-TR" dirty="0" smtClean="0"/>
+              <a:rPr lang="tr-TR" dirty="0"/>
               <a:t>Kaynak: </a:t>
             </a:r>
             <a:r>
-              <a:rPr lang="en-US" dirty="0" smtClean="0"/>
+              <a:rPr lang="en-US" dirty="0"/>
               <a:t>http://hadoop.apache.org</a:t>
             </a:r>
-            <a:endParaRPr lang="en-US" dirty="0"/>
           </a:p>
         </p:txBody>
       </p:sp>
@@ -5091,13 +4357,6 @@
   <p:clrMapOvr>
     <a:masterClrMapping/>
   </p:clrMapOvr>
-  <p:timing>
-    <p:tnLst>
-      <p:par>
-        <p:cTn id="1" dur="indefinite" restart="never" nodeType="tmRoot"/>
-      </p:par>
-    </p:tnLst>
-  </p:timing>
 </p:sld>
 </file>
 
@@ -5141,7 +4400,7 @@
           <a:lstStyle/>
           <a:p>
             <a:r>
-              <a:rPr lang="tr-TR" sz="4200" b="1" dirty="0" smtClean="0">
+              <a:rPr lang="tr-TR" sz="4200" b="1" dirty="0">
                 <a:solidFill>
                   <a:srgbClr val="CD1F26"/>
                 </a:solidFill>
@@ -5199,369 +4458,6 @@
           </a:fontRef>
         </p:style>
       </p:cxnSp>
-      <p:grpSp>
-        <p:nvGrpSpPr>
-          <p:cNvPr id="15" name="Grup 14"/>
-          <p:cNvGrpSpPr/>
-          <p:nvPr/>
-        </p:nvGrpSpPr>
-        <p:grpSpPr>
-          <a:xfrm>
-            <a:off x="228596" y="6231467"/>
-            <a:ext cx="3041654" cy="492576"/>
-            <a:chOff x="228596" y="6231467"/>
-            <a:chExt cx="3041654" cy="492576"/>
-          </a:xfrm>
-        </p:grpSpPr>
-        <p:grpSp>
-          <p:nvGrpSpPr>
-            <p:cNvPr id="8" name="Grup 7"/>
-            <p:cNvGrpSpPr/>
-            <p:nvPr/>
-          </p:nvGrpSpPr>
-          <p:grpSpPr>
-            <a:xfrm>
-              <a:off x="228596" y="6231467"/>
-              <a:ext cx="2802471" cy="457084"/>
-              <a:chOff x="127000" y="5901146"/>
-              <a:chExt cx="5156200" cy="838200"/>
-            </a:xfrm>
-          </p:grpSpPr>
-          <p:sp>
-            <p:nvSpPr>
-              <p:cNvPr id="7" name="Dikdörtgen 6"/>
-              <p:cNvSpPr/>
-              <p:nvPr/>
-            </p:nvSpPr>
-            <p:spPr>
-              <a:xfrm>
-                <a:off x="127000" y="5901146"/>
-                <a:ext cx="5156200" cy="838200"/>
-              </a:xfrm>
-              <a:prstGeom prst="rect">
-                <a:avLst/>
-              </a:prstGeom>
-              <a:solidFill>
-                <a:schemeClr val="bg1">
-                  <a:lumMod val="95000"/>
-                </a:schemeClr>
-              </a:solidFill>
-              <a:ln>
-                <a:noFill/>
-              </a:ln>
-            </p:spPr>
-            <p:style>
-              <a:lnRef idx="2">
-                <a:schemeClr val="accent1">
-                  <a:shade val="50000"/>
-                </a:schemeClr>
-              </a:lnRef>
-              <a:fillRef idx="1">
-                <a:schemeClr val="accent1"/>
-              </a:fillRef>
-              <a:effectRef idx="0">
-                <a:schemeClr val="accent1"/>
-              </a:effectRef>
-              <a:fontRef idx="minor">
-                <a:schemeClr val="lt1"/>
-              </a:fontRef>
-            </p:style>
-            <p:txBody>
-              <a:bodyPr rtlCol="0" anchor="ctr"/>
-              <a:lstStyle/>
-              <a:p>
-                <a:pPr algn="ctr"/>
-                <a:endParaRPr lang="en-US" sz="2000"/>
-              </a:p>
-            </p:txBody>
-          </p:sp>
-          <p:grpSp>
-            <p:nvGrpSpPr>
-              <p:cNvPr id="6" name="Grup 5"/>
-              <p:cNvGrpSpPr/>
-              <p:nvPr/>
-            </p:nvGrpSpPr>
-            <p:grpSpPr>
-              <a:xfrm>
-                <a:off x="211667" y="6019800"/>
-                <a:ext cx="5012266" cy="605115"/>
-                <a:chOff x="211667" y="6019800"/>
-                <a:chExt cx="5012266" cy="605115"/>
-              </a:xfrm>
-            </p:grpSpPr>
-            <p:pic>
-              <p:nvPicPr>
-                <p:cNvPr id="4" name="Resim 3"/>
-                <p:cNvPicPr>
-                  <a:picLocks noChangeAspect="1"/>
-                </p:cNvPicPr>
-                <p:nvPr/>
-              </p:nvPicPr>
-              <p:blipFill rotWithShape="1">
-                <a:blip r:embed="rId3" cstate="print">
-                  <a:extLst>
-                    <a:ext uri="{28A0092B-C50C-407E-A947-70E740481C1C}">
-                      <a14:useLocalDpi xmlns:a14="http://schemas.microsoft.com/office/drawing/2010/main" val="0"/>
-                    </a:ext>
-                  </a:extLst>
-                </a:blip>
-                <a:srcRect l="24387" t="8319" r="18355" b="50150"/>
-                <a:stretch/>
-              </p:blipFill>
-              <p:spPr>
-                <a:xfrm>
-                  <a:off x="211667" y="6019800"/>
-                  <a:ext cx="1072095" cy="600892"/>
-                </a:xfrm>
-                <a:prstGeom prst="rect">
-                  <a:avLst/>
-                </a:prstGeom>
-              </p:spPr>
-            </p:pic>
-            <p:sp>
-              <p:nvSpPr>
-                <p:cNvPr id="5" name="Unvan 1"/>
-                <p:cNvSpPr txBox="1">
-                  <a:spLocks/>
-                </p:cNvSpPr>
-                <p:nvPr/>
-              </p:nvSpPr>
-              <p:spPr>
-                <a:xfrm>
-                  <a:off x="1283763" y="6024023"/>
-                  <a:ext cx="3940170" cy="600892"/>
-                </a:xfrm>
-                <a:prstGeom prst="rect">
-                  <a:avLst/>
-                </a:prstGeom>
-              </p:spPr>
-              <p:txBody>
-                <a:bodyPr vert="horz" lIns="91440" tIns="45720" rIns="91440" bIns="45720" rtlCol="0" anchor="b">
-                  <a:noAutofit/>
-                </a:bodyPr>
-                <a:lstStyle>
-                  <a:lvl1pPr algn="ctr" defTabSz="914400" rtl="0" eaLnBrk="1" latinLnBrk="0" hangingPunct="1">
-                    <a:lnSpc>
-                      <a:spcPct val="90000"/>
-                    </a:lnSpc>
-                    <a:spcBef>
-                      <a:spcPct val="0"/>
-                    </a:spcBef>
-                    <a:buNone/>
-                    <a:defRPr sz="6000" kern="1200">
-                      <a:solidFill>
-                        <a:schemeClr val="tx1"/>
-                      </a:solidFill>
-                      <a:latin typeface="+mj-lt"/>
-                      <a:ea typeface="+mj-ea"/>
-                      <a:cs typeface="+mj-cs"/>
-                    </a:defRPr>
-                  </a:lvl1pPr>
-                </a:lstStyle>
-                <a:p>
-                  <a:pPr algn="l"/>
-                  <a:r>
-                    <a:rPr lang="tr-TR" sz="2000" dirty="0" smtClean="0">
-                      <a:solidFill>
-                        <a:srgbClr val="CB171F"/>
-                      </a:solidFill>
-                      <a:latin typeface="Constantia" panose="02030602050306030303" pitchFamily="18" charset="0"/>
-                      <a:ea typeface="Verdana" panose="020B0604030504040204" pitchFamily="34" charset="0"/>
-                      <a:cs typeface="Arial" panose="020B0604020202020204" pitchFamily="34" charset="0"/>
-                    </a:rPr>
-                    <a:t>Veri Bilimi Okulu</a:t>
-                  </a:r>
-                  <a:endParaRPr lang="en-US" sz="2000" dirty="0">
-                    <a:solidFill>
-                      <a:srgbClr val="CB171F"/>
-                    </a:solidFill>
-                    <a:latin typeface="Constantia" panose="02030602050306030303" pitchFamily="18" charset="0"/>
-                    <a:ea typeface="Verdana" panose="020B0604030504040204" pitchFamily="34" charset="0"/>
-                    <a:cs typeface="Arial" panose="020B0604020202020204" pitchFamily="34" charset="0"/>
-                  </a:endParaRPr>
-                </a:p>
-              </p:txBody>
-            </p:sp>
-          </p:grpSp>
-        </p:grpSp>
-        <p:sp>
-          <p:nvSpPr>
-            <p:cNvPr id="12" name="Metin kutusu 11"/>
-            <p:cNvSpPr txBox="1"/>
-            <p:nvPr/>
-          </p:nvSpPr>
-          <p:spPr>
-            <a:xfrm>
-              <a:off x="1582782" y="6493211"/>
-              <a:ext cx="1687468" cy="230832"/>
-            </a:xfrm>
-            <a:prstGeom prst="rect">
-              <a:avLst/>
-            </a:prstGeom>
-            <a:noFill/>
-          </p:spPr>
-          <p:txBody>
-            <a:bodyPr wrap="square" rtlCol="0">
-              <a:spAutoFit/>
-            </a:bodyPr>
-            <a:lstStyle/>
-            <a:p>
-              <a:r>
-                <a:rPr lang="en-US" sz="900" dirty="0" smtClean="0">
-                  <a:solidFill>
-                    <a:srgbClr val="0B8043"/>
-                  </a:solidFill>
-                </a:rPr>
-                <a:t>https:</a:t>
-              </a:r>
-              <a:r>
-                <a:rPr lang="en-US" sz="900" dirty="0" smtClean="0">
-                  <a:solidFill>
-                    <a:schemeClr val="bg1">
-                      <a:lumMod val="50000"/>
-                    </a:schemeClr>
-                  </a:solidFill>
-                </a:rPr>
-                <a:t>//www.veribilimi.co</a:t>
-              </a:r>
-              <a:endParaRPr lang="en-US" sz="900" dirty="0">
-                <a:solidFill>
-                  <a:schemeClr val="bg1">
-                    <a:lumMod val="50000"/>
-                  </a:schemeClr>
-                </a:solidFill>
-              </a:endParaRPr>
-            </a:p>
-          </p:txBody>
-        </p:sp>
-      </p:grpSp>
-      <p:grpSp>
-        <p:nvGrpSpPr>
-          <p:cNvPr id="11" name="Grup 10"/>
-          <p:cNvGrpSpPr/>
-          <p:nvPr/>
-        </p:nvGrpSpPr>
-        <p:grpSpPr>
-          <a:xfrm>
-            <a:off x="9194796" y="6231467"/>
-            <a:ext cx="2802471" cy="457084"/>
-            <a:chOff x="184993" y="5905369"/>
-            <a:chExt cx="5156200" cy="838200"/>
-          </a:xfrm>
-        </p:grpSpPr>
-        <p:sp>
-          <p:nvSpPr>
-            <p:cNvPr id="13" name="Dikdörtgen 12"/>
-            <p:cNvSpPr/>
-            <p:nvPr/>
-          </p:nvSpPr>
-          <p:spPr>
-            <a:xfrm>
-              <a:off x="184993" y="5905369"/>
-              <a:ext cx="5156200" cy="838200"/>
-            </a:xfrm>
-            <a:prstGeom prst="rect">
-              <a:avLst/>
-            </a:prstGeom>
-            <a:solidFill>
-              <a:schemeClr val="bg1">
-                <a:lumMod val="95000"/>
-              </a:schemeClr>
-            </a:solidFill>
-            <a:ln>
-              <a:noFill/>
-            </a:ln>
-          </p:spPr>
-          <p:style>
-            <a:lnRef idx="2">
-              <a:schemeClr val="accent1">
-                <a:shade val="50000"/>
-              </a:schemeClr>
-            </a:lnRef>
-            <a:fillRef idx="1">
-              <a:schemeClr val="accent1"/>
-            </a:fillRef>
-            <a:effectRef idx="0">
-              <a:schemeClr val="accent1"/>
-            </a:effectRef>
-            <a:fontRef idx="minor">
-              <a:schemeClr val="lt1"/>
-            </a:fontRef>
-          </p:style>
-          <p:txBody>
-            <a:bodyPr rtlCol="0" anchor="ctr"/>
-            <a:lstStyle/>
-            <a:p>
-              <a:pPr algn="ctr"/>
-              <a:endParaRPr lang="en-US" sz="2000"/>
-            </a:p>
-          </p:txBody>
-        </p:sp>
-        <p:sp>
-          <p:nvSpPr>
-            <p:cNvPr id="14" name="Unvan 1"/>
-            <p:cNvSpPr txBox="1">
-              <a:spLocks/>
-            </p:cNvSpPr>
-            <p:nvPr/>
-          </p:nvSpPr>
-          <p:spPr>
-            <a:xfrm>
-              <a:off x="302252" y="6024023"/>
-              <a:ext cx="4921678" cy="600892"/>
-            </a:xfrm>
-            <a:prstGeom prst="rect">
-              <a:avLst/>
-            </a:prstGeom>
-          </p:spPr>
-          <p:txBody>
-            <a:bodyPr vert="horz" lIns="91440" tIns="45720" rIns="91440" bIns="45720" rtlCol="0" anchor="b">
-              <a:noAutofit/>
-            </a:bodyPr>
-            <a:lstStyle>
-              <a:lvl1pPr algn="ctr" defTabSz="914400" rtl="0" eaLnBrk="1" latinLnBrk="0" hangingPunct="1">
-                <a:lnSpc>
-                  <a:spcPct val="90000"/>
-                </a:lnSpc>
-                <a:spcBef>
-                  <a:spcPct val="0"/>
-                </a:spcBef>
-                <a:buNone/>
-                <a:defRPr sz="6000" kern="1200">
-                  <a:solidFill>
-                    <a:schemeClr val="tx1"/>
-                  </a:solidFill>
-                  <a:latin typeface="+mj-lt"/>
-                  <a:ea typeface="+mj-ea"/>
-                  <a:cs typeface="+mj-cs"/>
-                </a:defRPr>
-              </a:lvl1pPr>
-            </a:lstStyle>
-            <a:p>
-              <a:pPr algn="l"/>
-              <a:r>
-                <a:rPr lang="tr-TR" sz="2000" dirty="0">
-                  <a:solidFill>
-                    <a:srgbClr val="CB171F"/>
-                  </a:solidFill>
-                  <a:latin typeface="Constantia" panose="02030602050306030303" pitchFamily="18" charset="0"/>
-                  <a:ea typeface="Verdana" panose="020B0604030504040204" pitchFamily="34" charset="0"/>
-                  <a:cs typeface="Arial" panose="020B0604020202020204" pitchFamily="34" charset="0"/>
-                </a:rPr>
-                <a:t>A’dan Z’ye Büyük Veri</a:t>
-              </a:r>
-              <a:endParaRPr lang="en-US" sz="2000" dirty="0">
-                <a:solidFill>
-                  <a:srgbClr val="CB171F"/>
-                </a:solidFill>
-                <a:latin typeface="Constantia" panose="02030602050306030303" pitchFamily="18" charset="0"/>
-                <a:ea typeface="Verdana" panose="020B0604030504040204" pitchFamily="34" charset="0"/>
-                <a:cs typeface="Arial" panose="020B0604020202020204" pitchFamily="34" charset="0"/>
-              </a:endParaRPr>
-            </a:p>
-          </p:txBody>
-        </p:sp>
-      </p:grpSp>
       <p:sp>
         <p:nvSpPr>
           <p:cNvPr id="3" name="Dikdörtgen 2"/>
@@ -5584,44 +4480,44 @@
           <a:lstStyle/>
           <a:p>
             <a:r>
-              <a:rPr lang="en-US" sz="3800" dirty="0" smtClean="0"/>
+              <a:rPr lang="en-US" sz="3800" dirty="0"/>
               <a:t>The Apache Hadoop </a:t>
             </a:r>
             <a:r>
-              <a:rPr lang="tr-TR" sz="3800" dirty="0" smtClean="0"/>
+              <a:rPr lang="tr-TR" sz="3800" dirty="0"/>
               <a:t>yazılım kütüphanesi, bir «</a:t>
             </a:r>
             <a:r>
-              <a:rPr lang="tr-TR" sz="3800" dirty="0" err="1" smtClean="0"/>
+              <a:rPr lang="tr-TR" sz="3800" dirty="0" err="1"/>
               <a:t>framework</a:t>
             </a:r>
             <a:r>
-              <a:rPr lang="tr-TR" sz="3800" dirty="0" smtClean="0"/>
+              <a:rPr lang="tr-TR" sz="3800" dirty="0"/>
               <a:t>» dür.  </a:t>
             </a:r>
           </a:p>
           <a:p>
-            <a:endParaRPr lang="tr-TR" sz="3800" dirty="0" smtClean="0"/>
+            <a:endParaRPr lang="tr-TR" sz="3800" dirty="0"/>
           </a:p>
           <a:p>
             <a:r>
-              <a:rPr lang="tr-TR" sz="3800" dirty="0" smtClean="0"/>
+              <a:rPr lang="tr-TR" sz="3800" dirty="0"/>
               <a:t>Bu </a:t>
             </a:r>
             <a:r>
-              <a:rPr lang="tr-TR" sz="3800" dirty="0" err="1" smtClean="0"/>
+              <a:rPr lang="tr-TR" sz="3800" dirty="0" err="1"/>
               <a:t>framework</a:t>
             </a:r>
             <a:r>
-              <a:rPr lang="tr-TR" sz="3800" dirty="0" smtClean="0"/>
+              <a:rPr lang="tr-TR" sz="3800" dirty="0"/>
               <a:t>; çok büyük hacimli veri setlerinin sunucu kümeleri (</a:t>
             </a:r>
             <a:r>
-              <a:rPr lang="tr-TR" sz="3800" dirty="0" err="1" smtClean="0"/>
+              <a:rPr lang="tr-TR" sz="3800" dirty="0" err="1"/>
               <a:t>clusters</a:t>
             </a:r>
             <a:r>
-              <a:rPr lang="tr-TR" sz="3800" dirty="0" smtClean="0"/>
+              <a:rPr lang="tr-TR" sz="3800" dirty="0"/>
               <a:t>) üzerinde basit programlama modelleriyle dağıtık şekilde işlenmesine imkan verir. </a:t>
             </a:r>
           </a:p>
@@ -5649,14 +4545,13 @@
           <a:lstStyle/>
           <a:p>
             <a:r>
-              <a:rPr lang="tr-TR" dirty="0" smtClean="0"/>
+              <a:rPr lang="tr-TR" dirty="0"/>
               <a:t>Kaynak: </a:t>
             </a:r>
             <a:r>
-              <a:rPr lang="en-US" dirty="0" smtClean="0"/>
+              <a:rPr lang="en-US" dirty="0"/>
               <a:t>http://hadoop.apache.org</a:t>
             </a:r>
-            <a:endParaRPr lang="en-US" dirty="0"/>
           </a:p>
         </p:txBody>
       </p:sp>
@@ -5670,13 +4565,6 @@
   <p:clrMapOvr>
     <a:masterClrMapping/>
   </p:clrMapOvr>
-  <p:timing>
-    <p:tnLst>
-      <p:par>
-        <p:cTn id="1" dur="indefinite" restart="never" nodeType="tmRoot"/>
-      </p:par>
-    </p:tnLst>
-  </p:timing>
 </p:sld>
 </file>
 
@@ -5720,7 +4608,7 @@
           <a:lstStyle/>
           <a:p>
             <a:r>
-              <a:rPr lang="tr-TR" sz="4200" b="1" dirty="0" smtClean="0">
+              <a:rPr lang="tr-TR" sz="4200" b="1" dirty="0">
                 <a:solidFill>
                   <a:srgbClr val="CD1F26"/>
                 </a:solidFill>
@@ -5778,369 +4666,6 @@
           </a:fontRef>
         </p:style>
       </p:cxnSp>
-      <p:grpSp>
-        <p:nvGrpSpPr>
-          <p:cNvPr id="15" name="Grup 14"/>
-          <p:cNvGrpSpPr/>
-          <p:nvPr/>
-        </p:nvGrpSpPr>
-        <p:grpSpPr>
-          <a:xfrm>
-            <a:off x="228596" y="6231467"/>
-            <a:ext cx="3041654" cy="492576"/>
-            <a:chOff x="228596" y="6231467"/>
-            <a:chExt cx="3041654" cy="492576"/>
-          </a:xfrm>
-        </p:grpSpPr>
-        <p:grpSp>
-          <p:nvGrpSpPr>
-            <p:cNvPr id="8" name="Grup 7"/>
-            <p:cNvGrpSpPr/>
-            <p:nvPr/>
-          </p:nvGrpSpPr>
-          <p:grpSpPr>
-            <a:xfrm>
-              <a:off x="228596" y="6231467"/>
-              <a:ext cx="2802471" cy="457084"/>
-              <a:chOff x="127000" y="5901146"/>
-              <a:chExt cx="5156200" cy="838200"/>
-            </a:xfrm>
-          </p:grpSpPr>
-          <p:sp>
-            <p:nvSpPr>
-              <p:cNvPr id="7" name="Dikdörtgen 6"/>
-              <p:cNvSpPr/>
-              <p:nvPr/>
-            </p:nvSpPr>
-            <p:spPr>
-              <a:xfrm>
-                <a:off x="127000" y="5901146"/>
-                <a:ext cx="5156200" cy="838200"/>
-              </a:xfrm>
-              <a:prstGeom prst="rect">
-                <a:avLst/>
-              </a:prstGeom>
-              <a:solidFill>
-                <a:schemeClr val="bg1">
-                  <a:lumMod val="95000"/>
-                </a:schemeClr>
-              </a:solidFill>
-              <a:ln>
-                <a:noFill/>
-              </a:ln>
-            </p:spPr>
-            <p:style>
-              <a:lnRef idx="2">
-                <a:schemeClr val="accent1">
-                  <a:shade val="50000"/>
-                </a:schemeClr>
-              </a:lnRef>
-              <a:fillRef idx="1">
-                <a:schemeClr val="accent1"/>
-              </a:fillRef>
-              <a:effectRef idx="0">
-                <a:schemeClr val="accent1"/>
-              </a:effectRef>
-              <a:fontRef idx="minor">
-                <a:schemeClr val="lt1"/>
-              </a:fontRef>
-            </p:style>
-            <p:txBody>
-              <a:bodyPr rtlCol="0" anchor="ctr"/>
-              <a:lstStyle/>
-              <a:p>
-                <a:pPr algn="ctr"/>
-                <a:endParaRPr lang="en-US" sz="2000"/>
-              </a:p>
-            </p:txBody>
-          </p:sp>
-          <p:grpSp>
-            <p:nvGrpSpPr>
-              <p:cNvPr id="6" name="Grup 5"/>
-              <p:cNvGrpSpPr/>
-              <p:nvPr/>
-            </p:nvGrpSpPr>
-            <p:grpSpPr>
-              <a:xfrm>
-                <a:off x="211667" y="6019800"/>
-                <a:ext cx="5012266" cy="605115"/>
-                <a:chOff x="211667" y="6019800"/>
-                <a:chExt cx="5012266" cy="605115"/>
-              </a:xfrm>
-            </p:grpSpPr>
-            <p:pic>
-              <p:nvPicPr>
-                <p:cNvPr id="4" name="Resim 3"/>
-                <p:cNvPicPr>
-                  <a:picLocks noChangeAspect="1"/>
-                </p:cNvPicPr>
-                <p:nvPr/>
-              </p:nvPicPr>
-              <p:blipFill rotWithShape="1">
-                <a:blip r:embed="rId3" cstate="print">
-                  <a:extLst>
-                    <a:ext uri="{28A0092B-C50C-407E-A947-70E740481C1C}">
-                      <a14:useLocalDpi xmlns:a14="http://schemas.microsoft.com/office/drawing/2010/main" val="0"/>
-                    </a:ext>
-                  </a:extLst>
-                </a:blip>
-                <a:srcRect l="24387" t="8319" r="18355" b="50150"/>
-                <a:stretch/>
-              </p:blipFill>
-              <p:spPr>
-                <a:xfrm>
-                  <a:off x="211667" y="6019800"/>
-                  <a:ext cx="1072095" cy="600892"/>
-                </a:xfrm>
-                <a:prstGeom prst="rect">
-                  <a:avLst/>
-                </a:prstGeom>
-              </p:spPr>
-            </p:pic>
-            <p:sp>
-              <p:nvSpPr>
-                <p:cNvPr id="5" name="Unvan 1"/>
-                <p:cNvSpPr txBox="1">
-                  <a:spLocks/>
-                </p:cNvSpPr>
-                <p:nvPr/>
-              </p:nvSpPr>
-              <p:spPr>
-                <a:xfrm>
-                  <a:off x="1283763" y="6024023"/>
-                  <a:ext cx="3940170" cy="600892"/>
-                </a:xfrm>
-                <a:prstGeom prst="rect">
-                  <a:avLst/>
-                </a:prstGeom>
-              </p:spPr>
-              <p:txBody>
-                <a:bodyPr vert="horz" lIns="91440" tIns="45720" rIns="91440" bIns="45720" rtlCol="0" anchor="b">
-                  <a:noAutofit/>
-                </a:bodyPr>
-                <a:lstStyle>
-                  <a:lvl1pPr algn="ctr" defTabSz="914400" rtl="0" eaLnBrk="1" latinLnBrk="0" hangingPunct="1">
-                    <a:lnSpc>
-                      <a:spcPct val="90000"/>
-                    </a:lnSpc>
-                    <a:spcBef>
-                      <a:spcPct val="0"/>
-                    </a:spcBef>
-                    <a:buNone/>
-                    <a:defRPr sz="6000" kern="1200">
-                      <a:solidFill>
-                        <a:schemeClr val="tx1"/>
-                      </a:solidFill>
-                      <a:latin typeface="+mj-lt"/>
-                      <a:ea typeface="+mj-ea"/>
-                      <a:cs typeface="+mj-cs"/>
-                    </a:defRPr>
-                  </a:lvl1pPr>
-                </a:lstStyle>
-                <a:p>
-                  <a:pPr algn="l"/>
-                  <a:r>
-                    <a:rPr lang="tr-TR" sz="2000" dirty="0" smtClean="0">
-                      <a:solidFill>
-                        <a:srgbClr val="CB171F"/>
-                      </a:solidFill>
-                      <a:latin typeface="Constantia" panose="02030602050306030303" pitchFamily="18" charset="0"/>
-                      <a:ea typeface="Verdana" panose="020B0604030504040204" pitchFamily="34" charset="0"/>
-                      <a:cs typeface="Arial" panose="020B0604020202020204" pitchFamily="34" charset="0"/>
-                    </a:rPr>
-                    <a:t>Veri Bilimi Okulu</a:t>
-                  </a:r>
-                  <a:endParaRPr lang="en-US" sz="2000" dirty="0">
-                    <a:solidFill>
-                      <a:srgbClr val="CB171F"/>
-                    </a:solidFill>
-                    <a:latin typeface="Constantia" panose="02030602050306030303" pitchFamily="18" charset="0"/>
-                    <a:ea typeface="Verdana" panose="020B0604030504040204" pitchFamily="34" charset="0"/>
-                    <a:cs typeface="Arial" panose="020B0604020202020204" pitchFamily="34" charset="0"/>
-                  </a:endParaRPr>
-                </a:p>
-              </p:txBody>
-            </p:sp>
-          </p:grpSp>
-        </p:grpSp>
-        <p:sp>
-          <p:nvSpPr>
-            <p:cNvPr id="12" name="Metin kutusu 11"/>
-            <p:cNvSpPr txBox="1"/>
-            <p:nvPr/>
-          </p:nvSpPr>
-          <p:spPr>
-            <a:xfrm>
-              <a:off x="1582782" y="6493211"/>
-              <a:ext cx="1687468" cy="230832"/>
-            </a:xfrm>
-            <a:prstGeom prst="rect">
-              <a:avLst/>
-            </a:prstGeom>
-            <a:noFill/>
-          </p:spPr>
-          <p:txBody>
-            <a:bodyPr wrap="square" rtlCol="0">
-              <a:spAutoFit/>
-            </a:bodyPr>
-            <a:lstStyle/>
-            <a:p>
-              <a:r>
-                <a:rPr lang="en-US" sz="900" dirty="0" smtClean="0">
-                  <a:solidFill>
-                    <a:srgbClr val="0B8043"/>
-                  </a:solidFill>
-                </a:rPr>
-                <a:t>https:</a:t>
-              </a:r>
-              <a:r>
-                <a:rPr lang="en-US" sz="900" dirty="0" smtClean="0">
-                  <a:solidFill>
-                    <a:schemeClr val="bg1">
-                      <a:lumMod val="50000"/>
-                    </a:schemeClr>
-                  </a:solidFill>
-                </a:rPr>
-                <a:t>//www.veribilimi.co</a:t>
-              </a:r>
-              <a:endParaRPr lang="en-US" sz="900" dirty="0">
-                <a:solidFill>
-                  <a:schemeClr val="bg1">
-                    <a:lumMod val="50000"/>
-                  </a:schemeClr>
-                </a:solidFill>
-              </a:endParaRPr>
-            </a:p>
-          </p:txBody>
-        </p:sp>
-      </p:grpSp>
-      <p:grpSp>
-        <p:nvGrpSpPr>
-          <p:cNvPr id="11" name="Grup 10"/>
-          <p:cNvGrpSpPr/>
-          <p:nvPr/>
-        </p:nvGrpSpPr>
-        <p:grpSpPr>
-          <a:xfrm>
-            <a:off x="9194796" y="6231467"/>
-            <a:ext cx="2802471" cy="457084"/>
-            <a:chOff x="184993" y="5905369"/>
-            <a:chExt cx="5156200" cy="838200"/>
-          </a:xfrm>
-        </p:grpSpPr>
-        <p:sp>
-          <p:nvSpPr>
-            <p:cNvPr id="13" name="Dikdörtgen 12"/>
-            <p:cNvSpPr/>
-            <p:nvPr/>
-          </p:nvSpPr>
-          <p:spPr>
-            <a:xfrm>
-              <a:off x="184993" y="5905369"/>
-              <a:ext cx="5156200" cy="838200"/>
-            </a:xfrm>
-            <a:prstGeom prst="rect">
-              <a:avLst/>
-            </a:prstGeom>
-            <a:solidFill>
-              <a:schemeClr val="bg1">
-                <a:lumMod val="95000"/>
-              </a:schemeClr>
-            </a:solidFill>
-            <a:ln>
-              <a:noFill/>
-            </a:ln>
-          </p:spPr>
-          <p:style>
-            <a:lnRef idx="2">
-              <a:schemeClr val="accent1">
-                <a:shade val="50000"/>
-              </a:schemeClr>
-            </a:lnRef>
-            <a:fillRef idx="1">
-              <a:schemeClr val="accent1"/>
-            </a:fillRef>
-            <a:effectRef idx="0">
-              <a:schemeClr val="accent1"/>
-            </a:effectRef>
-            <a:fontRef idx="minor">
-              <a:schemeClr val="lt1"/>
-            </a:fontRef>
-          </p:style>
-          <p:txBody>
-            <a:bodyPr rtlCol="0" anchor="ctr"/>
-            <a:lstStyle/>
-            <a:p>
-              <a:pPr algn="ctr"/>
-              <a:endParaRPr lang="en-US" sz="2000"/>
-            </a:p>
-          </p:txBody>
-        </p:sp>
-        <p:sp>
-          <p:nvSpPr>
-            <p:cNvPr id="14" name="Unvan 1"/>
-            <p:cNvSpPr txBox="1">
-              <a:spLocks/>
-            </p:cNvSpPr>
-            <p:nvPr/>
-          </p:nvSpPr>
-          <p:spPr>
-            <a:xfrm>
-              <a:off x="302252" y="6024023"/>
-              <a:ext cx="4921678" cy="600892"/>
-            </a:xfrm>
-            <a:prstGeom prst="rect">
-              <a:avLst/>
-            </a:prstGeom>
-          </p:spPr>
-          <p:txBody>
-            <a:bodyPr vert="horz" lIns="91440" tIns="45720" rIns="91440" bIns="45720" rtlCol="0" anchor="b">
-              <a:noAutofit/>
-            </a:bodyPr>
-            <a:lstStyle>
-              <a:lvl1pPr algn="ctr" defTabSz="914400" rtl="0" eaLnBrk="1" latinLnBrk="0" hangingPunct="1">
-                <a:lnSpc>
-                  <a:spcPct val="90000"/>
-                </a:lnSpc>
-                <a:spcBef>
-                  <a:spcPct val="0"/>
-                </a:spcBef>
-                <a:buNone/>
-                <a:defRPr sz="6000" kern="1200">
-                  <a:solidFill>
-                    <a:schemeClr val="tx1"/>
-                  </a:solidFill>
-                  <a:latin typeface="+mj-lt"/>
-                  <a:ea typeface="+mj-ea"/>
-                  <a:cs typeface="+mj-cs"/>
-                </a:defRPr>
-              </a:lvl1pPr>
-            </a:lstStyle>
-            <a:p>
-              <a:pPr algn="l"/>
-              <a:r>
-                <a:rPr lang="tr-TR" sz="2000" dirty="0">
-                  <a:solidFill>
-                    <a:srgbClr val="CB171F"/>
-                  </a:solidFill>
-                  <a:latin typeface="Constantia" panose="02030602050306030303" pitchFamily="18" charset="0"/>
-                  <a:ea typeface="Verdana" panose="020B0604030504040204" pitchFamily="34" charset="0"/>
-                  <a:cs typeface="Arial" panose="020B0604020202020204" pitchFamily="34" charset="0"/>
-                </a:rPr>
-                <a:t>A’dan Z’ye Büyük Veri</a:t>
-              </a:r>
-              <a:endParaRPr lang="en-US" sz="2000" dirty="0">
-                <a:solidFill>
-                  <a:srgbClr val="CB171F"/>
-                </a:solidFill>
-                <a:latin typeface="Constantia" panose="02030602050306030303" pitchFamily="18" charset="0"/>
-                <a:ea typeface="Verdana" panose="020B0604030504040204" pitchFamily="34" charset="0"/>
-                <a:cs typeface="Arial" panose="020B0604020202020204" pitchFamily="34" charset="0"/>
-              </a:endParaRPr>
-            </a:p>
-          </p:txBody>
-        </p:sp>
-      </p:grpSp>
       <p:sp>
         <p:nvSpPr>
           <p:cNvPr id="3" name="Dikdörtgen 2"/>
@@ -6170,7 +4695,7 @@
               <a:buChar char="ü"/>
             </a:pPr>
             <a:r>
-              <a:rPr lang="tr-TR" sz="3800" dirty="0" smtClean="0"/>
+              <a:rPr lang="tr-TR" sz="3800" dirty="0"/>
               <a:t>Açık kaynaklı olması</a:t>
             </a:r>
           </a:p>
@@ -6183,7 +4708,7 @@
               <a:buChar char="ü"/>
             </a:pPr>
             <a:r>
-              <a:rPr lang="tr-TR" sz="3800" dirty="0" smtClean="0"/>
+              <a:rPr lang="tr-TR" sz="3800" dirty="0"/>
               <a:t>Yazılım platformu olması</a:t>
             </a:r>
           </a:p>
@@ -6196,15 +4721,15 @@
               <a:buChar char="ü"/>
             </a:pPr>
             <a:r>
-              <a:rPr lang="tr-TR" sz="3800" dirty="0" smtClean="0"/>
+              <a:rPr lang="tr-TR" sz="3800" dirty="0"/>
               <a:t>Bilgisayar kümeleri (</a:t>
             </a:r>
             <a:r>
-              <a:rPr lang="tr-TR" sz="3800" dirty="0" err="1" smtClean="0"/>
+              <a:rPr lang="tr-TR" sz="3800" dirty="0" err="1"/>
               <a:t>cluster</a:t>
             </a:r>
             <a:r>
-              <a:rPr lang="tr-TR" sz="3800" dirty="0" smtClean="0"/>
+              <a:rPr lang="tr-TR" sz="3800" dirty="0"/>
               <a:t>) üzerinde çalışması </a:t>
             </a:r>
           </a:p>
@@ -6217,7 +4742,7 @@
               <a:buChar char="ü"/>
             </a:pPr>
             <a:r>
-              <a:rPr lang="tr-TR" sz="3800" dirty="0" smtClean="0"/>
+              <a:rPr lang="tr-TR" sz="3800" dirty="0"/>
               <a:t>Veri depolama</a:t>
             </a:r>
           </a:p>
@@ -6233,7 +4758,6 @@
               <a:rPr lang="tr-TR" sz="3800" dirty="0"/>
               <a:t>Dağıtık hesaplama</a:t>
             </a:r>
-            <a:endParaRPr lang="tr-TR" sz="3800" dirty="0" smtClean="0"/>
           </a:p>
           <a:p>
             <a:pPr marL="571500" indent="-571500">
@@ -6244,7 +4768,7 @@
               <a:buChar char="ü"/>
             </a:pPr>
             <a:r>
-              <a:rPr lang="tr-TR" sz="3800" dirty="0" smtClean="0"/>
+              <a:rPr lang="tr-TR" sz="3800" dirty="0"/>
               <a:t>Büyük hacimli veriyi işlemesi</a:t>
             </a:r>
           </a:p>
@@ -6260,13 +4784,6 @@
   <p:clrMapOvr>
     <a:masterClrMapping/>
   </p:clrMapOvr>
-  <p:timing>
-    <p:tnLst>
-      <p:par>
-        <p:cTn id="1" dur="indefinite" restart="never" nodeType="tmRoot"/>
-      </p:par>
-    </p:tnLst>
-  </p:timing>
 </p:sld>
 </file>
 
@@ -6310,7 +4827,7 @@
           <a:lstStyle/>
           <a:p>
             <a:r>
-              <a:rPr lang="tr-TR" sz="4200" b="1" dirty="0" smtClean="0">
+              <a:rPr lang="tr-TR" sz="4200" b="1" dirty="0">
                 <a:solidFill>
                   <a:srgbClr val="CD1F26"/>
                 </a:solidFill>
@@ -6368,369 +4885,6 @@
           </a:fontRef>
         </p:style>
       </p:cxnSp>
-      <p:grpSp>
-        <p:nvGrpSpPr>
-          <p:cNvPr id="15" name="Grup 14"/>
-          <p:cNvGrpSpPr/>
-          <p:nvPr/>
-        </p:nvGrpSpPr>
-        <p:grpSpPr>
-          <a:xfrm>
-            <a:off x="228596" y="6231467"/>
-            <a:ext cx="3041654" cy="492576"/>
-            <a:chOff x="228596" y="6231467"/>
-            <a:chExt cx="3041654" cy="492576"/>
-          </a:xfrm>
-        </p:grpSpPr>
-        <p:grpSp>
-          <p:nvGrpSpPr>
-            <p:cNvPr id="8" name="Grup 7"/>
-            <p:cNvGrpSpPr/>
-            <p:nvPr/>
-          </p:nvGrpSpPr>
-          <p:grpSpPr>
-            <a:xfrm>
-              <a:off x="228596" y="6231467"/>
-              <a:ext cx="2802471" cy="457084"/>
-              <a:chOff x="127000" y="5901146"/>
-              <a:chExt cx="5156200" cy="838200"/>
-            </a:xfrm>
-          </p:grpSpPr>
-          <p:sp>
-            <p:nvSpPr>
-              <p:cNvPr id="7" name="Dikdörtgen 6"/>
-              <p:cNvSpPr/>
-              <p:nvPr/>
-            </p:nvSpPr>
-            <p:spPr>
-              <a:xfrm>
-                <a:off x="127000" y="5901146"/>
-                <a:ext cx="5156200" cy="838200"/>
-              </a:xfrm>
-              <a:prstGeom prst="rect">
-                <a:avLst/>
-              </a:prstGeom>
-              <a:solidFill>
-                <a:schemeClr val="bg1">
-                  <a:lumMod val="95000"/>
-                </a:schemeClr>
-              </a:solidFill>
-              <a:ln>
-                <a:noFill/>
-              </a:ln>
-            </p:spPr>
-            <p:style>
-              <a:lnRef idx="2">
-                <a:schemeClr val="accent1">
-                  <a:shade val="50000"/>
-                </a:schemeClr>
-              </a:lnRef>
-              <a:fillRef idx="1">
-                <a:schemeClr val="accent1"/>
-              </a:fillRef>
-              <a:effectRef idx="0">
-                <a:schemeClr val="accent1"/>
-              </a:effectRef>
-              <a:fontRef idx="minor">
-                <a:schemeClr val="lt1"/>
-              </a:fontRef>
-            </p:style>
-            <p:txBody>
-              <a:bodyPr rtlCol="0" anchor="ctr"/>
-              <a:lstStyle/>
-              <a:p>
-                <a:pPr algn="ctr"/>
-                <a:endParaRPr lang="en-US" sz="2000"/>
-              </a:p>
-            </p:txBody>
-          </p:sp>
-          <p:grpSp>
-            <p:nvGrpSpPr>
-              <p:cNvPr id="6" name="Grup 5"/>
-              <p:cNvGrpSpPr/>
-              <p:nvPr/>
-            </p:nvGrpSpPr>
-            <p:grpSpPr>
-              <a:xfrm>
-                <a:off x="211667" y="6019800"/>
-                <a:ext cx="5012266" cy="605115"/>
-                <a:chOff x="211667" y="6019800"/>
-                <a:chExt cx="5012266" cy="605115"/>
-              </a:xfrm>
-            </p:grpSpPr>
-            <p:pic>
-              <p:nvPicPr>
-                <p:cNvPr id="4" name="Resim 3"/>
-                <p:cNvPicPr>
-                  <a:picLocks noChangeAspect="1"/>
-                </p:cNvPicPr>
-                <p:nvPr/>
-              </p:nvPicPr>
-              <p:blipFill rotWithShape="1">
-                <a:blip r:embed="rId3" cstate="print">
-                  <a:extLst>
-                    <a:ext uri="{28A0092B-C50C-407E-A947-70E740481C1C}">
-                      <a14:useLocalDpi xmlns:a14="http://schemas.microsoft.com/office/drawing/2010/main" val="0"/>
-                    </a:ext>
-                  </a:extLst>
-                </a:blip>
-                <a:srcRect l="24387" t="8319" r="18355" b="50150"/>
-                <a:stretch/>
-              </p:blipFill>
-              <p:spPr>
-                <a:xfrm>
-                  <a:off x="211667" y="6019800"/>
-                  <a:ext cx="1072095" cy="600892"/>
-                </a:xfrm>
-                <a:prstGeom prst="rect">
-                  <a:avLst/>
-                </a:prstGeom>
-              </p:spPr>
-            </p:pic>
-            <p:sp>
-              <p:nvSpPr>
-                <p:cNvPr id="5" name="Unvan 1"/>
-                <p:cNvSpPr txBox="1">
-                  <a:spLocks/>
-                </p:cNvSpPr>
-                <p:nvPr/>
-              </p:nvSpPr>
-              <p:spPr>
-                <a:xfrm>
-                  <a:off x="1283763" y="6024023"/>
-                  <a:ext cx="3940170" cy="600892"/>
-                </a:xfrm>
-                <a:prstGeom prst="rect">
-                  <a:avLst/>
-                </a:prstGeom>
-              </p:spPr>
-              <p:txBody>
-                <a:bodyPr vert="horz" lIns="91440" tIns="45720" rIns="91440" bIns="45720" rtlCol="0" anchor="b">
-                  <a:noAutofit/>
-                </a:bodyPr>
-                <a:lstStyle>
-                  <a:lvl1pPr algn="ctr" defTabSz="914400" rtl="0" eaLnBrk="1" latinLnBrk="0" hangingPunct="1">
-                    <a:lnSpc>
-                      <a:spcPct val="90000"/>
-                    </a:lnSpc>
-                    <a:spcBef>
-                      <a:spcPct val="0"/>
-                    </a:spcBef>
-                    <a:buNone/>
-                    <a:defRPr sz="6000" kern="1200">
-                      <a:solidFill>
-                        <a:schemeClr val="tx1"/>
-                      </a:solidFill>
-                      <a:latin typeface="+mj-lt"/>
-                      <a:ea typeface="+mj-ea"/>
-                      <a:cs typeface="+mj-cs"/>
-                    </a:defRPr>
-                  </a:lvl1pPr>
-                </a:lstStyle>
-                <a:p>
-                  <a:pPr algn="l"/>
-                  <a:r>
-                    <a:rPr lang="tr-TR" sz="2000" dirty="0" smtClean="0">
-                      <a:solidFill>
-                        <a:srgbClr val="CB171F"/>
-                      </a:solidFill>
-                      <a:latin typeface="Constantia" panose="02030602050306030303" pitchFamily="18" charset="0"/>
-                      <a:ea typeface="Verdana" panose="020B0604030504040204" pitchFamily="34" charset="0"/>
-                      <a:cs typeface="Arial" panose="020B0604020202020204" pitchFamily="34" charset="0"/>
-                    </a:rPr>
-                    <a:t>Veri Bilimi Okulu</a:t>
-                  </a:r>
-                  <a:endParaRPr lang="en-US" sz="2000" dirty="0">
-                    <a:solidFill>
-                      <a:srgbClr val="CB171F"/>
-                    </a:solidFill>
-                    <a:latin typeface="Constantia" panose="02030602050306030303" pitchFamily="18" charset="0"/>
-                    <a:ea typeface="Verdana" panose="020B0604030504040204" pitchFamily="34" charset="0"/>
-                    <a:cs typeface="Arial" panose="020B0604020202020204" pitchFamily="34" charset="0"/>
-                  </a:endParaRPr>
-                </a:p>
-              </p:txBody>
-            </p:sp>
-          </p:grpSp>
-        </p:grpSp>
-        <p:sp>
-          <p:nvSpPr>
-            <p:cNvPr id="12" name="Metin kutusu 11"/>
-            <p:cNvSpPr txBox="1"/>
-            <p:nvPr/>
-          </p:nvSpPr>
-          <p:spPr>
-            <a:xfrm>
-              <a:off x="1582782" y="6493211"/>
-              <a:ext cx="1687468" cy="230832"/>
-            </a:xfrm>
-            <a:prstGeom prst="rect">
-              <a:avLst/>
-            </a:prstGeom>
-            <a:noFill/>
-          </p:spPr>
-          <p:txBody>
-            <a:bodyPr wrap="square" rtlCol="0">
-              <a:spAutoFit/>
-            </a:bodyPr>
-            <a:lstStyle/>
-            <a:p>
-              <a:r>
-                <a:rPr lang="en-US" sz="900" dirty="0" smtClean="0">
-                  <a:solidFill>
-                    <a:srgbClr val="0B8043"/>
-                  </a:solidFill>
-                </a:rPr>
-                <a:t>https:</a:t>
-              </a:r>
-              <a:r>
-                <a:rPr lang="en-US" sz="900" dirty="0" smtClean="0">
-                  <a:solidFill>
-                    <a:schemeClr val="bg1">
-                      <a:lumMod val="50000"/>
-                    </a:schemeClr>
-                  </a:solidFill>
-                </a:rPr>
-                <a:t>//www.veribilimi.co</a:t>
-              </a:r>
-              <a:endParaRPr lang="en-US" sz="900" dirty="0">
-                <a:solidFill>
-                  <a:schemeClr val="bg1">
-                    <a:lumMod val="50000"/>
-                  </a:schemeClr>
-                </a:solidFill>
-              </a:endParaRPr>
-            </a:p>
-          </p:txBody>
-        </p:sp>
-      </p:grpSp>
-      <p:grpSp>
-        <p:nvGrpSpPr>
-          <p:cNvPr id="11" name="Grup 10"/>
-          <p:cNvGrpSpPr/>
-          <p:nvPr/>
-        </p:nvGrpSpPr>
-        <p:grpSpPr>
-          <a:xfrm>
-            <a:off x="9194796" y="6231467"/>
-            <a:ext cx="2802471" cy="457084"/>
-            <a:chOff x="184993" y="5905369"/>
-            <a:chExt cx="5156200" cy="838200"/>
-          </a:xfrm>
-        </p:grpSpPr>
-        <p:sp>
-          <p:nvSpPr>
-            <p:cNvPr id="13" name="Dikdörtgen 12"/>
-            <p:cNvSpPr/>
-            <p:nvPr/>
-          </p:nvSpPr>
-          <p:spPr>
-            <a:xfrm>
-              <a:off x="184993" y="5905369"/>
-              <a:ext cx="5156200" cy="838200"/>
-            </a:xfrm>
-            <a:prstGeom prst="rect">
-              <a:avLst/>
-            </a:prstGeom>
-            <a:solidFill>
-              <a:schemeClr val="bg1">
-                <a:lumMod val="95000"/>
-              </a:schemeClr>
-            </a:solidFill>
-            <a:ln>
-              <a:noFill/>
-            </a:ln>
-          </p:spPr>
-          <p:style>
-            <a:lnRef idx="2">
-              <a:schemeClr val="accent1">
-                <a:shade val="50000"/>
-              </a:schemeClr>
-            </a:lnRef>
-            <a:fillRef idx="1">
-              <a:schemeClr val="accent1"/>
-            </a:fillRef>
-            <a:effectRef idx="0">
-              <a:schemeClr val="accent1"/>
-            </a:effectRef>
-            <a:fontRef idx="minor">
-              <a:schemeClr val="lt1"/>
-            </a:fontRef>
-          </p:style>
-          <p:txBody>
-            <a:bodyPr rtlCol="0" anchor="ctr"/>
-            <a:lstStyle/>
-            <a:p>
-              <a:pPr algn="ctr"/>
-              <a:endParaRPr lang="en-US" sz="2000"/>
-            </a:p>
-          </p:txBody>
-        </p:sp>
-        <p:sp>
-          <p:nvSpPr>
-            <p:cNvPr id="14" name="Unvan 1"/>
-            <p:cNvSpPr txBox="1">
-              <a:spLocks/>
-            </p:cNvSpPr>
-            <p:nvPr/>
-          </p:nvSpPr>
-          <p:spPr>
-            <a:xfrm>
-              <a:off x="302252" y="6024023"/>
-              <a:ext cx="4921678" cy="600892"/>
-            </a:xfrm>
-            <a:prstGeom prst="rect">
-              <a:avLst/>
-            </a:prstGeom>
-          </p:spPr>
-          <p:txBody>
-            <a:bodyPr vert="horz" lIns="91440" tIns="45720" rIns="91440" bIns="45720" rtlCol="0" anchor="b">
-              <a:noAutofit/>
-            </a:bodyPr>
-            <a:lstStyle>
-              <a:lvl1pPr algn="ctr" defTabSz="914400" rtl="0" eaLnBrk="1" latinLnBrk="0" hangingPunct="1">
-                <a:lnSpc>
-                  <a:spcPct val="90000"/>
-                </a:lnSpc>
-                <a:spcBef>
-                  <a:spcPct val="0"/>
-                </a:spcBef>
-                <a:buNone/>
-                <a:defRPr sz="6000" kern="1200">
-                  <a:solidFill>
-                    <a:schemeClr val="tx1"/>
-                  </a:solidFill>
-                  <a:latin typeface="+mj-lt"/>
-                  <a:ea typeface="+mj-ea"/>
-                  <a:cs typeface="+mj-cs"/>
-                </a:defRPr>
-              </a:lvl1pPr>
-            </a:lstStyle>
-            <a:p>
-              <a:pPr algn="l"/>
-              <a:r>
-                <a:rPr lang="tr-TR" sz="2000" dirty="0">
-                  <a:solidFill>
-                    <a:srgbClr val="CB171F"/>
-                  </a:solidFill>
-                  <a:latin typeface="Constantia" panose="02030602050306030303" pitchFamily="18" charset="0"/>
-                  <a:ea typeface="Verdana" panose="020B0604030504040204" pitchFamily="34" charset="0"/>
-                  <a:cs typeface="Arial" panose="020B0604020202020204" pitchFamily="34" charset="0"/>
-                </a:rPr>
-                <a:t>A’dan Z’ye Büyük Veri</a:t>
-              </a:r>
-              <a:endParaRPr lang="en-US" sz="2000" dirty="0">
-                <a:solidFill>
-                  <a:srgbClr val="CB171F"/>
-                </a:solidFill>
-                <a:latin typeface="Constantia" panose="02030602050306030303" pitchFamily="18" charset="0"/>
-                <a:ea typeface="Verdana" panose="020B0604030504040204" pitchFamily="34" charset="0"/>
-                <a:cs typeface="Arial" panose="020B0604020202020204" pitchFamily="34" charset="0"/>
-              </a:endParaRPr>
-            </a:p>
-          </p:txBody>
-        </p:sp>
-      </p:grpSp>
       <p:cxnSp>
         <p:nvCxnSpPr>
           <p:cNvPr id="79" name="Düz Bağlayıcı 78"/>
@@ -6821,7 +4975,7 @@
                 <p:nvPr/>
               </p:nvPicPr>
               <p:blipFill rotWithShape="1">
-                <a:blip r:embed="rId4" cstate="print">
+                <a:blip r:embed="rId3" cstate="print">
                   <a:extLst>
                     <a:ext uri="{28A0092B-C50C-407E-A947-70E740481C1C}">
                       <a14:useLocalDpi xmlns:a14="http://schemas.microsoft.com/office/drawing/2010/main" val="0"/>
@@ -6850,7 +5004,7 @@
                 <p:nvPr/>
               </p:nvPicPr>
               <p:blipFill rotWithShape="1">
-                <a:blip r:embed="rId5">
+                <a:blip r:embed="rId4">
                   <a:extLst>
                     <a:ext uri="{28A0092B-C50C-407E-A947-70E740481C1C}">
                       <a14:useLocalDpi xmlns:a14="http://schemas.microsoft.com/office/drawing/2010/main" val="0"/>
@@ -7054,7 +5208,7 @@
                 <p:nvPr/>
               </p:nvPicPr>
               <p:blipFill rotWithShape="1">
-                <a:blip r:embed="rId6" cstate="print">
+                <a:blip r:embed="rId5" cstate="print">
                   <a:extLst>
                     <a:ext uri="{28A0092B-C50C-407E-A947-70E740481C1C}">
                       <a14:useLocalDpi xmlns:a14="http://schemas.microsoft.com/office/drawing/2010/main" val="0"/>
@@ -7083,7 +5237,7 @@
                 <p:nvPr/>
               </p:nvPicPr>
               <p:blipFill rotWithShape="1">
-                <a:blip r:embed="rId6" cstate="print">
+                <a:blip r:embed="rId5" cstate="print">
                   <a:extLst>
                     <a:ext uri="{28A0092B-C50C-407E-A947-70E740481C1C}">
                       <a14:useLocalDpi xmlns:a14="http://schemas.microsoft.com/office/drawing/2010/main" val="0"/>
@@ -7112,7 +5266,7 @@
                 <p:nvPr/>
               </p:nvPicPr>
               <p:blipFill rotWithShape="1">
-                <a:blip r:embed="rId6" cstate="print">
+                <a:blip r:embed="rId5" cstate="print">
                   <a:extLst>
                     <a:ext uri="{28A0092B-C50C-407E-A947-70E740481C1C}">
                       <a14:useLocalDpi xmlns:a14="http://schemas.microsoft.com/office/drawing/2010/main" val="0"/>
@@ -8525,7 +6679,7 @@
               <p:nvPr/>
             </p:nvPicPr>
             <p:blipFill rotWithShape="1">
-              <a:blip r:embed="rId5">
+              <a:blip r:embed="rId4">
                 <a:extLst>
                   <a:ext uri="{28A0092B-C50C-407E-A947-70E740481C1C}">
                     <a14:useLocalDpi xmlns:a14="http://schemas.microsoft.com/office/drawing/2010/main" val="0"/>
@@ -8987,7 +7141,7 @@
               <p:nvPr/>
             </p:nvPicPr>
             <p:blipFill rotWithShape="1">
-              <a:blip r:embed="rId7" cstate="print">
+              <a:blip r:embed="rId6" cstate="print">
                 <a:extLst>
                   <a:ext uri="{28A0092B-C50C-407E-A947-70E740481C1C}">
                     <a14:useLocalDpi xmlns:a14="http://schemas.microsoft.com/office/drawing/2010/main" val="0"/>
@@ -9321,7 +7475,7 @@
               <p:nvPr/>
             </p:nvPicPr>
             <p:blipFill rotWithShape="1">
-              <a:blip r:embed="rId7" cstate="print">
+              <a:blip r:embed="rId6" cstate="print">
                 <a:extLst>
                   <a:ext uri="{28A0092B-C50C-407E-A947-70E740481C1C}">
                     <a14:useLocalDpi xmlns:a14="http://schemas.microsoft.com/office/drawing/2010/main" val="0"/>
@@ -9655,7 +7809,7 @@
               <p:nvPr/>
             </p:nvPicPr>
             <p:blipFill rotWithShape="1">
-              <a:blip r:embed="rId7" cstate="print">
+              <a:blip r:embed="rId6" cstate="print">
                 <a:extLst>
                   <a:ext uri="{28A0092B-C50C-407E-A947-70E740481C1C}">
                     <a14:useLocalDpi xmlns:a14="http://schemas.microsoft.com/office/drawing/2010/main" val="0"/>
@@ -9989,7 +8143,7 @@
               <p:nvPr/>
             </p:nvPicPr>
             <p:blipFill rotWithShape="1">
-              <a:blip r:embed="rId7" cstate="print">
+              <a:blip r:embed="rId6" cstate="print">
                 <a:extLst>
                   <a:ext uri="{28A0092B-C50C-407E-A947-70E740481C1C}">
                     <a14:useLocalDpi xmlns:a14="http://schemas.microsoft.com/office/drawing/2010/main" val="0"/>
@@ -10193,7 +8347,7 @@
           <a:lstStyle/>
           <a:p>
             <a:r>
-              <a:rPr lang="tr-TR" sz="4200" b="1" dirty="0" smtClean="0">
+              <a:rPr lang="tr-TR" sz="4200" b="1" dirty="0">
                 <a:solidFill>
                   <a:srgbClr val="CD1F26"/>
                 </a:solidFill>
@@ -10204,7 +8358,7 @@
               <a:t>Hataya Dayanıklılık</a:t>
             </a:r>
             <a:br>
-              <a:rPr lang="tr-TR" sz="4200" b="1" dirty="0" smtClean="0">
+              <a:rPr lang="tr-TR" sz="4200" b="1" dirty="0">
                 <a:solidFill>
                   <a:srgbClr val="CD1F26"/>
                 </a:solidFill>
@@ -10214,7 +8368,7 @@
               </a:rPr>
             </a:br>
             <a:r>
-              <a:rPr lang="tr-TR" sz="4200" b="1" dirty="0" smtClean="0">
+              <a:rPr lang="tr-TR" sz="4200" b="1" dirty="0">
                 <a:solidFill>
                   <a:srgbClr val="CD1F26"/>
                 </a:solidFill>
@@ -10225,7 +8379,7 @@
               <a:t>(</a:t>
             </a:r>
             <a:r>
-              <a:rPr lang="tr-TR" sz="4200" b="1" dirty="0" err="1" smtClean="0">
+              <a:rPr lang="tr-TR" sz="4200" b="1" dirty="0" err="1">
                 <a:solidFill>
                   <a:srgbClr val="CD1F26"/>
                 </a:solidFill>
@@ -10236,7 +8390,7 @@
               <a:t>Fault</a:t>
             </a:r>
             <a:r>
-              <a:rPr lang="tr-TR" sz="4200" b="1" dirty="0" smtClean="0">
+              <a:rPr lang="tr-TR" sz="4200" b="1" dirty="0">
                 <a:solidFill>
                   <a:srgbClr val="CD1F26"/>
                 </a:solidFill>
@@ -10247,7 +8401,7 @@
               <a:t> </a:t>
             </a:r>
             <a:r>
-              <a:rPr lang="tr-TR" sz="4200" b="1" dirty="0" err="1" smtClean="0">
+              <a:rPr lang="tr-TR" sz="4200" b="1" dirty="0" err="1">
                 <a:solidFill>
                   <a:srgbClr val="CD1F26"/>
                 </a:solidFill>
@@ -10258,7 +8412,7 @@
               <a:t>Tolerance</a:t>
             </a:r>
             <a:r>
-              <a:rPr lang="tr-TR" sz="4200" b="1" dirty="0" smtClean="0">
+              <a:rPr lang="tr-TR" sz="4200" b="1" dirty="0">
                 <a:solidFill>
                   <a:srgbClr val="CD1F26"/>
                 </a:solidFill>
@@ -10318,369 +8472,6 @@
       </p:cxnSp>
       <p:grpSp>
         <p:nvGrpSpPr>
-          <p:cNvPr id="15" name="Grup 14"/>
-          <p:cNvGrpSpPr/>
-          <p:nvPr/>
-        </p:nvGrpSpPr>
-        <p:grpSpPr>
-          <a:xfrm>
-            <a:off x="228596" y="6231467"/>
-            <a:ext cx="3041654" cy="492576"/>
-            <a:chOff x="228596" y="6231467"/>
-            <a:chExt cx="3041654" cy="492576"/>
-          </a:xfrm>
-        </p:grpSpPr>
-        <p:grpSp>
-          <p:nvGrpSpPr>
-            <p:cNvPr id="8" name="Grup 7"/>
-            <p:cNvGrpSpPr/>
-            <p:nvPr/>
-          </p:nvGrpSpPr>
-          <p:grpSpPr>
-            <a:xfrm>
-              <a:off x="228596" y="6231467"/>
-              <a:ext cx="2802471" cy="457084"/>
-              <a:chOff x="127000" y="5901146"/>
-              <a:chExt cx="5156200" cy="838200"/>
-            </a:xfrm>
-          </p:grpSpPr>
-          <p:sp>
-            <p:nvSpPr>
-              <p:cNvPr id="7" name="Dikdörtgen 6"/>
-              <p:cNvSpPr/>
-              <p:nvPr/>
-            </p:nvSpPr>
-            <p:spPr>
-              <a:xfrm>
-                <a:off x="127000" y="5901146"/>
-                <a:ext cx="5156200" cy="838200"/>
-              </a:xfrm>
-              <a:prstGeom prst="rect">
-                <a:avLst/>
-              </a:prstGeom>
-              <a:solidFill>
-                <a:schemeClr val="bg1">
-                  <a:lumMod val="95000"/>
-                </a:schemeClr>
-              </a:solidFill>
-              <a:ln>
-                <a:noFill/>
-              </a:ln>
-            </p:spPr>
-            <p:style>
-              <a:lnRef idx="2">
-                <a:schemeClr val="accent1">
-                  <a:shade val="50000"/>
-                </a:schemeClr>
-              </a:lnRef>
-              <a:fillRef idx="1">
-                <a:schemeClr val="accent1"/>
-              </a:fillRef>
-              <a:effectRef idx="0">
-                <a:schemeClr val="accent1"/>
-              </a:effectRef>
-              <a:fontRef idx="minor">
-                <a:schemeClr val="lt1"/>
-              </a:fontRef>
-            </p:style>
-            <p:txBody>
-              <a:bodyPr rtlCol="0" anchor="ctr"/>
-              <a:lstStyle/>
-              <a:p>
-                <a:pPr algn="ctr"/>
-                <a:endParaRPr lang="en-US" sz="2000"/>
-              </a:p>
-            </p:txBody>
-          </p:sp>
-          <p:grpSp>
-            <p:nvGrpSpPr>
-              <p:cNvPr id="6" name="Grup 5"/>
-              <p:cNvGrpSpPr/>
-              <p:nvPr/>
-            </p:nvGrpSpPr>
-            <p:grpSpPr>
-              <a:xfrm>
-                <a:off x="211667" y="6019800"/>
-                <a:ext cx="5012266" cy="605115"/>
-                <a:chOff x="211667" y="6019800"/>
-                <a:chExt cx="5012266" cy="605115"/>
-              </a:xfrm>
-            </p:grpSpPr>
-            <p:pic>
-              <p:nvPicPr>
-                <p:cNvPr id="4" name="Resim 3"/>
-                <p:cNvPicPr>
-                  <a:picLocks noChangeAspect="1"/>
-                </p:cNvPicPr>
-                <p:nvPr/>
-              </p:nvPicPr>
-              <p:blipFill rotWithShape="1">
-                <a:blip r:embed="rId3" cstate="print">
-                  <a:extLst>
-                    <a:ext uri="{28A0092B-C50C-407E-A947-70E740481C1C}">
-                      <a14:useLocalDpi xmlns:a14="http://schemas.microsoft.com/office/drawing/2010/main" val="0"/>
-                    </a:ext>
-                  </a:extLst>
-                </a:blip>
-                <a:srcRect l="24387" t="8319" r="18355" b="50150"/>
-                <a:stretch/>
-              </p:blipFill>
-              <p:spPr>
-                <a:xfrm>
-                  <a:off x="211667" y="6019800"/>
-                  <a:ext cx="1072095" cy="600892"/>
-                </a:xfrm>
-                <a:prstGeom prst="rect">
-                  <a:avLst/>
-                </a:prstGeom>
-              </p:spPr>
-            </p:pic>
-            <p:sp>
-              <p:nvSpPr>
-                <p:cNvPr id="5" name="Unvan 1"/>
-                <p:cNvSpPr txBox="1">
-                  <a:spLocks/>
-                </p:cNvSpPr>
-                <p:nvPr/>
-              </p:nvSpPr>
-              <p:spPr>
-                <a:xfrm>
-                  <a:off x="1283763" y="6024023"/>
-                  <a:ext cx="3940170" cy="600892"/>
-                </a:xfrm>
-                <a:prstGeom prst="rect">
-                  <a:avLst/>
-                </a:prstGeom>
-              </p:spPr>
-              <p:txBody>
-                <a:bodyPr vert="horz" lIns="91440" tIns="45720" rIns="91440" bIns="45720" rtlCol="0" anchor="b">
-                  <a:noAutofit/>
-                </a:bodyPr>
-                <a:lstStyle>
-                  <a:lvl1pPr algn="ctr" defTabSz="914400" rtl="0" eaLnBrk="1" latinLnBrk="0" hangingPunct="1">
-                    <a:lnSpc>
-                      <a:spcPct val="90000"/>
-                    </a:lnSpc>
-                    <a:spcBef>
-                      <a:spcPct val="0"/>
-                    </a:spcBef>
-                    <a:buNone/>
-                    <a:defRPr sz="6000" kern="1200">
-                      <a:solidFill>
-                        <a:schemeClr val="tx1"/>
-                      </a:solidFill>
-                      <a:latin typeface="+mj-lt"/>
-                      <a:ea typeface="+mj-ea"/>
-                      <a:cs typeface="+mj-cs"/>
-                    </a:defRPr>
-                  </a:lvl1pPr>
-                </a:lstStyle>
-                <a:p>
-                  <a:pPr algn="l"/>
-                  <a:r>
-                    <a:rPr lang="tr-TR" sz="2000" dirty="0" smtClean="0">
-                      <a:solidFill>
-                        <a:srgbClr val="CB171F"/>
-                      </a:solidFill>
-                      <a:latin typeface="Constantia" panose="02030602050306030303" pitchFamily="18" charset="0"/>
-                      <a:ea typeface="Verdana" panose="020B0604030504040204" pitchFamily="34" charset="0"/>
-                      <a:cs typeface="Arial" panose="020B0604020202020204" pitchFamily="34" charset="0"/>
-                    </a:rPr>
-                    <a:t>Veri Bilimi Okulu</a:t>
-                  </a:r>
-                  <a:endParaRPr lang="en-US" sz="2000" dirty="0">
-                    <a:solidFill>
-                      <a:srgbClr val="CB171F"/>
-                    </a:solidFill>
-                    <a:latin typeface="Constantia" panose="02030602050306030303" pitchFamily="18" charset="0"/>
-                    <a:ea typeface="Verdana" panose="020B0604030504040204" pitchFamily="34" charset="0"/>
-                    <a:cs typeface="Arial" panose="020B0604020202020204" pitchFamily="34" charset="0"/>
-                  </a:endParaRPr>
-                </a:p>
-              </p:txBody>
-            </p:sp>
-          </p:grpSp>
-        </p:grpSp>
-        <p:sp>
-          <p:nvSpPr>
-            <p:cNvPr id="12" name="Metin kutusu 11"/>
-            <p:cNvSpPr txBox="1"/>
-            <p:nvPr/>
-          </p:nvSpPr>
-          <p:spPr>
-            <a:xfrm>
-              <a:off x="1582782" y="6493211"/>
-              <a:ext cx="1687468" cy="230832"/>
-            </a:xfrm>
-            <a:prstGeom prst="rect">
-              <a:avLst/>
-            </a:prstGeom>
-            <a:noFill/>
-          </p:spPr>
-          <p:txBody>
-            <a:bodyPr wrap="square" rtlCol="0">
-              <a:spAutoFit/>
-            </a:bodyPr>
-            <a:lstStyle/>
-            <a:p>
-              <a:r>
-                <a:rPr lang="en-US" sz="900" dirty="0" smtClean="0">
-                  <a:solidFill>
-                    <a:srgbClr val="0B8043"/>
-                  </a:solidFill>
-                </a:rPr>
-                <a:t>https:</a:t>
-              </a:r>
-              <a:r>
-                <a:rPr lang="en-US" sz="900" dirty="0" smtClean="0">
-                  <a:solidFill>
-                    <a:schemeClr val="bg1">
-                      <a:lumMod val="50000"/>
-                    </a:schemeClr>
-                  </a:solidFill>
-                </a:rPr>
-                <a:t>//www.veribilimi.co</a:t>
-              </a:r>
-              <a:endParaRPr lang="en-US" sz="900" dirty="0">
-                <a:solidFill>
-                  <a:schemeClr val="bg1">
-                    <a:lumMod val="50000"/>
-                  </a:schemeClr>
-                </a:solidFill>
-              </a:endParaRPr>
-            </a:p>
-          </p:txBody>
-        </p:sp>
-      </p:grpSp>
-      <p:grpSp>
-        <p:nvGrpSpPr>
-          <p:cNvPr id="11" name="Grup 10"/>
-          <p:cNvGrpSpPr/>
-          <p:nvPr/>
-        </p:nvGrpSpPr>
-        <p:grpSpPr>
-          <a:xfrm>
-            <a:off x="9194796" y="6231467"/>
-            <a:ext cx="2802471" cy="457084"/>
-            <a:chOff x="184993" y="5905369"/>
-            <a:chExt cx="5156200" cy="838200"/>
-          </a:xfrm>
-        </p:grpSpPr>
-        <p:sp>
-          <p:nvSpPr>
-            <p:cNvPr id="13" name="Dikdörtgen 12"/>
-            <p:cNvSpPr/>
-            <p:nvPr/>
-          </p:nvSpPr>
-          <p:spPr>
-            <a:xfrm>
-              <a:off x="184993" y="5905369"/>
-              <a:ext cx="5156200" cy="838200"/>
-            </a:xfrm>
-            <a:prstGeom prst="rect">
-              <a:avLst/>
-            </a:prstGeom>
-            <a:solidFill>
-              <a:schemeClr val="bg1">
-                <a:lumMod val="95000"/>
-              </a:schemeClr>
-            </a:solidFill>
-            <a:ln>
-              <a:noFill/>
-            </a:ln>
-          </p:spPr>
-          <p:style>
-            <a:lnRef idx="2">
-              <a:schemeClr val="accent1">
-                <a:shade val="50000"/>
-              </a:schemeClr>
-            </a:lnRef>
-            <a:fillRef idx="1">
-              <a:schemeClr val="accent1"/>
-            </a:fillRef>
-            <a:effectRef idx="0">
-              <a:schemeClr val="accent1"/>
-            </a:effectRef>
-            <a:fontRef idx="minor">
-              <a:schemeClr val="lt1"/>
-            </a:fontRef>
-          </p:style>
-          <p:txBody>
-            <a:bodyPr rtlCol="0" anchor="ctr"/>
-            <a:lstStyle/>
-            <a:p>
-              <a:pPr algn="ctr"/>
-              <a:endParaRPr lang="en-US" sz="2000"/>
-            </a:p>
-          </p:txBody>
-        </p:sp>
-        <p:sp>
-          <p:nvSpPr>
-            <p:cNvPr id="14" name="Unvan 1"/>
-            <p:cNvSpPr txBox="1">
-              <a:spLocks/>
-            </p:cNvSpPr>
-            <p:nvPr/>
-          </p:nvSpPr>
-          <p:spPr>
-            <a:xfrm>
-              <a:off x="302252" y="6024023"/>
-              <a:ext cx="4921678" cy="600892"/>
-            </a:xfrm>
-            <a:prstGeom prst="rect">
-              <a:avLst/>
-            </a:prstGeom>
-          </p:spPr>
-          <p:txBody>
-            <a:bodyPr vert="horz" lIns="91440" tIns="45720" rIns="91440" bIns="45720" rtlCol="0" anchor="b">
-              <a:noAutofit/>
-            </a:bodyPr>
-            <a:lstStyle>
-              <a:lvl1pPr algn="ctr" defTabSz="914400" rtl="0" eaLnBrk="1" latinLnBrk="0" hangingPunct="1">
-                <a:lnSpc>
-                  <a:spcPct val="90000"/>
-                </a:lnSpc>
-                <a:spcBef>
-                  <a:spcPct val="0"/>
-                </a:spcBef>
-                <a:buNone/>
-                <a:defRPr sz="6000" kern="1200">
-                  <a:solidFill>
-                    <a:schemeClr val="tx1"/>
-                  </a:solidFill>
-                  <a:latin typeface="+mj-lt"/>
-                  <a:ea typeface="+mj-ea"/>
-                  <a:cs typeface="+mj-cs"/>
-                </a:defRPr>
-              </a:lvl1pPr>
-            </a:lstStyle>
-            <a:p>
-              <a:pPr algn="l"/>
-              <a:r>
-                <a:rPr lang="tr-TR" sz="2000" dirty="0">
-                  <a:solidFill>
-                    <a:srgbClr val="CB171F"/>
-                  </a:solidFill>
-                  <a:latin typeface="Constantia" panose="02030602050306030303" pitchFamily="18" charset="0"/>
-                  <a:ea typeface="Verdana" panose="020B0604030504040204" pitchFamily="34" charset="0"/>
-                  <a:cs typeface="Arial" panose="020B0604020202020204" pitchFamily="34" charset="0"/>
-                </a:rPr>
-                <a:t>A’dan Z’ye Büyük Veri</a:t>
-              </a:r>
-              <a:endParaRPr lang="en-US" sz="2000" dirty="0">
-                <a:solidFill>
-                  <a:srgbClr val="CB171F"/>
-                </a:solidFill>
-                <a:latin typeface="Constantia" panose="02030602050306030303" pitchFamily="18" charset="0"/>
-                <a:ea typeface="Verdana" panose="020B0604030504040204" pitchFamily="34" charset="0"/>
-                <a:cs typeface="Arial" panose="020B0604020202020204" pitchFamily="34" charset="0"/>
-              </a:endParaRPr>
-            </a:p>
-          </p:txBody>
-        </p:sp>
-      </p:grpSp>
-      <p:grpSp>
-        <p:nvGrpSpPr>
           <p:cNvPr id="77" name="Grup 76"/>
           <p:cNvGrpSpPr/>
           <p:nvPr/>
@@ -10702,7 +8493,7 @@
             <p:nvPr/>
           </p:nvPicPr>
           <p:blipFill>
-            <a:blip r:embed="rId4" cstate="print">
+            <a:blip r:embed="rId3" cstate="print">
               <a:extLst>
                 <a:ext uri="{28A0092B-C50C-407E-A947-70E740481C1C}">
                   <a14:useLocalDpi xmlns:a14="http://schemas.microsoft.com/office/drawing/2010/main" val="0"/>
@@ -10732,7 +8523,7 @@
             <p:nvPr/>
           </p:nvPicPr>
           <p:blipFill>
-            <a:blip r:embed="rId4" cstate="print">
+            <a:blip r:embed="rId3" cstate="print">
               <a:extLst>
                 <a:ext uri="{28A0092B-C50C-407E-A947-70E740481C1C}">
                   <a14:useLocalDpi xmlns:a14="http://schemas.microsoft.com/office/drawing/2010/main" val="0"/>
@@ -10762,7 +8553,7 @@
             <p:nvPr/>
           </p:nvPicPr>
           <p:blipFill>
-            <a:blip r:embed="rId4" cstate="print">
+            <a:blip r:embed="rId3" cstate="print">
               <a:extLst>
                 <a:ext uri="{28A0092B-C50C-407E-A947-70E740481C1C}">
                   <a14:useLocalDpi xmlns:a14="http://schemas.microsoft.com/office/drawing/2010/main" val="0"/>
@@ -10792,7 +8583,7 @@
             <p:nvPr/>
           </p:nvPicPr>
           <p:blipFill>
-            <a:blip r:embed="rId4" cstate="print">
+            <a:blip r:embed="rId3" cstate="print">
               <a:extLst>
                 <a:ext uri="{28A0092B-C50C-407E-A947-70E740481C1C}">
                   <a14:useLocalDpi xmlns:a14="http://schemas.microsoft.com/office/drawing/2010/main" val="0"/>
@@ -10822,7 +8613,7 @@
             <p:nvPr/>
           </p:nvPicPr>
           <p:blipFill rotWithShape="1">
-            <a:blip r:embed="rId5">
+            <a:blip r:embed="rId4">
               <a:extLst>
                 <a:ext uri="{28A0092B-C50C-407E-A947-70E740481C1C}">
                   <a14:useLocalDpi xmlns:a14="http://schemas.microsoft.com/office/drawing/2010/main" val="0"/>
@@ -10998,7 +8789,7 @@
             <p:nvPr/>
           </p:nvPicPr>
           <p:blipFill>
-            <a:blip r:embed="rId6" cstate="print">
+            <a:blip r:embed="rId5" cstate="print">
               <a:extLst>
                 <a:ext uri="{28A0092B-C50C-407E-A947-70E740481C1C}">
                   <a14:useLocalDpi xmlns:a14="http://schemas.microsoft.com/office/drawing/2010/main" val="0"/>
@@ -11028,7 +8819,7 @@
             <p:nvPr/>
           </p:nvPicPr>
           <p:blipFill>
-            <a:blip r:embed="rId6" cstate="print">
+            <a:blip r:embed="rId5" cstate="print">
               <a:extLst>
                 <a:ext uri="{28A0092B-C50C-407E-A947-70E740481C1C}">
                   <a14:useLocalDpi xmlns:a14="http://schemas.microsoft.com/office/drawing/2010/main" val="0"/>
@@ -11058,7 +8849,7 @@
             <p:nvPr/>
           </p:nvPicPr>
           <p:blipFill>
-            <a:blip r:embed="rId6" cstate="print">
+            <a:blip r:embed="rId5" cstate="print">
               <a:extLst>
                 <a:ext uri="{28A0092B-C50C-407E-A947-70E740481C1C}">
                   <a14:useLocalDpi xmlns:a14="http://schemas.microsoft.com/office/drawing/2010/main" val="0"/>
@@ -11103,7 +8894,7 @@
             <p:nvPr/>
           </p:nvPicPr>
           <p:blipFill>
-            <a:blip r:embed="rId7" cstate="print">
+            <a:blip r:embed="rId6" cstate="print">
               <a:extLst>
                 <a:ext uri="{28A0092B-C50C-407E-A947-70E740481C1C}">
                   <a14:useLocalDpi xmlns:a14="http://schemas.microsoft.com/office/drawing/2010/main" val="0"/>
@@ -11133,7 +8924,7 @@
             <p:nvPr/>
           </p:nvPicPr>
           <p:blipFill>
-            <a:blip r:embed="rId7" cstate="print">
+            <a:blip r:embed="rId6" cstate="print">
               <a:extLst>
                 <a:ext uri="{28A0092B-C50C-407E-A947-70E740481C1C}">
                   <a14:useLocalDpi xmlns:a14="http://schemas.microsoft.com/office/drawing/2010/main" val="0"/>
@@ -11163,7 +8954,7 @@
             <p:nvPr/>
           </p:nvPicPr>
           <p:blipFill>
-            <a:blip r:embed="rId7" cstate="print">
+            <a:blip r:embed="rId6" cstate="print">
               <a:extLst>
                 <a:ext uri="{28A0092B-C50C-407E-A947-70E740481C1C}">
                   <a14:useLocalDpi xmlns:a14="http://schemas.microsoft.com/office/drawing/2010/main" val="0"/>
@@ -11208,7 +8999,7 @@
             <p:nvPr/>
           </p:nvPicPr>
           <p:blipFill>
-            <a:blip r:embed="rId8" cstate="print">
+            <a:blip r:embed="rId7" cstate="print">
               <a:extLst>
                 <a:ext uri="{28A0092B-C50C-407E-A947-70E740481C1C}">
                   <a14:useLocalDpi xmlns:a14="http://schemas.microsoft.com/office/drawing/2010/main" val="0"/>
@@ -11238,7 +9029,7 @@
             <p:nvPr/>
           </p:nvPicPr>
           <p:blipFill>
-            <a:blip r:embed="rId8" cstate="print">
+            <a:blip r:embed="rId7" cstate="print">
               <a:extLst>
                 <a:ext uri="{28A0092B-C50C-407E-A947-70E740481C1C}">
                   <a14:useLocalDpi xmlns:a14="http://schemas.microsoft.com/office/drawing/2010/main" val="0"/>
@@ -11268,7 +9059,7 @@
             <p:nvPr/>
           </p:nvPicPr>
           <p:blipFill>
-            <a:blip r:embed="rId8" cstate="print">
+            <a:blip r:embed="rId7" cstate="print">
               <a:extLst>
                 <a:ext uri="{28A0092B-C50C-407E-A947-70E740481C1C}">
                   <a14:useLocalDpi xmlns:a14="http://schemas.microsoft.com/office/drawing/2010/main" val="0"/>
@@ -11299,7 +9090,7 @@
           <p:nvPr/>
         </p:nvPicPr>
         <p:blipFill>
-          <a:blip r:embed="rId9" cstate="print">
+          <a:blip r:embed="rId8" cstate="print">
             <a:extLst>
               <a:ext uri="{28A0092B-C50C-407E-A947-70E740481C1C}">
                 <a14:useLocalDpi xmlns:a14="http://schemas.microsoft.com/office/drawing/2010/main" val="0"/>
@@ -11329,7 +9120,7 @@
           <p:nvPr/>
         </p:nvPicPr>
         <p:blipFill>
-          <a:blip r:embed="rId6" cstate="print">
+          <a:blip r:embed="rId5" cstate="print">
             <a:extLst>
               <a:ext uri="{28A0092B-C50C-407E-A947-70E740481C1C}">
                 <a14:useLocalDpi xmlns:a14="http://schemas.microsoft.com/office/drawing/2010/main" val="0"/>
@@ -11359,7 +9150,7 @@
           <p:nvPr/>
         </p:nvPicPr>
         <p:blipFill>
-          <a:blip r:embed="rId7" cstate="print">
+          <a:blip r:embed="rId6" cstate="print">
             <a:extLst>
               <a:ext uri="{28A0092B-C50C-407E-A947-70E740481C1C}">
                 <a14:useLocalDpi xmlns:a14="http://schemas.microsoft.com/office/drawing/2010/main" val="0"/>
@@ -11783,14 +9574,14 @@
           <a:p>
             <a:pPr algn="ctr"/>
             <a:r>
-              <a:rPr lang="tr-TR" sz="1400" dirty="0" smtClean="0"/>
+              <a:rPr lang="tr-TR" sz="1400" dirty="0"/>
               <a:t>4. Sunucudan haber yok.</a:t>
             </a:r>
           </a:p>
           <a:p>
             <a:pPr algn="ctr"/>
             <a:r>
-              <a:rPr lang="tr-TR" sz="1400" dirty="0" smtClean="0"/>
+              <a:rPr lang="tr-TR" sz="1400" dirty="0"/>
               <a:t>Ondaki portakal ve kiraz 2 ve 3’ gitsin.</a:t>
             </a:r>
             <a:endParaRPr lang="en-US" sz="1400" dirty="0"/>
@@ -12270,7 +10061,7 @@
           <a:lstStyle/>
           <a:p>
             <a:r>
-              <a:rPr lang="tr-TR" sz="4200" b="1" dirty="0" smtClean="0">
+              <a:rPr lang="tr-TR" sz="4200" b="1" dirty="0">
                 <a:solidFill>
                   <a:srgbClr val="CD1F26"/>
                 </a:solidFill>
@@ -12330,369 +10121,6 @@
       </p:cxnSp>
       <p:grpSp>
         <p:nvGrpSpPr>
-          <p:cNvPr id="15" name="Grup 14"/>
-          <p:cNvGrpSpPr/>
-          <p:nvPr/>
-        </p:nvGrpSpPr>
-        <p:grpSpPr>
-          <a:xfrm>
-            <a:off x="228596" y="6231467"/>
-            <a:ext cx="3041654" cy="492576"/>
-            <a:chOff x="228596" y="6231467"/>
-            <a:chExt cx="3041654" cy="492576"/>
-          </a:xfrm>
-        </p:grpSpPr>
-        <p:grpSp>
-          <p:nvGrpSpPr>
-            <p:cNvPr id="8" name="Grup 7"/>
-            <p:cNvGrpSpPr/>
-            <p:nvPr/>
-          </p:nvGrpSpPr>
-          <p:grpSpPr>
-            <a:xfrm>
-              <a:off x="228596" y="6231467"/>
-              <a:ext cx="2802471" cy="457084"/>
-              <a:chOff x="127000" y="5901146"/>
-              <a:chExt cx="5156200" cy="838200"/>
-            </a:xfrm>
-          </p:grpSpPr>
-          <p:sp>
-            <p:nvSpPr>
-              <p:cNvPr id="7" name="Dikdörtgen 6"/>
-              <p:cNvSpPr/>
-              <p:nvPr/>
-            </p:nvSpPr>
-            <p:spPr>
-              <a:xfrm>
-                <a:off x="127000" y="5901146"/>
-                <a:ext cx="5156200" cy="838200"/>
-              </a:xfrm>
-              <a:prstGeom prst="rect">
-                <a:avLst/>
-              </a:prstGeom>
-              <a:solidFill>
-                <a:schemeClr val="bg1">
-                  <a:lumMod val="95000"/>
-                </a:schemeClr>
-              </a:solidFill>
-              <a:ln>
-                <a:noFill/>
-              </a:ln>
-            </p:spPr>
-            <p:style>
-              <a:lnRef idx="2">
-                <a:schemeClr val="accent1">
-                  <a:shade val="50000"/>
-                </a:schemeClr>
-              </a:lnRef>
-              <a:fillRef idx="1">
-                <a:schemeClr val="accent1"/>
-              </a:fillRef>
-              <a:effectRef idx="0">
-                <a:schemeClr val="accent1"/>
-              </a:effectRef>
-              <a:fontRef idx="minor">
-                <a:schemeClr val="lt1"/>
-              </a:fontRef>
-            </p:style>
-            <p:txBody>
-              <a:bodyPr rtlCol="0" anchor="ctr"/>
-              <a:lstStyle/>
-              <a:p>
-                <a:pPr algn="ctr"/>
-                <a:endParaRPr lang="en-US" sz="2000"/>
-              </a:p>
-            </p:txBody>
-          </p:sp>
-          <p:grpSp>
-            <p:nvGrpSpPr>
-              <p:cNvPr id="6" name="Grup 5"/>
-              <p:cNvGrpSpPr/>
-              <p:nvPr/>
-            </p:nvGrpSpPr>
-            <p:grpSpPr>
-              <a:xfrm>
-                <a:off x="211667" y="6019800"/>
-                <a:ext cx="5012266" cy="605115"/>
-                <a:chOff x="211667" y="6019800"/>
-                <a:chExt cx="5012266" cy="605115"/>
-              </a:xfrm>
-            </p:grpSpPr>
-            <p:pic>
-              <p:nvPicPr>
-                <p:cNvPr id="4" name="Resim 3"/>
-                <p:cNvPicPr>
-                  <a:picLocks noChangeAspect="1"/>
-                </p:cNvPicPr>
-                <p:nvPr/>
-              </p:nvPicPr>
-              <p:blipFill rotWithShape="1">
-                <a:blip r:embed="rId3" cstate="print">
-                  <a:extLst>
-                    <a:ext uri="{28A0092B-C50C-407E-A947-70E740481C1C}">
-                      <a14:useLocalDpi xmlns:a14="http://schemas.microsoft.com/office/drawing/2010/main" val="0"/>
-                    </a:ext>
-                  </a:extLst>
-                </a:blip>
-                <a:srcRect l="24387" t="8319" r="18355" b="50150"/>
-                <a:stretch/>
-              </p:blipFill>
-              <p:spPr>
-                <a:xfrm>
-                  <a:off x="211667" y="6019800"/>
-                  <a:ext cx="1072095" cy="600892"/>
-                </a:xfrm>
-                <a:prstGeom prst="rect">
-                  <a:avLst/>
-                </a:prstGeom>
-              </p:spPr>
-            </p:pic>
-            <p:sp>
-              <p:nvSpPr>
-                <p:cNvPr id="5" name="Unvan 1"/>
-                <p:cNvSpPr txBox="1">
-                  <a:spLocks/>
-                </p:cNvSpPr>
-                <p:nvPr/>
-              </p:nvSpPr>
-              <p:spPr>
-                <a:xfrm>
-                  <a:off x="1283763" y="6024023"/>
-                  <a:ext cx="3940170" cy="600892"/>
-                </a:xfrm>
-                <a:prstGeom prst="rect">
-                  <a:avLst/>
-                </a:prstGeom>
-              </p:spPr>
-              <p:txBody>
-                <a:bodyPr vert="horz" lIns="91440" tIns="45720" rIns="91440" bIns="45720" rtlCol="0" anchor="b">
-                  <a:noAutofit/>
-                </a:bodyPr>
-                <a:lstStyle>
-                  <a:lvl1pPr algn="ctr" defTabSz="914400" rtl="0" eaLnBrk="1" latinLnBrk="0" hangingPunct="1">
-                    <a:lnSpc>
-                      <a:spcPct val="90000"/>
-                    </a:lnSpc>
-                    <a:spcBef>
-                      <a:spcPct val="0"/>
-                    </a:spcBef>
-                    <a:buNone/>
-                    <a:defRPr sz="6000" kern="1200">
-                      <a:solidFill>
-                        <a:schemeClr val="tx1"/>
-                      </a:solidFill>
-                      <a:latin typeface="+mj-lt"/>
-                      <a:ea typeface="+mj-ea"/>
-                      <a:cs typeface="+mj-cs"/>
-                    </a:defRPr>
-                  </a:lvl1pPr>
-                </a:lstStyle>
-                <a:p>
-                  <a:pPr algn="l"/>
-                  <a:r>
-                    <a:rPr lang="tr-TR" sz="2000" dirty="0" smtClean="0">
-                      <a:solidFill>
-                        <a:srgbClr val="CB171F"/>
-                      </a:solidFill>
-                      <a:latin typeface="Constantia" panose="02030602050306030303" pitchFamily="18" charset="0"/>
-                      <a:ea typeface="Verdana" panose="020B0604030504040204" pitchFamily="34" charset="0"/>
-                      <a:cs typeface="Arial" panose="020B0604020202020204" pitchFamily="34" charset="0"/>
-                    </a:rPr>
-                    <a:t>Veri Bilimi Okulu</a:t>
-                  </a:r>
-                  <a:endParaRPr lang="en-US" sz="2000" dirty="0">
-                    <a:solidFill>
-                      <a:srgbClr val="CB171F"/>
-                    </a:solidFill>
-                    <a:latin typeface="Constantia" panose="02030602050306030303" pitchFamily="18" charset="0"/>
-                    <a:ea typeface="Verdana" panose="020B0604030504040204" pitchFamily="34" charset="0"/>
-                    <a:cs typeface="Arial" panose="020B0604020202020204" pitchFamily="34" charset="0"/>
-                  </a:endParaRPr>
-                </a:p>
-              </p:txBody>
-            </p:sp>
-          </p:grpSp>
-        </p:grpSp>
-        <p:sp>
-          <p:nvSpPr>
-            <p:cNvPr id="12" name="Metin kutusu 11"/>
-            <p:cNvSpPr txBox="1"/>
-            <p:nvPr/>
-          </p:nvSpPr>
-          <p:spPr>
-            <a:xfrm>
-              <a:off x="1582782" y="6493211"/>
-              <a:ext cx="1687468" cy="230832"/>
-            </a:xfrm>
-            <a:prstGeom prst="rect">
-              <a:avLst/>
-            </a:prstGeom>
-            <a:noFill/>
-          </p:spPr>
-          <p:txBody>
-            <a:bodyPr wrap="square" rtlCol="0">
-              <a:spAutoFit/>
-            </a:bodyPr>
-            <a:lstStyle/>
-            <a:p>
-              <a:r>
-                <a:rPr lang="en-US" sz="900" dirty="0" smtClean="0">
-                  <a:solidFill>
-                    <a:srgbClr val="0B8043"/>
-                  </a:solidFill>
-                </a:rPr>
-                <a:t>https:</a:t>
-              </a:r>
-              <a:r>
-                <a:rPr lang="en-US" sz="900" dirty="0" smtClean="0">
-                  <a:solidFill>
-                    <a:schemeClr val="bg1">
-                      <a:lumMod val="50000"/>
-                    </a:schemeClr>
-                  </a:solidFill>
-                </a:rPr>
-                <a:t>//www.veribilimi.co</a:t>
-              </a:r>
-              <a:endParaRPr lang="en-US" sz="900" dirty="0">
-                <a:solidFill>
-                  <a:schemeClr val="bg1">
-                    <a:lumMod val="50000"/>
-                  </a:schemeClr>
-                </a:solidFill>
-              </a:endParaRPr>
-            </a:p>
-          </p:txBody>
-        </p:sp>
-      </p:grpSp>
-      <p:grpSp>
-        <p:nvGrpSpPr>
-          <p:cNvPr id="11" name="Grup 10"/>
-          <p:cNvGrpSpPr/>
-          <p:nvPr/>
-        </p:nvGrpSpPr>
-        <p:grpSpPr>
-          <a:xfrm>
-            <a:off x="9194796" y="6231467"/>
-            <a:ext cx="2802471" cy="457084"/>
-            <a:chOff x="184993" y="5905369"/>
-            <a:chExt cx="5156200" cy="838200"/>
-          </a:xfrm>
-        </p:grpSpPr>
-        <p:sp>
-          <p:nvSpPr>
-            <p:cNvPr id="13" name="Dikdörtgen 12"/>
-            <p:cNvSpPr/>
-            <p:nvPr/>
-          </p:nvSpPr>
-          <p:spPr>
-            <a:xfrm>
-              <a:off x="184993" y="5905369"/>
-              <a:ext cx="5156200" cy="838200"/>
-            </a:xfrm>
-            <a:prstGeom prst="rect">
-              <a:avLst/>
-            </a:prstGeom>
-            <a:solidFill>
-              <a:schemeClr val="bg1">
-                <a:lumMod val="95000"/>
-              </a:schemeClr>
-            </a:solidFill>
-            <a:ln>
-              <a:noFill/>
-            </a:ln>
-          </p:spPr>
-          <p:style>
-            <a:lnRef idx="2">
-              <a:schemeClr val="accent1">
-                <a:shade val="50000"/>
-              </a:schemeClr>
-            </a:lnRef>
-            <a:fillRef idx="1">
-              <a:schemeClr val="accent1"/>
-            </a:fillRef>
-            <a:effectRef idx="0">
-              <a:schemeClr val="accent1"/>
-            </a:effectRef>
-            <a:fontRef idx="minor">
-              <a:schemeClr val="lt1"/>
-            </a:fontRef>
-          </p:style>
-          <p:txBody>
-            <a:bodyPr rtlCol="0" anchor="ctr"/>
-            <a:lstStyle/>
-            <a:p>
-              <a:pPr algn="ctr"/>
-              <a:endParaRPr lang="en-US" sz="2000"/>
-            </a:p>
-          </p:txBody>
-        </p:sp>
-        <p:sp>
-          <p:nvSpPr>
-            <p:cNvPr id="14" name="Unvan 1"/>
-            <p:cNvSpPr txBox="1">
-              <a:spLocks/>
-            </p:cNvSpPr>
-            <p:nvPr/>
-          </p:nvSpPr>
-          <p:spPr>
-            <a:xfrm>
-              <a:off x="302252" y="6024023"/>
-              <a:ext cx="4921678" cy="600892"/>
-            </a:xfrm>
-            <a:prstGeom prst="rect">
-              <a:avLst/>
-            </a:prstGeom>
-          </p:spPr>
-          <p:txBody>
-            <a:bodyPr vert="horz" lIns="91440" tIns="45720" rIns="91440" bIns="45720" rtlCol="0" anchor="b">
-              <a:noAutofit/>
-            </a:bodyPr>
-            <a:lstStyle>
-              <a:lvl1pPr algn="ctr" defTabSz="914400" rtl="0" eaLnBrk="1" latinLnBrk="0" hangingPunct="1">
-                <a:lnSpc>
-                  <a:spcPct val="90000"/>
-                </a:lnSpc>
-                <a:spcBef>
-                  <a:spcPct val="0"/>
-                </a:spcBef>
-                <a:buNone/>
-                <a:defRPr sz="6000" kern="1200">
-                  <a:solidFill>
-                    <a:schemeClr val="tx1"/>
-                  </a:solidFill>
-                  <a:latin typeface="+mj-lt"/>
-                  <a:ea typeface="+mj-ea"/>
-                  <a:cs typeface="+mj-cs"/>
-                </a:defRPr>
-              </a:lvl1pPr>
-            </a:lstStyle>
-            <a:p>
-              <a:pPr algn="l"/>
-              <a:r>
-                <a:rPr lang="tr-TR" sz="2000" dirty="0">
-                  <a:solidFill>
-                    <a:srgbClr val="CB171F"/>
-                  </a:solidFill>
-                  <a:latin typeface="Constantia" panose="02030602050306030303" pitchFamily="18" charset="0"/>
-                  <a:ea typeface="Verdana" panose="020B0604030504040204" pitchFamily="34" charset="0"/>
-                  <a:cs typeface="Arial" panose="020B0604020202020204" pitchFamily="34" charset="0"/>
-                </a:rPr>
-                <a:t>A’dan Z’ye Büyük Veri</a:t>
-              </a:r>
-              <a:endParaRPr lang="en-US" sz="2000" dirty="0">
-                <a:solidFill>
-                  <a:srgbClr val="CB171F"/>
-                </a:solidFill>
-                <a:latin typeface="Constantia" panose="02030602050306030303" pitchFamily="18" charset="0"/>
-                <a:ea typeface="Verdana" panose="020B0604030504040204" pitchFamily="34" charset="0"/>
-                <a:cs typeface="Arial" panose="020B0604020202020204" pitchFamily="34" charset="0"/>
-              </a:endParaRPr>
-            </a:p>
-          </p:txBody>
-        </p:sp>
-      </p:grpSp>
-      <p:grpSp>
-        <p:nvGrpSpPr>
           <p:cNvPr id="30" name="Grup 29"/>
           <p:cNvGrpSpPr/>
           <p:nvPr/>
@@ -12728,7 +10156,7 @@
               <p:nvPr/>
             </p:nvPicPr>
             <p:blipFill rotWithShape="1">
-              <a:blip r:embed="rId4">
+              <a:blip r:embed="rId3">
                 <a:extLst>
                   <a:ext uri="{28A0092B-C50C-407E-A947-70E740481C1C}">
                     <a14:useLocalDpi xmlns:a14="http://schemas.microsoft.com/office/drawing/2010/main" val="0"/>
@@ -13253,7 +10681,7 @@
             <p:nvPr/>
           </p:nvPicPr>
           <p:blipFill>
-            <a:blip r:embed="rId5" cstate="print">
+            <a:blip r:embed="rId4" cstate="print">
               <a:extLst>
                 <a:ext uri="{28A0092B-C50C-407E-A947-70E740481C1C}">
                   <a14:useLocalDpi xmlns:a14="http://schemas.microsoft.com/office/drawing/2010/main" val="0"/>
@@ -13498,7 +10926,7 @@
                 <a:p>
                   <a:pPr algn="ctr"/>
                   <a:r>
-                    <a:rPr lang="tr-TR" sz="1400" dirty="0" smtClean="0"/>
+                    <a:rPr lang="tr-TR" sz="1400" dirty="0"/>
                     <a:t>128 GB</a:t>
                   </a:r>
                   <a:endParaRPr lang="en-US" sz="1400" dirty="0"/>
@@ -13669,7 +11097,7 @@
               <p:nvPr/>
             </p:nvPicPr>
             <p:blipFill rotWithShape="1">
-              <a:blip r:embed="rId6" cstate="print">
+              <a:blip r:embed="rId5" cstate="print">
                 <a:extLst>
                   <a:ext uri="{28A0092B-C50C-407E-A947-70E740481C1C}">
                     <a14:useLocalDpi xmlns:a14="http://schemas.microsoft.com/office/drawing/2010/main" val="0"/>
@@ -13698,7 +11126,7 @@
               <p:nvPr/>
             </p:nvPicPr>
             <p:blipFill>
-              <a:blip r:embed="rId7" cstate="print">
+              <a:blip r:embed="rId6" cstate="print">
                 <a:extLst>
                   <a:ext uri="{28A0092B-C50C-407E-A947-70E740481C1C}">
                     <a14:useLocalDpi xmlns:a14="http://schemas.microsoft.com/office/drawing/2010/main" val="0"/>
@@ -13728,7 +11156,7 @@
               <p:nvPr/>
             </p:nvPicPr>
             <p:blipFill rotWithShape="1">
-              <a:blip r:embed="rId6" cstate="print">
+              <a:blip r:embed="rId5" cstate="print">
                 <a:extLst>
                   <a:ext uri="{28A0092B-C50C-407E-A947-70E740481C1C}">
                     <a14:useLocalDpi xmlns:a14="http://schemas.microsoft.com/office/drawing/2010/main" val="0"/>
@@ -13941,11 +11369,7 @@
                   <a:pPr algn="ctr"/>
                   <a:r>
                     <a:rPr lang="tr-TR" sz="1400" dirty="0"/>
-                    <a:t>128 </a:t>
-                  </a:r>
-                  <a:r>
-                    <a:rPr lang="tr-TR" sz="1400" dirty="0" smtClean="0"/>
-                    <a:t>GB</a:t>
+                    <a:t>128 GB</a:t>
                   </a:r>
                   <a:endParaRPr lang="en-US" sz="1400" dirty="0"/>
                 </a:p>
@@ -14115,7 +11539,7 @@
               <p:nvPr/>
             </p:nvPicPr>
             <p:blipFill rotWithShape="1">
-              <a:blip r:embed="rId6" cstate="print">
+              <a:blip r:embed="rId5" cstate="print">
                 <a:extLst>
                   <a:ext uri="{28A0092B-C50C-407E-A947-70E740481C1C}">
                     <a14:useLocalDpi xmlns:a14="http://schemas.microsoft.com/office/drawing/2010/main" val="0"/>
@@ -14144,7 +11568,7 @@
               <p:nvPr/>
             </p:nvPicPr>
             <p:blipFill>
-              <a:blip r:embed="rId7" cstate="print">
+              <a:blip r:embed="rId6" cstate="print">
                 <a:extLst>
                   <a:ext uri="{28A0092B-C50C-407E-A947-70E740481C1C}">
                     <a14:useLocalDpi xmlns:a14="http://schemas.microsoft.com/office/drawing/2010/main" val="0"/>
@@ -14174,7 +11598,7 @@
               <p:nvPr/>
             </p:nvPicPr>
             <p:blipFill rotWithShape="1">
-              <a:blip r:embed="rId6" cstate="print">
+              <a:blip r:embed="rId5" cstate="print">
                 <a:extLst>
                   <a:ext uri="{28A0092B-C50C-407E-A947-70E740481C1C}">
                     <a14:useLocalDpi xmlns:a14="http://schemas.microsoft.com/office/drawing/2010/main" val="0"/>
@@ -14386,7 +11810,7 @@
                 <a:p>
                   <a:pPr algn="ctr"/>
                   <a:r>
-                    <a:rPr lang="tr-TR" sz="1400" dirty="0" smtClean="0"/>
+                    <a:rPr lang="tr-TR" sz="1400" dirty="0"/>
                     <a:t>128 GB</a:t>
                   </a:r>
                   <a:endParaRPr lang="en-US" sz="1400" dirty="0"/>
@@ -14557,7 +11981,7 @@
               <p:nvPr/>
             </p:nvPicPr>
             <p:blipFill rotWithShape="1">
-              <a:blip r:embed="rId6" cstate="print">
+              <a:blip r:embed="rId5" cstate="print">
                 <a:extLst>
                   <a:ext uri="{28A0092B-C50C-407E-A947-70E740481C1C}">
                     <a14:useLocalDpi xmlns:a14="http://schemas.microsoft.com/office/drawing/2010/main" val="0"/>
@@ -14586,7 +12010,7 @@
               <p:nvPr/>
             </p:nvPicPr>
             <p:blipFill>
-              <a:blip r:embed="rId7" cstate="print">
+              <a:blip r:embed="rId6" cstate="print">
                 <a:extLst>
                   <a:ext uri="{28A0092B-C50C-407E-A947-70E740481C1C}">
                     <a14:useLocalDpi xmlns:a14="http://schemas.microsoft.com/office/drawing/2010/main" val="0"/>
@@ -14616,7 +12040,7 @@
               <p:nvPr/>
             </p:nvPicPr>
             <p:blipFill rotWithShape="1">
-              <a:blip r:embed="rId6" cstate="print">
+              <a:blip r:embed="rId5" cstate="print">
                 <a:extLst>
                   <a:ext uri="{28A0092B-C50C-407E-A947-70E740481C1C}">
                     <a14:useLocalDpi xmlns:a14="http://schemas.microsoft.com/office/drawing/2010/main" val="0"/>
@@ -14828,7 +12252,7 @@
                 <a:p>
                   <a:pPr algn="ctr"/>
                   <a:r>
-                    <a:rPr lang="tr-TR" sz="1400" dirty="0" smtClean="0"/>
+                    <a:rPr lang="tr-TR" sz="1400" dirty="0"/>
                     <a:t>128 GB</a:t>
                   </a:r>
                   <a:endParaRPr lang="en-US" sz="1400" dirty="0"/>
@@ -14999,7 +12423,7 @@
               <p:nvPr/>
             </p:nvPicPr>
             <p:blipFill rotWithShape="1">
-              <a:blip r:embed="rId6" cstate="print">
+              <a:blip r:embed="rId5" cstate="print">
                 <a:extLst>
                   <a:ext uri="{28A0092B-C50C-407E-A947-70E740481C1C}">
                     <a14:useLocalDpi xmlns:a14="http://schemas.microsoft.com/office/drawing/2010/main" val="0"/>
@@ -15028,7 +12452,7 @@
               <p:nvPr/>
             </p:nvPicPr>
             <p:blipFill>
-              <a:blip r:embed="rId7" cstate="print">
+              <a:blip r:embed="rId6" cstate="print">
                 <a:extLst>
                   <a:ext uri="{28A0092B-C50C-407E-A947-70E740481C1C}">
                     <a14:useLocalDpi xmlns:a14="http://schemas.microsoft.com/office/drawing/2010/main" val="0"/>
@@ -15058,7 +12482,7 @@
               <p:nvPr/>
             </p:nvPicPr>
             <p:blipFill rotWithShape="1">
-              <a:blip r:embed="rId6" cstate="print">
+              <a:blip r:embed="rId5" cstate="print">
                 <a:extLst>
                   <a:ext uri="{28A0092B-C50C-407E-A947-70E740481C1C}">
                     <a14:useLocalDpi xmlns:a14="http://schemas.microsoft.com/office/drawing/2010/main" val="0"/>
@@ -15088,7 +12512,7 @@
             <p:nvPr/>
           </p:nvPicPr>
           <p:blipFill>
-            <a:blip r:embed="rId8" cstate="print">
+            <a:blip r:embed="rId7" cstate="print">
               <a:extLst>
                 <a:ext uri="{28A0092B-C50C-407E-A947-70E740481C1C}">
                   <a14:useLocalDpi xmlns:a14="http://schemas.microsoft.com/office/drawing/2010/main" val="0"/>
@@ -15118,7 +12542,7 @@
             <p:nvPr/>
           </p:nvPicPr>
           <p:blipFill>
-            <a:blip r:embed="rId9" cstate="print">
+            <a:blip r:embed="rId8" cstate="print">
               <a:extLst>
                 <a:ext uri="{28A0092B-C50C-407E-A947-70E740481C1C}">
                   <a14:useLocalDpi xmlns:a14="http://schemas.microsoft.com/office/drawing/2010/main" val="0"/>
@@ -15148,7 +12572,7 @@
             <p:nvPr/>
           </p:nvPicPr>
           <p:blipFill>
-            <a:blip r:embed="rId10" cstate="print">
+            <a:blip r:embed="rId9" cstate="print">
               <a:extLst>
                 <a:ext uri="{28A0092B-C50C-407E-A947-70E740481C1C}">
                   <a14:useLocalDpi xmlns:a14="http://schemas.microsoft.com/office/drawing/2010/main" val="0"/>
@@ -15178,7 +12602,7 @@
             <p:nvPr/>
           </p:nvPicPr>
           <p:blipFill>
-            <a:blip r:embed="rId8" cstate="print">
+            <a:blip r:embed="rId7" cstate="print">
               <a:extLst>
                 <a:ext uri="{28A0092B-C50C-407E-A947-70E740481C1C}">
                   <a14:useLocalDpi xmlns:a14="http://schemas.microsoft.com/office/drawing/2010/main" val="0"/>
@@ -15208,7 +12632,7 @@
             <p:nvPr/>
           </p:nvPicPr>
           <p:blipFill>
-            <a:blip r:embed="rId9" cstate="print">
+            <a:blip r:embed="rId8" cstate="print">
               <a:extLst>
                 <a:ext uri="{28A0092B-C50C-407E-A947-70E740481C1C}">
                   <a14:useLocalDpi xmlns:a14="http://schemas.microsoft.com/office/drawing/2010/main" val="0"/>
@@ -15238,7 +12662,7 @@
             <p:nvPr/>
           </p:nvPicPr>
           <p:blipFill>
-            <a:blip r:embed="rId10" cstate="print">
+            <a:blip r:embed="rId9" cstate="print">
               <a:extLst>
                 <a:ext uri="{28A0092B-C50C-407E-A947-70E740481C1C}">
                   <a14:useLocalDpi xmlns:a14="http://schemas.microsoft.com/office/drawing/2010/main" val="0"/>
@@ -15268,7 +12692,7 @@
             <p:nvPr/>
           </p:nvPicPr>
           <p:blipFill>
-            <a:blip r:embed="rId9" cstate="print">
+            <a:blip r:embed="rId8" cstate="print">
               <a:extLst>
                 <a:ext uri="{28A0092B-C50C-407E-A947-70E740481C1C}">
                   <a14:useLocalDpi xmlns:a14="http://schemas.microsoft.com/office/drawing/2010/main" val="0"/>
@@ -15298,7 +12722,7 @@
             <p:nvPr/>
           </p:nvPicPr>
           <p:blipFill>
-            <a:blip r:embed="rId8" cstate="print">
+            <a:blip r:embed="rId7" cstate="print">
               <a:extLst>
                 <a:ext uri="{28A0092B-C50C-407E-A947-70E740481C1C}">
                   <a14:useLocalDpi xmlns:a14="http://schemas.microsoft.com/office/drawing/2010/main" val="0"/>
@@ -15328,7 +12752,7 @@
             <p:nvPr/>
           </p:nvPicPr>
           <p:blipFill>
-            <a:blip r:embed="rId10" cstate="print">
+            <a:blip r:embed="rId9" cstate="print">
               <a:extLst>
                 <a:ext uri="{28A0092B-C50C-407E-A947-70E740481C1C}">
                   <a14:useLocalDpi xmlns:a14="http://schemas.microsoft.com/office/drawing/2010/main" val="0"/>
@@ -15550,7 +12974,7 @@
           <a:p>
             <a:pPr algn="ctr"/>
             <a:r>
-              <a:rPr lang="tr-TR" sz="1400" dirty="0" smtClean="0"/>
+              <a:rPr lang="tr-TR" sz="1400" dirty="0"/>
               <a:t>Acaba kaç portakal var?</a:t>
             </a:r>
             <a:endParaRPr lang="en-US" sz="1400" dirty="0"/>
@@ -15637,7 +13061,7 @@
           <a:p>
             <a:pPr algn="ctr"/>
             <a:r>
-              <a:rPr lang="tr-TR" sz="1400" dirty="0" smtClean="0"/>
+              <a:rPr lang="tr-TR" sz="1400" dirty="0"/>
               <a:t>1 tane var</a:t>
             </a:r>
             <a:endParaRPr lang="en-US" sz="1400" dirty="0"/>
@@ -15684,7 +13108,7 @@
           <a:p>
             <a:pPr algn="ctr"/>
             <a:r>
-              <a:rPr lang="tr-TR" sz="1400" dirty="0" smtClean="0"/>
+              <a:rPr lang="tr-TR" sz="1400" dirty="0"/>
               <a:t>1 tane var</a:t>
             </a:r>
             <a:endParaRPr lang="en-US" sz="1400" dirty="0"/>
@@ -15731,7 +13155,7 @@
           <a:p>
             <a:pPr algn="ctr"/>
             <a:r>
-              <a:rPr lang="tr-TR" sz="1400" dirty="0" smtClean="0"/>
+              <a:rPr lang="tr-TR" sz="1400" dirty="0"/>
               <a:t>1 tane var</a:t>
             </a:r>
             <a:endParaRPr lang="en-US" sz="1400" dirty="0"/>
@@ -15778,7 +13202,7 @@
           <a:p>
             <a:pPr algn="ctr"/>
             <a:r>
-              <a:rPr lang="tr-TR" sz="1400" dirty="0" smtClean="0"/>
+              <a:rPr lang="tr-TR" sz="1400" dirty="0"/>
               <a:t>0 tane var</a:t>
             </a:r>
             <a:endParaRPr lang="en-US" sz="1400" dirty="0"/>
@@ -15825,7 +13249,7 @@
           <a:p>
             <a:pPr algn="ctr"/>
             <a:r>
-              <a:rPr lang="tr-TR" sz="1400" dirty="0" smtClean="0"/>
+              <a:rPr lang="tr-TR" sz="1400" dirty="0"/>
               <a:t>3 tane var</a:t>
             </a:r>
             <a:endParaRPr lang="en-US" sz="1400" dirty="0"/>
@@ -16803,7 +14227,7 @@
           <a:lstStyle/>
           <a:p>
             <a:r>
-              <a:rPr lang="tr-TR" sz="4200" b="1" dirty="0" smtClean="0">
+              <a:rPr lang="tr-TR" sz="4200" b="1" dirty="0">
                 <a:solidFill>
                   <a:srgbClr val="CD1F26"/>
                 </a:solidFill>
@@ -16861,369 +14285,6 @@
           </a:fontRef>
         </p:style>
       </p:cxnSp>
-      <p:grpSp>
-        <p:nvGrpSpPr>
-          <p:cNvPr id="15" name="Grup 14"/>
-          <p:cNvGrpSpPr/>
-          <p:nvPr/>
-        </p:nvGrpSpPr>
-        <p:grpSpPr>
-          <a:xfrm>
-            <a:off x="228596" y="6231467"/>
-            <a:ext cx="3041654" cy="492576"/>
-            <a:chOff x="228596" y="6231467"/>
-            <a:chExt cx="3041654" cy="492576"/>
-          </a:xfrm>
-        </p:grpSpPr>
-        <p:grpSp>
-          <p:nvGrpSpPr>
-            <p:cNvPr id="8" name="Grup 7"/>
-            <p:cNvGrpSpPr/>
-            <p:nvPr/>
-          </p:nvGrpSpPr>
-          <p:grpSpPr>
-            <a:xfrm>
-              <a:off x="228596" y="6231467"/>
-              <a:ext cx="2802471" cy="457084"/>
-              <a:chOff x="127000" y="5901146"/>
-              <a:chExt cx="5156200" cy="838200"/>
-            </a:xfrm>
-          </p:grpSpPr>
-          <p:sp>
-            <p:nvSpPr>
-              <p:cNvPr id="7" name="Dikdörtgen 6"/>
-              <p:cNvSpPr/>
-              <p:nvPr/>
-            </p:nvSpPr>
-            <p:spPr>
-              <a:xfrm>
-                <a:off x="127000" y="5901146"/>
-                <a:ext cx="5156200" cy="838200"/>
-              </a:xfrm>
-              <a:prstGeom prst="rect">
-                <a:avLst/>
-              </a:prstGeom>
-              <a:solidFill>
-                <a:schemeClr val="bg1">
-                  <a:lumMod val="95000"/>
-                </a:schemeClr>
-              </a:solidFill>
-              <a:ln>
-                <a:noFill/>
-              </a:ln>
-            </p:spPr>
-            <p:style>
-              <a:lnRef idx="2">
-                <a:schemeClr val="accent1">
-                  <a:shade val="50000"/>
-                </a:schemeClr>
-              </a:lnRef>
-              <a:fillRef idx="1">
-                <a:schemeClr val="accent1"/>
-              </a:fillRef>
-              <a:effectRef idx="0">
-                <a:schemeClr val="accent1"/>
-              </a:effectRef>
-              <a:fontRef idx="minor">
-                <a:schemeClr val="lt1"/>
-              </a:fontRef>
-            </p:style>
-            <p:txBody>
-              <a:bodyPr rtlCol="0" anchor="ctr"/>
-              <a:lstStyle/>
-              <a:p>
-                <a:pPr algn="ctr"/>
-                <a:endParaRPr lang="en-US" sz="2000"/>
-              </a:p>
-            </p:txBody>
-          </p:sp>
-          <p:grpSp>
-            <p:nvGrpSpPr>
-              <p:cNvPr id="6" name="Grup 5"/>
-              <p:cNvGrpSpPr/>
-              <p:nvPr/>
-            </p:nvGrpSpPr>
-            <p:grpSpPr>
-              <a:xfrm>
-                <a:off x="211667" y="6019800"/>
-                <a:ext cx="5012266" cy="605115"/>
-                <a:chOff x="211667" y="6019800"/>
-                <a:chExt cx="5012266" cy="605115"/>
-              </a:xfrm>
-            </p:grpSpPr>
-            <p:pic>
-              <p:nvPicPr>
-                <p:cNvPr id="4" name="Resim 3"/>
-                <p:cNvPicPr>
-                  <a:picLocks noChangeAspect="1"/>
-                </p:cNvPicPr>
-                <p:nvPr/>
-              </p:nvPicPr>
-              <p:blipFill rotWithShape="1">
-                <a:blip r:embed="rId3" cstate="print">
-                  <a:extLst>
-                    <a:ext uri="{28A0092B-C50C-407E-A947-70E740481C1C}">
-                      <a14:useLocalDpi xmlns:a14="http://schemas.microsoft.com/office/drawing/2010/main" val="0"/>
-                    </a:ext>
-                  </a:extLst>
-                </a:blip>
-                <a:srcRect l="24387" t="8319" r="18355" b="50150"/>
-                <a:stretch/>
-              </p:blipFill>
-              <p:spPr>
-                <a:xfrm>
-                  <a:off x="211667" y="6019800"/>
-                  <a:ext cx="1072095" cy="600892"/>
-                </a:xfrm>
-                <a:prstGeom prst="rect">
-                  <a:avLst/>
-                </a:prstGeom>
-              </p:spPr>
-            </p:pic>
-            <p:sp>
-              <p:nvSpPr>
-                <p:cNvPr id="5" name="Unvan 1"/>
-                <p:cNvSpPr txBox="1">
-                  <a:spLocks/>
-                </p:cNvSpPr>
-                <p:nvPr/>
-              </p:nvSpPr>
-              <p:spPr>
-                <a:xfrm>
-                  <a:off x="1283763" y="6024023"/>
-                  <a:ext cx="3940170" cy="600892"/>
-                </a:xfrm>
-                <a:prstGeom prst="rect">
-                  <a:avLst/>
-                </a:prstGeom>
-              </p:spPr>
-              <p:txBody>
-                <a:bodyPr vert="horz" lIns="91440" tIns="45720" rIns="91440" bIns="45720" rtlCol="0" anchor="b">
-                  <a:noAutofit/>
-                </a:bodyPr>
-                <a:lstStyle>
-                  <a:lvl1pPr algn="ctr" defTabSz="914400" rtl="0" eaLnBrk="1" latinLnBrk="0" hangingPunct="1">
-                    <a:lnSpc>
-                      <a:spcPct val="90000"/>
-                    </a:lnSpc>
-                    <a:spcBef>
-                      <a:spcPct val="0"/>
-                    </a:spcBef>
-                    <a:buNone/>
-                    <a:defRPr sz="6000" kern="1200">
-                      <a:solidFill>
-                        <a:schemeClr val="tx1"/>
-                      </a:solidFill>
-                      <a:latin typeface="+mj-lt"/>
-                      <a:ea typeface="+mj-ea"/>
-                      <a:cs typeface="+mj-cs"/>
-                    </a:defRPr>
-                  </a:lvl1pPr>
-                </a:lstStyle>
-                <a:p>
-                  <a:pPr algn="l"/>
-                  <a:r>
-                    <a:rPr lang="tr-TR" sz="2000" dirty="0" smtClean="0">
-                      <a:solidFill>
-                        <a:srgbClr val="CB171F"/>
-                      </a:solidFill>
-                      <a:latin typeface="Constantia" panose="02030602050306030303" pitchFamily="18" charset="0"/>
-                      <a:ea typeface="Verdana" panose="020B0604030504040204" pitchFamily="34" charset="0"/>
-                      <a:cs typeface="Arial" panose="020B0604020202020204" pitchFamily="34" charset="0"/>
-                    </a:rPr>
-                    <a:t>Veri Bilimi Okulu</a:t>
-                  </a:r>
-                  <a:endParaRPr lang="en-US" sz="2000" dirty="0">
-                    <a:solidFill>
-                      <a:srgbClr val="CB171F"/>
-                    </a:solidFill>
-                    <a:latin typeface="Constantia" panose="02030602050306030303" pitchFamily="18" charset="0"/>
-                    <a:ea typeface="Verdana" panose="020B0604030504040204" pitchFamily="34" charset="0"/>
-                    <a:cs typeface="Arial" panose="020B0604020202020204" pitchFamily="34" charset="0"/>
-                  </a:endParaRPr>
-                </a:p>
-              </p:txBody>
-            </p:sp>
-          </p:grpSp>
-        </p:grpSp>
-        <p:sp>
-          <p:nvSpPr>
-            <p:cNvPr id="12" name="Metin kutusu 11"/>
-            <p:cNvSpPr txBox="1"/>
-            <p:nvPr/>
-          </p:nvSpPr>
-          <p:spPr>
-            <a:xfrm>
-              <a:off x="1582782" y="6493211"/>
-              <a:ext cx="1687468" cy="230832"/>
-            </a:xfrm>
-            <a:prstGeom prst="rect">
-              <a:avLst/>
-            </a:prstGeom>
-            <a:noFill/>
-          </p:spPr>
-          <p:txBody>
-            <a:bodyPr wrap="square" rtlCol="0">
-              <a:spAutoFit/>
-            </a:bodyPr>
-            <a:lstStyle/>
-            <a:p>
-              <a:r>
-                <a:rPr lang="en-US" sz="900" dirty="0" smtClean="0">
-                  <a:solidFill>
-                    <a:srgbClr val="0B8043"/>
-                  </a:solidFill>
-                </a:rPr>
-                <a:t>https:</a:t>
-              </a:r>
-              <a:r>
-                <a:rPr lang="en-US" sz="900" dirty="0" smtClean="0">
-                  <a:solidFill>
-                    <a:schemeClr val="bg1">
-                      <a:lumMod val="50000"/>
-                    </a:schemeClr>
-                  </a:solidFill>
-                </a:rPr>
-                <a:t>//www.veribilimi.co</a:t>
-              </a:r>
-              <a:endParaRPr lang="en-US" sz="900" dirty="0">
-                <a:solidFill>
-                  <a:schemeClr val="bg1">
-                    <a:lumMod val="50000"/>
-                  </a:schemeClr>
-                </a:solidFill>
-              </a:endParaRPr>
-            </a:p>
-          </p:txBody>
-        </p:sp>
-      </p:grpSp>
-      <p:grpSp>
-        <p:nvGrpSpPr>
-          <p:cNvPr id="11" name="Grup 10"/>
-          <p:cNvGrpSpPr/>
-          <p:nvPr/>
-        </p:nvGrpSpPr>
-        <p:grpSpPr>
-          <a:xfrm>
-            <a:off x="9194796" y="6231467"/>
-            <a:ext cx="2802471" cy="457084"/>
-            <a:chOff x="184993" y="5905369"/>
-            <a:chExt cx="5156200" cy="838200"/>
-          </a:xfrm>
-        </p:grpSpPr>
-        <p:sp>
-          <p:nvSpPr>
-            <p:cNvPr id="13" name="Dikdörtgen 12"/>
-            <p:cNvSpPr/>
-            <p:nvPr/>
-          </p:nvSpPr>
-          <p:spPr>
-            <a:xfrm>
-              <a:off x="184993" y="5905369"/>
-              <a:ext cx="5156200" cy="838200"/>
-            </a:xfrm>
-            <a:prstGeom prst="rect">
-              <a:avLst/>
-            </a:prstGeom>
-            <a:solidFill>
-              <a:schemeClr val="bg1">
-                <a:lumMod val="95000"/>
-              </a:schemeClr>
-            </a:solidFill>
-            <a:ln>
-              <a:noFill/>
-            </a:ln>
-          </p:spPr>
-          <p:style>
-            <a:lnRef idx="2">
-              <a:schemeClr val="accent1">
-                <a:shade val="50000"/>
-              </a:schemeClr>
-            </a:lnRef>
-            <a:fillRef idx="1">
-              <a:schemeClr val="accent1"/>
-            </a:fillRef>
-            <a:effectRef idx="0">
-              <a:schemeClr val="accent1"/>
-            </a:effectRef>
-            <a:fontRef idx="minor">
-              <a:schemeClr val="lt1"/>
-            </a:fontRef>
-          </p:style>
-          <p:txBody>
-            <a:bodyPr rtlCol="0" anchor="ctr"/>
-            <a:lstStyle/>
-            <a:p>
-              <a:pPr algn="ctr"/>
-              <a:endParaRPr lang="en-US" sz="2000"/>
-            </a:p>
-          </p:txBody>
-        </p:sp>
-        <p:sp>
-          <p:nvSpPr>
-            <p:cNvPr id="14" name="Unvan 1"/>
-            <p:cNvSpPr txBox="1">
-              <a:spLocks/>
-            </p:cNvSpPr>
-            <p:nvPr/>
-          </p:nvSpPr>
-          <p:spPr>
-            <a:xfrm>
-              <a:off x="302252" y="6024023"/>
-              <a:ext cx="4921678" cy="600892"/>
-            </a:xfrm>
-            <a:prstGeom prst="rect">
-              <a:avLst/>
-            </a:prstGeom>
-          </p:spPr>
-          <p:txBody>
-            <a:bodyPr vert="horz" lIns="91440" tIns="45720" rIns="91440" bIns="45720" rtlCol="0" anchor="b">
-              <a:noAutofit/>
-            </a:bodyPr>
-            <a:lstStyle>
-              <a:lvl1pPr algn="ctr" defTabSz="914400" rtl="0" eaLnBrk="1" latinLnBrk="0" hangingPunct="1">
-                <a:lnSpc>
-                  <a:spcPct val="90000"/>
-                </a:lnSpc>
-                <a:spcBef>
-                  <a:spcPct val="0"/>
-                </a:spcBef>
-                <a:buNone/>
-                <a:defRPr sz="6000" kern="1200">
-                  <a:solidFill>
-                    <a:schemeClr val="tx1"/>
-                  </a:solidFill>
-                  <a:latin typeface="+mj-lt"/>
-                  <a:ea typeface="+mj-ea"/>
-                  <a:cs typeface="+mj-cs"/>
-                </a:defRPr>
-              </a:lvl1pPr>
-            </a:lstStyle>
-            <a:p>
-              <a:pPr algn="l"/>
-              <a:r>
-                <a:rPr lang="tr-TR" sz="2000" dirty="0">
-                  <a:solidFill>
-                    <a:srgbClr val="CB171F"/>
-                  </a:solidFill>
-                  <a:latin typeface="Constantia" panose="02030602050306030303" pitchFamily="18" charset="0"/>
-                  <a:ea typeface="Verdana" panose="020B0604030504040204" pitchFamily="34" charset="0"/>
-                  <a:cs typeface="Arial" panose="020B0604020202020204" pitchFamily="34" charset="0"/>
-                </a:rPr>
-                <a:t>A’dan Z’ye Büyük Veri</a:t>
-              </a:r>
-              <a:endParaRPr lang="en-US" sz="2000" dirty="0">
-                <a:solidFill>
-                  <a:srgbClr val="CB171F"/>
-                </a:solidFill>
-                <a:latin typeface="Constantia" panose="02030602050306030303" pitchFamily="18" charset="0"/>
-                <a:ea typeface="Verdana" panose="020B0604030504040204" pitchFamily="34" charset="0"/>
-                <a:cs typeface="Arial" panose="020B0604020202020204" pitchFamily="34" charset="0"/>
-              </a:endParaRPr>
-            </a:p>
-          </p:txBody>
-        </p:sp>
-      </p:grpSp>
       <p:grpSp>
         <p:nvGrpSpPr>
           <p:cNvPr id="19" name="Grup 18"/>
@@ -17415,7 +14476,7 @@
               <a:p>
                 <a:pPr algn="ctr"/>
                 <a:r>
-                  <a:rPr lang="tr-TR" sz="1400" dirty="0" smtClean="0"/>
+                  <a:rPr lang="tr-TR" sz="1400" dirty="0"/>
                   <a:t>128 GB</a:t>
                 </a:r>
                 <a:endParaRPr lang="en-US" sz="1400" dirty="0"/>
@@ -17585,7 +14646,7 @@
               <p:nvPr/>
             </p:nvPicPr>
             <p:blipFill rotWithShape="1">
-              <a:blip r:embed="rId4" cstate="print">
+              <a:blip r:embed="rId3" cstate="print">
                 <a:extLst>
                   <a:ext uri="{28A0092B-C50C-407E-A947-70E740481C1C}">
                     <a14:useLocalDpi xmlns:a14="http://schemas.microsoft.com/office/drawing/2010/main" val="0"/>
@@ -17614,7 +14675,7 @@
               <p:nvPr/>
             </p:nvPicPr>
             <p:blipFill>
-              <a:blip r:embed="rId5" cstate="print">
+              <a:blip r:embed="rId4" cstate="print">
                 <a:extLst>
                   <a:ext uri="{28A0092B-C50C-407E-A947-70E740481C1C}">
                     <a14:useLocalDpi xmlns:a14="http://schemas.microsoft.com/office/drawing/2010/main" val="0"/>
@@ -17644,7 +14705,7 @@
               <p:nvPr/>
             </p:nvPicPr>
             <p:blipFill rotWithShape="1">
-              <a:blip r:embed="rId4" cstate="print">
+              <a:blip r:embed="rId3" cstate="print">
                 <a:extLst>
                   <a:ext uri="{28A0092B-C50C-407E-A947-70E740481C1C}">
                     <a14:useLocalDpi xmlns:a14="http://schemas.microsoft.com/office/drawing/2010/main" val="0"/>
@@ -17896,7 +14957,7 @@
                 <a:p>
                   <a:pPr algn="ctr"/>
                   <a:r>
-                    <a:rPr lang="tr-TR" sz="1400" dirty="0" smtClean="0"/>
+                    <a:rPr lang="tr-TR" sz="1400" dirty="0"/>
                     <a:t>512GB</a:t>
                   </a:r>
                   <a:endParaRPr lang="en-US" sz="1400" dirty="0"/>
@@ -18066,7 +15127,7 @@
                 <p:nvPr/>
               </p:nvPicPr>
               <p:blipFill>
-                <a:blip r:embed="rId6" cstate="print">
+                <a:blip r:embed="rId5" cstate="print">
                   <a:extLst>
                     <a:ext uri="{28A0092B-C50C-407E-A947-70E740481C1C}">
                       <a14:useLocalDpi xmlns:a14="http://schemas.microsoft.com/office/drawing/2010/main" val="0"/>
@@ -18096,7 +15157,7 @@
                 <p:nvPr/>
               </p:nvPicPr>
               <p:blipFill rotWithShape="1">
-                <a:blip r:embed="rId7" cstate="print">
+                <a:blip r:embed="rId6" cstate="print">
                   <a:extLst>
                     <a:ext uri="{28A0092B-C50C-407E-A947-70E740481C1C}">
                       <a14:useLocalDpi xmlns:a14="http://schemas.microsoft.com/office/drawing/2010/main" val="0"/>
@@ -18126,7 +15187,7 @@
               <p:nvPr/>
             </p:nvPicPr>
             <p:blipFill rotWithShape="1">
-              <a:blip r:embed="rId8" cstate="print">
+              <a:blip r:embed="rId7" cstate="print">
                 <a:extLst>
                   <a:ext uri="{28A0092B-C50C-407E-A947-70E740481C1C}">
                     <a14:useLocalDpi xmlns:a14="http://schemas.microsoft.com/office/drawing/2010/main" val="0"/>
@@ -18155,7 +15216,7 @@
               <p:nvPr/>
             </p:nvPicPr>
             <p:blipFill rotWithShape="1">
-              <a:blip r:embed="rId8" cstate="print">
+              <a:blip r:embed="rId7" cstate="print">
                 <a:extLst>
                   <a:ext uri="{28A0092B-C50C-407E-A947-70E740481C1C}">
                     <a14:useLocalDpi xmlns:a14="http://schemas.microsoft.com/office/drawing/2010/main" val="0"/>
@@ -18184,7 +15245,7 @@
               <p:nvPr/>
             </p:nvPicPr>
             <p:blipFill>
-              <a:blip r:embed="rId6" cstate="print">
+              <a:blip r:embed="rId5" cstate="print">
                 <a:extLst>
                   <a:ext uri="{28A0092B-C50C-407E-A947-70E740481C1C}">
                     <a14:useLocalDpi xmlns:a14="http://schemas.microsoft.com/office/drawing/2010/main" val="0"/>
@@ -18451,7 +15512,7 @@
                   <a:p>
                     <a:pPr algn="ctr"/>
                     <a:r>
-                      <a:rPr lang="tr-TR" sz="1400" dirty="0" smtClean="0"/>
+                      <a:rPr lang="tr-TR" sz="1400" dirty="0"/>
                       <a:t>1 TB</a:t>
                     </a:r>
                     <a:endParaRPr lang="en-US" sz="1400" dirty="0"/>
@@ -18621,7 +15682,7 @@
                   <p:nvPr/>
                 </p:nvPicPr>
                 <p:blipFill>
-                  <a:blip r:embed="rId9" cstate="print">
+                  <a:blip r:embed="rId8" cstate="print">
                     <a:extLst>
                       <a:ext uri="{28A0092B-C50C-407E-A947-70E740481C1C}">
                         <a14:useLocalDpi xmlns:a14="http://schemas.microsoft.com/office/drawing/2010/main" val="0"/>
@@ -18651,7 +15712,7 @@
                   <p:nvPr/>
                 </p:nvPicPr>
                 <p:blipFill rotWithShape="1">
-                  <a:blip r:embed="rId10" cstate="print">
+                  <a:blip r:embed="rId9" cstate="print">
                     <a:extLst>
                       <a:ext uri="{28A0092B-C50C-407E-A947-70E740481C1C}">
                         <a14:useLocalDpi xmlns:a14="http://schemas.microsoft.com/office/drawing/2010/main" val="0"/>
@@ -18681,7 +15742,7 @@
                 <p:nvPr/>
               </p:nvPicPr>
               <p:blipFill rotWithShape="1">
-                <a:blip r:embed="rId11" cstate="print">
+                <a:blip r:embed="rId10" cstate="print">
                   <a:extLst>
                     <a:ext uri="{28A0092B-C50C-407E-A947-70E740481C1C}">
                       <a14:useLocalDpi xmlns:a14="http://schemas.microsoft.com/office/drawing/2010/main" val="0"/>
@@ -18710,7 +15771,7 @@
                 <p:nvPr/>
               </p:nvPicPr>
               <p:blipFill rotWithShape="1">
-                <a:blip r:embed="rId11" cstate="print">
+                <a:blip r:embed="rId10" cstate="print">
                   <a:extLst>
                     <a:ext uri="{28A0092B-C50C-407E-A947-70E740481C1C}">
                       <a14:useLocalDpi xmlns:a14="http://schemas.microsoft.com/office/drawing/2010/main" val="0"/>
@@ -18739,7 +15800,7 @@
                 <p:nvPr/>
               </p:nvPicPr>
               <p:blipFill>
-                <a:blip r:embed="rId9" cstate="print">
+                <a:blip r:embed="rId8" cstate="print">
                   <a:extLst>
                     <a:ext uri="{28A0092B-C50C-407E-A947-70E740481C1C}">
                       <a14:useLocalDpi xmlns:a14="http://schemas.microsoft.com/office/drawing/2010/main" val="0"/>
@@ -18770,7 +15831,7 @@
               <p:nvPr/>
             </p:nvPicPr>
             <p:blipFill>
-              <a:blip r:embed="rId9" cstate="print">
+              <a:blip r:embed="rId8" cstate="print">
                 <a:extLst>
                   <a:ext uri="{28A0092B-C50C-407E-A947-70E740481C1C}">
                     <a14:useLocalDpi xmlns:a14="http://schemas.microsoft.com/office/drawing/2010/main" val="0"/>
@@ -18800,7 +15861,7 @@
               <p:nvPr/>
             </p:nvPicPr>
             <p:blipFill>
-              <a:blip r:embed="rId9" cstate="print">
+              <a:blip r:embed="rId8" cstate="print">
                 <a:extLst>
                   <a:ext uri="{28A0092B-C50C-407E-A947-70E740481C1C}">
                     <a14:useLocalDpi xmlns:a14="http://schemas.microsoft.com/office/drawing/2010/main" val="0"/>
@@ -18830,7 +15891,7 @@
               <p:nvPr/>
             </p:nvPicPr>
             <p:blipFill>
-              <a:blip r:embed="rId9" cstate="print">
+              <a:blip r:embed="rId8" cstate="print">
                 <a:extLst>
                   <a:ext uri="{28A0092B-C50C-407E-A947-70E740481C1C}">
                     <a14:useLocalDpi xmlns:a14="http://schemas.microsoft.com/office/drawing/2010/main" val="0"/>
@@ -18860,7 +15921,7 @@
               <p:nvPr/>
             </p:nvPicPr>
             <p:blipFill>
-              <a:blip r:embed="rId9" cstate="print">
+              <a:blip r:embed="rId8" cstate="print">
                 <a:extLst>
                   <a:ext uri="{28A0092B-C50C-407E-A947-70E740481C1C}">
                     <a14:useLocalDpi xmlns:a14="http://schemas.microsoft.com/office/drawing/2010/main" val="0"/>
@@ -18890,7 +15951,7 @@
               <p:nvPr/>
             </p:nvPicPr>
             <p:blipFill>
-              <a:blip r:embed="rId9" cstate="print">
+              <a:blip r:embed="rId8" cstate="print">
                 <a:extLst>
                   <a:ext uri="{28A0092B-C50C-407E-A947-70E740481C1C}">
                     <a14:useLocalDpi xmlns:a14="http://schemas.microsoft.com/office/drawing/2010/main" val="0"/>
@@ -18920,7 +15981,7 @@
               <p:nvPr/>
             </p:nvPicPr>
             <p:blipFill>
-              <a:blip r:embed="rId9" cstate="print">
+              <a:blip r:embed="rId8" cstate="print">
                 <a:extLst>
                   <a:ext uri="{28A0092B-C50C-407E-A947-70E740481C1C}">
                     <a14:useLocalDpi xmlns:a14="http://schemas.microsoft.com/office/drawing/2010/main" val="0"/>
@@ -18950,7 +16011,7 @@
               <p:nvPr/>
             </p:nvPicPr>
             <p:blipFill rotWithShape="1">
-              <a:blip r:embed="rId11" cstate="print">
+              <a:blip r:embed="rId10" cstate="print">
                 <a:extLst>
                   <a:ext uri="{28A0092B-C50C-407E-A947-70E740481C1C}">
                     <a14:useLocalDpi xmlns:a14="http://schemas.microsoft.com/office/drawing/2010/main" val="0"/>
@@ -18979,7 +16040,7 @@
               <p:nvPr/>
             </p:nvPicPr>
             <p:blipFill rotWithShape="1">
-              <a:blip r:embed="rId11" cstate="print">
+              <a:blip r:embed="rId10" cstate="print">
                 <a:extLst>
                   <a:ext uri="{28A0092B-C50C-407E-A947-70E740481C1C}">
                     <a14:useLocalDpi xmlns:a14="http://schemas.microsoft.com/office/drawing/2010/main" val="0"/>
@@ -19008,7 +16069,7 @@
               <p:nvPr/>
             </p:nvPicPr>
             <p:blipFill rotWithShape="1">
-              <a:blip r:embed="rId11" cstate="print">
+              <a:blip r:embed="rId10" cstate="print">
                 <a:extLst>
                   <a:ext uri="{28A0092B-C50C-407E-A947-70E740481C1C}">
                     <a14:useLocalDpi xmlns:a14="http://schemas.microsoft.com/office/drawing/2010/main" val="0"/>
@@ -19037,7 +16098,7 @@
               <p:nvPr/>
             </p:nvPicPr>
             <p:blipFill rotWithShape="1">
-              <a:blip r:embed="rId11" cstate="print">
+              <a:blip r:embed="rId10" cstate="print">
                 <a:extLst>
                   <a:ext uri="{28A0092B-C50C-407E-A947-70E740481C1C}">
                     <a14:useLocalDpi xmlns:a14="http://schemas.microsoft.com/office/drawing/2010/main" val="0"/>
@@ -19066,7 +16127,7 @@
               <p:nvPr/>
             </p:nvPicPr>
             <p:blipFill rotWithShape="1">
-              <a:blip r:embed="rId11" cstate="print">
+              <a:blip r:embed="rId10" cstate="print">
                 <a:extLst>
                   <a:ext uri="{28A0092B-C50C-407E-A947-70E740481C1C}">
                     <a14:useLocalDpi xmlns:a14="http://schemas.microsoft.com/office/drawing/2010/main" val="0"/>
@@ -19130,7 +16191,7 @@
           </a:lstStyle>
           <a:p>
             <a:r>
-              <a:rPr lang="tr-TR" sz="4200" b="1" dirty="0" smtClean="0">
+              <a:rPr lang="tr-TR" sz="4200" b="1" dirty="0">
                 <a:solidFill>
                   <a:srgbClr val="CD1F26"/>
                 </a:solidFill>
@@ -19143,7 +16204,7 @@
           </a:p>
           <a:p>
             <a:r>
-              <a:rPr lang="tr-TR" sz="4200" b="1" dirty="0" err="1" smtClean="0">
+              <a:rPr lang="tr-TR" sz="4200" b="1" dirty="0" err="1">
                 <a:solidFill>
                   <a:srgbClr val="CD1F26"/>
                 </a:solidFill>
@@ -19154,7 +16215,7 @@
               <a:t>Scale</a:t>
             </a:r>
             <a:r>
-              <a:rPr lang="tr-TR" sz="4200" b="1" dirty="0" smtClean="0">
+              <a:rPr lang="tr-TR" sz="4200" b="1" dirty="0">
                 <a:solidFill>
                   <a:srgbClr val="CD1F26"/>
                 </a:solidFill>
@@ -19165,7 +16226,7 @@
               <a:t> </a:t>
             </a:r>
             <a:r>
-              <a:rPr lang="tr-TR" sz="4200" b="1" dirty="0" err="1" smtClean="0">
+              <a:rPr lang="tr-TR" sz="4200" b="1" dirty="0" err="1">
                 <a:solidFill>
                   <a:srgbClr val="CD1F26"/>
                 </a:solidFill>
@@ -19363,7 +16424,7 @@
             <a:p>
               <a:pPr algn="ctr"/>
               <a:r>
-                <a:rPr lang="tr-TR" sz="1400" dirty="0" smtClean="0"/>
+                <a:rPr lang="tr-TR" sz="1400" dirty="0"/>
                 <a:t>128 GB</a:t>
               </a:r>
               <a:endParaRPr lang="en-US" sz="1400" dirty="0"/>
@@ -19533,7 +16594,7 @@
             <p:nvPr/>
           </p:nvPicPr>
           <p:blipFill rotWithShape="1">
-            <a:blip r:embed="rId4" cstate="print">
+            <a:blip r:embed="rId3" cstate="print">
               <a:extLst>
                 <a:ext uri="{28A0092B-C50C-407E-A947-70E740481C1C}">
                   <a14:useLocalDpi xmlns:a14="http://schemas.microsoft.com/office/drawing/2010/main" val="0"/>
@@ -19562,7 +16623,7 @@
             <p:nvPr/>
           </p:nvPicPr>
           <p:blipFill>
-            <a:blip r:embed="rId5" cstate="print">
+            <a:blip r:embed="rId4" cstate="print">
               <a:extLst>
                 <a:ext uri="{28A0092B-C50C-407E-A947-70E740481C1C}">
                   <a14:useLocalDpi xmlns:a14="http://schemas.microsoft.com/office/drawing/2010/main" val="0"/>
@@ -19592,7 +16653,7 @@
             <p:nvPr/>
           </p:nvPicPr>
           <p:blipFill rotWithShape="1">
-            <a:blip r:embed="rId4" cstate="print">
+            <a:blip r:embed="rId3" cstate="print">
               <a:extLst>
                 <a:ext uri="{28A0092B-C50C-407E-A947-70E740481C1C}">
                   <a14:useLocalDpi xmlns:a14="http://schemas.microsoft.com/office/drawing/2010/main" val="0"/>
@@ -19790,7 +16851,7 @@
             <a:p>
               <a:pPr algn="ctr"/>
               <a:r>
-                <a:rPr lang="tr-TR" sz="1400" dirty="0" smtClean="0"/>
+                <a:rPr lang="tr-TR" sz="1400" dirty="0"/>
                 <a:t>128 GB</a:t>
               </a:r>
               <a:endParaRPr lang="en-US" sz="1400" dirty="0"/>
@@ -19960,7 +17021,7 @@
             <p:nvPr/>
           </p:nvPicPr>
           <p:blipFill rotWithShape="1">
-            <a:blip r:embed="rId4" cstate="print">
+            <a:blip r:embed="rId3" cstate="print">
               <a:extLst>
                 <a:ext uri="{28A0092B-C50C-407E-A947-70E740481C1C}">
                   <a14:useLocalDpi xmlns:a14="http://schemas.microsoft.com/office/drawing/2010/main" val="0"/>
@@ -19989,7 +17050,7 @@
             <p:nvPr/>
           </p:nvPicPr>
           <p:blipFill>
-            <a:blip r:embed="rId5" cstate="print">
+            <a:blip r:embed="rId4" cstate="print">
               <a:extLst>
                 <a:ext uri="{28A0092B-C50C-407E-A947-70E740481C1C}">
                   <a14:useLocalDpi xmlns:a14="http://schemas.microsoft.com/office/drawing/2010/main" val="0"/>
@@ -20019,7 +17080,7 @@
             <p:nvPr/>
           </p:nvPicPr>
           <p:blipFill rotWithShape="1">
-            <a:blip r:embed="rId4" cstate="print">
+            <a:blip r:embed="rId3" cstate="print">
               <a:extLst>
                 <a:ext uri="{28A0092B-C50C-407E-A947-70E740481C1C}">
                   <a14:useLocalDpi xmlns:a14="http://schemas.microsoft.com/office/drawing/2010/main" val="0"/>
@@ -20217,7 +17278,7 @@
             <a:p>
               <a:pPr algn="ctr"/>
               <a:r>
-                <a:rPr lang="tr-TR" sz="1400" dirty="0" smtClean="0"/>
+                <a:rPr lang="tr-TR" sz="1400" dirty="0"/>
                 <a:t>128 GB</a:t>
               </a:r>
               <a:endParaRPr lang="en-US" sz="1400" dirty="0"/>
@@ -20387,7 +17448,7 @@
             <p:nvPr/>
           </p:nvPicPr>
           <p:blipFill rotWithShape="1">
-            <a:blip r:embed="rId4" cstate="print">
+            <a:blip r:embed="rId3" cstate="print">
               <a:extLst>
                 <a:ext uri="{28A0092B-C50C-407E-A947-70E740481C1C}">
                   <a14:useLocalDpi xmlns:a14="http://schemas.microsoft.com/office/drawing/2010/main" val="0"/>
@@ -20416,7 +17477,7 @@
             <p:nvPr/>
           </p:nvPicPr>
           <p:blipFill>
-            <a:blip r:embed="rId5" cstate="print">
+            <a:blip r:embed="rId4" cstate="print">
               <a:extLst>
                 <a:ext uri="{28A0092B-C50C-407E-A947-70E740481C1C}">
                   <a14:useLocalDpi xmlns:a14="http://schemas.microsoft.com/office/drawing/2010/main" val="0"/>
@@ -20446,7 +17507,7 @@
             <p:nvPr/>
           </p:nvPicPr>
           <p:blipFill rotWithShape="1">
-            <a:blip r:embed="rId4" cstate="print">
+            <a:blip r:embed="rId3" cstate="print">
               <a:extLst>
                 <a:ext uri="{28A0092B-C50C-407E-A947-70E740481C1C}">
                   <a14:useLocalDpi xmlns:a14="http://schemas.microsoft.com/office/drawing/2010/main" val="0"/>
@@ -20644,7 +17705,7 @@
             <a:p>
               <a:pPr algn="ctr"/>
               <a:r>
-                <a:rPr lang="tr-TR" sz="1400" dirty="0" smtClean="0"/>
+                <a:rPr lang="tr-TR" sz="1400" dirty="0"/>
                 <a:t>128 GB</a:t>
               </a:r>
               <a:endParaRPr lang="en-US" sz="1400" dirty="0"/>
@@ -20814,7 +17875,7 @@
             <p:nvPr/>
           </p:nvPicPr>
           <p:blipFill rotWithShape="1">
-            <a:blip r:embed="rId4" cstate="print">
+            <a:blip r:embed="rId3" cstate="print">
               <a:extLst>
                 <a:ext uri="{28A0092B-C50C-407E-A947-70E740481C1C}">
                   <a14:useLocalDpi xmlns:a14="http://schemas.microsoft.com/office/drawing/2010/main" val="0"/>
@@ -20843,7 +17904,7 @@
             <p:nvPr/>
           </p:nvPicPr>
           <p:blipFill>
-            <a:blip r:embed="rId5" cstate="print">
+            <a:blip r:embed="rId4" cstate="print">
               <a:extLst>
                 <a:ext uri="{28A0092B-C50C-407E-A947-70E740481C1C}">
                   <a14:useLocalDpi xmlns:a14="http://schemas.microsoft.com/office/drawing/2010/main" val="0"/>
@@ -20873,7 +17934,7 @@
             <p:nvPr/>
           </p:nvPicPr>
           <p:blipFill rotWithShape="1">
-            <a:blip r:embed="rId4" cstate="print">
+            <a:blip r:embed="rId3" cstate="print">
               <a:extLst>
                 <a:ext uri="{28A0092B-C50C-407E-A947-70E740481C1C}">
                   <a14:useLocalDpi xmlns:a14="http://schemas.microsoft.com/office/drawing/2010/main" val="0"/>
@@ -21071,7 +18132,7 @@
             <a:p>
               <a:pPr algn="ctr"/>
               <a:r>
-                <a:rPr lang="tr-TR" sz="1400" dirty="0" smtClean="0"/>
+                <a:rPr lang="tr-TR" sz="1400" dirty="0"/>
                 <a:t>128 GB</a:t>
               </a:r>
               <a:endParaRPr lang="en-US" sz="1400" dirty="0"/>
@@ -21241,7 +18302,7 @@
             <p:nvPr/>
           </p:nvPicPr>
           <p:blipFill rotWithShape="1">
-            <a:blip r:embed="rId4" cstate="print">
+            <a:blip r:embed="rId3" cstate="print">
               <a:extLst>
                 <a:ext uri="{28A0092B-C50C-407E-A947-70E740481C1C}">
                   <a14:useLocalDpi xmlns:a14="http://schemas.microsoft.com/office/drawing/2010/main" val="0"/>
@@ -21270,7 +18331,7 @@
             <p:nvPr/>
           </p:nvPicPr>
           <p:blipFill>
-            <a:blip r:embed="rId5" cstate="print">
+            <a:blip r:embed="rId4" cstate="print">
               <a:extLst>
                 <a:ext uri="{28A0092B-C50C-407E-A947-70E740481C1C}">
                   <a14:useLocalDpi xmlns:a14="http://schemas.microsoft.com/office/drawing/2010/main" val="0"/>
@@ -21300,7 +18361,7 @@
             <p:nvPr/>
           </p:nvPicPr>
           <p:blipFill rotWithShape="1">
-            <a:blip r:embed="rId4" cstate="print">
+            <a:blip r:embed="rId3" cstate="print">
               <a:extLst>
                 <a:ext uri="{28A0092B-C50C-407E-A947-70E740481C1C}">
                   <a14:useLocalDpi xmlns:a14="http://schemas.microsoft.com/office/drawing/2010/main" val="0"/>
@@ -21498,7 +18559,7 @@
             <a:p>
               <a:pPr algn="ctr"/>
               <a:r>
-                <a:rPr lang="tr-TR" sz="1400" dirty="0" smtClean="0"/>
+                <a:rPr lang="tr-TR" sz="1400" dirty="0"/>
                 <a:t>128 GB</a:t>
               </a:r>
               <a:endParaRPr lang="en-US" sz="1400" dirty="0"/>
@@ -21668,7 +18729,7 @@
             <p:nvPr/>
           </p:nvPicPr>
           <p:blipFill rotWithShape="1">
-            <a:blip r:embed="rId4" cstate="print">
+            <a:blip r:embed="rId3" cstate="print">
               <a:extLst>
                 <a:ext uri="{28A0092B-C50C-407E-A947-70E740481C1C}">
                   <a14:useLocalDpi xmlns:a14="http://schemas.microsoft.com/office/drawing/2010/main" val="0"/>
@@ -21697,7 +18758,7 @@
             <p:nvPr/>
           </p:nvPicPr>
           <p:blipFill>
-            <a:blip r:embed="rId5" cstate="print">
+            <a:blip r:embed="rId4" cstate="print">
               <a:extLst>
                 <a:ext uri="{28A0092B-C50C-407E-A947-70E740481C1C}">
                   <a14:useLocalDpi xmlns:a14="http://schemas.microsoft.com/office/drawing/2010/main" val="0"/>
@@ -21727,7 +18788,7 @@
             <p:nvPr/>
           </p:nvPicPr>
           <p:blipFill rotWithShape="1">
-            <a:blip r:embed="rId4" cstate="print">
+            <a:blip r:embed="rId3" cstate="print">
               <a:extLst>
                 <a:ext uri="{28A0092B-C50C-407E-A947-70E740481C1C}">
                   <a14:useLocalDpi xmlns:a14="http://schemas.microsoft.com/office/drawing/2010/main" val="0"/>
@@ -21925,7 +18986,7 @@
             <a:p>
               <a:pPr algn="ctr"/>
               <a:r>
-                <a:rPr lang="tr-TR" sz="1400" dirty="0" smtClean="0"/>
+                <a:rPr lang="tr-TR" sz="1400" dirty="0"/>
                 <a:t>128 GB</a:t>
               </a:r>
               <a:endParaRPr lang="en-US" sz="1400" dirty="0"/>
@@ -22095,7 +19156,7 @@
             <p:nvPr/>
           </p:nvPicPr>
           <p:blipFill rotWithShape="1">
-            <a:blip r:embed="rId4" cstate="print">
+            <a:blip r:embed="rId3" cstate="print">
               <a:extLst>
                 <a:ext uri="{28A0092B-C50C-407E-A947-70E740481C1C}">
                   <a14:useLocalDpi xmlns:a14="http://schemas.microsoft.com/office/drawing/2010/main" val="0"/>
@@ -22124,7 +19185,7 @@
             <p:nvPr/>
           </p:nvPicPr>
           <p:blipFill>
-            <a:blip r:embed="rId5" cstate="print">
+            <a:blip r:embed="rId4" cstate="print">
               <a:extLst>
                 <a:ext uri="{28A0092B-C50C-407E-A947-70E740481C1C}">
                   <a14:useLocalDpi xmlns:a14="http://schemas.microsoft.com/office/drawing/2010/main" val="0"/>
@@ -22154,7 +19215,7 @@
             <p:nvPr/>
           </p:nvPicPr>
           <p:blipFill rotWithShape="1">
-            <a:blip r:embed="rId4" cstate="print">
+            <a:blip r:embed="rId3" cstate="print">
               <a:extLst>
                 <a:ext uri="{28A0092B-C50C-407E-A947-70E740481C1C}">
                   <a14:useLocalDpi xmlns:a14="http://schemas.microsoft.com/office/drawing/2010/main" val="0"/>
@@ -22217,7 +19278,7 @@
           </a:lstStyle>
           <a:p>
             <a:r>
-              <a:rPr lang="tr-TR" sz="4200" b="1" dirty="0" smtClean="0">
+              <a:rPr lang="tr-TR" sz="4200" b="1" dirty="0">
                 <a:solidFill>
                   <a:srgbClr val="CD1F26"/>
                 </a:solidFill>
@@ -22230,7 +19291,7 @@
           </a:p>
           <a:p>
             <a:r>
-              <a:rPr lang="tr-TR" sz="4200" b="1" dirty="0" err="1" smtClean="0">
+              <a:rPr lang="tr-TR" sz="4200" b="1" dirty="0" err="1">
                 <a:solidFill>
                   <a:srgbClr val="CD1F26"/>
                 </a:solidFill>
@@ -22241,7 +19302,7 @@
               <a:t>Scale</a:t>
             </a:r>
             <a:r>
-              <a:rPr lang="tr-TR" sz="4200" b="1" dirty="0" smtClean="0">
+              <a:rPr lang="tr-TR" sz="4200" b="1" dirty="0">
                 <a:solidFill>
                   <a:srgbClr val="CD1F26"/>
                 </a:solidFill>
@@ -22252,7 +19313,7 @@
               <a:t> </a:t>
             </a:r>
             <a:r>
-              <a:rPr lang="tr-TR" sz="4200" b="1" dirty="0" err="1" smtClean="0">
+              <a:rPr lang="tr-TR" sz="4200" b="1" dirty="0" err="1">
                 <a:solidFill>
                   <a:srgbClr val="CD1F26"/>
                 </a:solidFill>
@@ -22530,7 +19591,7 @@
             <a:p>
               <a:pPr algn="ctr"/>
               <a:r>
-                <a:rPr lang="tr-TR" sz="1400" dirty="0" smtClean="0"/>
+                <a:rPr lang="tr-TR" sz="1400" dirty="0"/>
                 <a:t>128 GB</a:t>
               </a:r>
               <a:endParaRPr lang="en-US" sz="1400" dirty="0"/>
@@ -22700,7 +19761,7 @@
             <p:nvPr/>
           </p:nvPicPr>
           <p:blipFill rotWithShape="1">
-            <a:blip r:embed="rId4" cstate="print">
+            <a:blip r:embed="rId3" cstate="print">
               <a:extLst>
                 <a:ext uri="{28A0092B-C50C-407E-A947-70E740481C1C}">
                   <a14:useLocalDpi xmlns:a14="http://schemas.microsoft.com/office/drawing/2010/main" val="0"/>
@@ -22729,7 +19790,7 @@
             <p:nvPr/>
           </p:nvPicPr>
           <p:blipFill>
-            <a:blip r:embed="rId5" cstate="print">
+            <a:blip r:embed="rId4" cstate="print">
               <a:extLst>
                 <a:ext uri="{28A0092B-C50C-407E-A947-70E740481C1C}">
                   <a14:useLocalDpi xmlns:a14="http://schemas.microsoft.com/office/drawing/2010/main" val="0"/>
@@ -22759,7 +19820,7 @@
             <p:nvPr/>
           </p:nvPicPr>
           <p:blipFill rotWithShape="1">
-            <a:blip r:embed="rId4" cstate="print">
+            <a:blip r:embed="rId3" cstate="print">
               <a:extLst>
                 <a:ext uri="{28A0092B-C50C-407E-A947-70E740481C1C}">
                   <a14:useLocalDpi xmlns:a14="http://schemas.microsoft.com/office/drawing/2010/main" val="0"/>
@@ -22957,7 +20018,7 @@
             <a:p>
               <a:pPr algn="ctr"/>
               <a:r>
-                <a:rPr lang="tr-TR" sz="1400" dirty="0" smtClean="0"/>
+                <a:rPr lang="tr-TR" sz="1400" dirty="0"/>
                 <a:t>128 GB</a:t>
               </a:r>
               <a:endParaRPr lang="en-US" sz="1400" dirty="0"/>
@@ -23127,7 +20188,7 @@
             <p:nvPr/>
           </p:nvPicPr>
           <p:blipFill rotWithShape="1">
-            <a:blip r:embed="rId4" cstate="print">
+            <a:blip r:embed="rId3" cstate="print">
               <a:extLst>
                 <a:ext uri="{28A0092B-C50C-407E-A947-70E740481C1C}">
                   <a14:useLocalDpi xmlns:a14="http://schemas.microsoft.com/office/drawing/2010/main" val="0"/>
@@ -23156,7 +20217,7 @@
             <p:nvPr/>
           </p:nvPicPr>
           <p:blipFill>
-            <a:blip r:embed="rId5" cstate="print">
+            <a:blip r:embed="rId4" cstate="print">
               <a:extLst>
                 <a:ext uri="{28A0092B-C50C-407E-A947-70E740481C1C}">
                   <a14:useLocalDpi xmlns:a14="http://schemas.microsoft.com/office/drawing/2010/main" val="0"/>
@@ -23186,7 +20247,7 @@
             <p:nvPr/>
           </p:nvPicPr>
           <p:blipFill rotWithShape="1">
-            <a:blip r:embed="rId4" cstate="print">
+            <a:blip r:embed="rId3" cstate="print">
               <a:extLst>
                 <a:ext uri="{28A0092B-C50C-407E-A947-70E740481C1C}">
                   <a14:useLocalDpi xmlns:a14="http://schemas.microsoft.com/office/drawing/2010/main" val="0"/>
@@ -23384,7 +20445,7 @@
             <a:p>
               <a:pPr algn="ctr"/>
               <a:r>
-                <a:rPr lang="tr-TR" sz="1400" dirty="0" smtClean="0"/>
+                <a:rPr lang="tr-TR" sz="1400" dirty="0"/>
                 <a:t>128 GB</a:t>
               </a:r>
               <a:endParaRPr lang="en-US" sz="1400" dirty="0"/>
@@ -23554,7 +20615,7 @@
             <p:nvPr/>
           </p:nvPicPr>
           <p:blipFill rotWithShape="1">
-            <a:blip r:embed="rId4" cstate="print">
+            <a:blip r:embed="rId3" cstate="print">
               <a:extLst>
                 <a:ext uri="{28A0092B-C50C-407E-A947-70E740481C1C}">
                   <a14:useLocalDpi xmlns:a14="http://schemas.microsoft.com/office/drawing/2010/main" val="0"/>
@@ -23583,7 +20644,7 @@
             <p:nvPr/>
           </p:nvPicPr>
           <p:blipFill>
-            <a:blip r:embed="rId5" cstate="print">
+            <a:blip r:embed="rId4" cstate="print">
               <a:extLst>
                 <a:ext uri="{28A0092B-C50C-407E-A947-70E740481C1C}">
                   <a14:useLocalDpi xmlns:a14="http://schemas.microsoft.com/office/drawing/2010/main" val="0"/>
@@ -23613,7 +20674,7 @@
             <p:nvPr/>
           </p:nvPicPr>
           <p:blipFill rotWithShape="1">
-            <a:blip r:embed="rId4" cstate="print">
+            <a:blip r:embed="rId3" cstate="print">
               <a:extLst>
                 <a:ext uri="{28A0092B-C50C-407E-A947-70E740481C1C}">
                   <a14:useLocalDpi xmlns:a14="http://schemas.microsoft.com/office/drawing/2010/main" val="0"/>
@@ -23811,7 +20872,7 @@
             <a:p>
               <a:pPr algn="ctr"/>
               <a:r>
-                <a:rPr lang="tr-TR" sz="1400" dirty="0" smtClean="0"/>
+                <a:rPr lang="tr-TR" sz="1400" dirty="0"/>
                 <a:t>128 GB</a:t>
               </a:r>
               <a:endParaRPr lang="en-US" sz="1400" dirty="0"/>
@@ -23981,7 +21042,7 @@
             <p:nvPr/>
           </p:nvPicPr>
           <p:blipFill rotWithShape="1">
-            <a:blip r:embed="rId4" cstate="print">
+            <a:blip r:embed="rId3" cstate="print">
               <a:extLst>
                 <a:ext uri="{28A0092B-C50C-407E-A947-70E740481C1C}">
                   <a14:useLocalDpi xmlns:a14="http://schemas.microsoft.com/office/drawing/2010/main" val="0"/>
@@ -24010,7 +21071,7 @@
             <p:nvPr/>
           </p:nvPicPr>
           <p:blipFill>
-            <a:blip r:embed="rId5" cstate="print">
+            <a:blip r:embed="rId4" cstate="print">
               <a:extLst>
                 <a:ext uri="{28A0092B-C50C-407E-A947-70E740481C1C}">
                   <a14:useLocalDpi xmlns:a14="http://schemas.microsoft.com/office/drawing/2010/main" val="0"/>
@@ -24040,7 +21101,7 @@
             <p:nvPr/>
           </p:nvPicPr>
           <p:blipFill rotWithShape="1">
-            <a:blip r:embed="rId4" cstate="print">
+            <a:blip r:embed="rId3" cstate="print">
               <a:extLst>
                 <a:ext uri="{28A0092B-C50C-407E-A947-70E740481C1C}">
                   <a14:useLocalDpi xmlns:a14="http://schemas.microsoft.com/office/drawing/2010/main" val="0"/>
@@ -24071,13 +21132,6 @@
   <p:clrMapOvr>
     <a:masterClrMapping/>
   </p:clrMapOvr>
-  <p:timing>
-    <p:tnLst>
-      <p:par>
-        <p:cTn id="1" dur="indefinite" restart="never" nodeType="tmRoot"/>
-      </p:par>
-    </p:tnLst>
-  </p:timing>
 </p:sld>
 </file>
 
@@ -24121,7 +21175,7 @@
           <a:lstStyle/>
           <a:p>
             <a:r>
-              <a:rPr lang="tr-TR" sz="3000" b="1" dirty="0" err="1" smtClean="0">
+              <a:rPr lang="tr-TR" sz="3000" b="1" dirty="0" err="1">
                 <a:solidFill>
                   <a:srgbClr val="CD1F26"/>
                 </a:solidFill>
@@ -24132,7 +21186,7 @@
               <a:t>Apache</a:t>
             </a:r>
             <a:r>
-              <a:rPr lang="tr-TR" sz="3000" b="1" dirty="0" smtClean="0">
+              <a:rPr lang="tr-TR" sz="3000" b="1" dirty="0">
                 <a:solidFill>
                   <a:srgbClr val="CD1F26"/>
                 </a:solidFill>
@@ -24340,7 +21394,7 @@
               <a:lstStyle/>
               <a:p>
                 <a:r>
-                  <a:rPr lang="tr-TR" sz="2200" dirty="0" smtClean="0">
+                  <a:rPr lang="tr-TR" sz="2200" dirty="0">
                     <a:latin typeface="Arial" panose="020B0604020202020204" pitchFamily="34" charset="0"/>
                     <a:cs typeface="Arial" panose="020B0604020202020204" pitchFamily="34" charset="0"/>
                   </a:rPr>
@@ -24407,7 +21461,7 @@
             <a:lstStyle/>
             <a:p>
               <a:r>
-                <a:rPr lang="tr-TR" sz="1400" dirty="0" smtClean="0">
+                <a:rPr lang="tr-TR" sz="1400" dirty="0">
                   <a:latin typeface="Arial" panose="020B0604020202020204" pitchFamily="34" charset="0"/>
                   <a:cs typeface="Arial" panose="020B0604020202020204" pitchFamily="34" charset="0"/>
                 </a:rPr>
@@ -24571,7 +21625,7 @@
               <a:lstStyle/>
               <a:p>
                 <a:r>
-                  <a:rPr lang="tr-TR" sz="2400" dirty="0" smtClean="0">
+                  <a:rPr lang="tr-TR" sz="2400" dirty="0">
                     <a:latin typeface="Arial" panose="020B0604020202020204" pitchFamily="34" charset="0"/>
                     <a:cs typeface="Arial" panose="020B0604020202020204" pitchFamily="34" charset="0"/>
                   </a:rPr>
@@ -24766,7 +21820,7 @@
               <a:p>
                 <a:pPr algn="ctr"/>
                 <a:r>
-                  <a:rPr lang="tr-TR" sz="2000" dirty="0" smtClean="0">
+                  <a:rPr lang="tr-TR" sz="2000" dirty="0">
                     <a:latin typeface="Arial" panose="020B0604020202020204" pitchFamily="34" charset="0"/>
                     <a:cs typeface="Arial" panose="020B0604020202020204" pitchFamily="34" charset="0"/>
                   </a:rPr>
@@ -24946,7 +22000,7 @@
             <a:lstStyle/>
             <a:p>
               <a:r>
-                <a:rPr lang="tr-TR" dirty="0" smtClean="0">
+                <a:rPr lang="tr-TR" dirty="0">
                   <a:latin typeface="Arial" panose="020B0604020202020204" pitchFamily="34" charset="0"/>
                   <a:cs typeface="Arial" panose="020B0604020202020204" pitchFamily="34" charset="0"/>
                 </a:rPr>
@@ -25170,7 +22224,7 @@
               <a:p>
                 <a:pPr algn="ctr"/>
                 <a:r>
-                  <a:rPr lang="tr-TR" sz="2400" dirty="0" smtClean="0">
+                  <a:rPr lang="tr-TR" sz="2400" dirty="0">
                     <a:latin typeface="Arial" panose="020B0604020202020204" pitchFamily="34" charset="0"/>
                     <a:cs typeface="Arial" panose="020B0604020202020204" pitchFamily="34" charset="0"/>
                   </a:rPr>
@@ -25304,242 +22358,6 @@
             </a:prstGeom>
           </p:spPr>
         </p:pic>
-      </p:grpSp>
-      <p:grpSp>
-        <p:nvGrpSpPr>
-          <p:cNvPr id="51" name="Grup 50"/>
-          <p:cNvGrpSpPr/>
-          <p:nvPr/>
-        </p:nvGrpSpPr>
-        <p:grpSpPr>
-          <a:xfrm>
-            <a:off x="228596" y="6231467"/>
-            <a:ext cx="3041654" cy="492576"/>
-            <a:chOff x="228596" y="6231467"/>
-            <a:chExt cx="3041654" cy="492576"/>
-          </a:xfrm>
-        </p:grpSpPr>
-        <p:grpSp>
-          <p:nvGrpSpPr>
-            <p:cNvPr id="52" name="Grup 51"/>
-            <p:cNvGrpSpPr/>
-            <p:nvPr/>
-          </p:nvGrpSpPr>
-          <p:grpSpPr>
-            <a:xfrm>
-              <a:off x="228596" y="6231467"/>
-              <a:ext cx="2802471" cy="457084"/>
-              <a:chOff x="127000" y="5901146"/>
-              <a:chExt cx="5156200" cy="838200"/>
-            </a:xfrm>
-          </p:grpSpPr>
-          <p:sp>
-            <p:nvSpPr>
-              <p:cNvPr id="54" name="Dikdörtgen 53"/>
-              <p:cNvSpPr/>
-              <p:nvPr/>
-            </p:nvSpPr>
-            <p:spPr>
-              <a:xfrm>
-                <a:off x="127000" y="5901146"/>
-                <a:ext cx="5156200" cy="838200"/>
-              </a:xfrm>
-              <a:prstGeom prst="rect">
-                <a:avLst/>
-              </a:prstGeom>
-              <a:solidFill>
-                <a:schemeClr val="bg1">
-                  <a:lumMod val="95000"/>
-                </a:schemeClr>
-              </a:solidFill>
-              <a:ln>
-                <a:noFill/>
-              </a:ln>
-            </p:spPr>
-            <p:style>
-              <a:lnRef idx="2">
-                <a:schemeClr val="accent1">
-                  <a:shade val="50000"/>
-                </a:schemeClr>
-              </a:lnRef>
-              <a:fillRef idx="1">
-                <a:schemeClr val="accent1"/>
-              </a:fillRef>
-              <a:effectRef idx="0">
-                <a:schemeClr val="accent1"/>
-              </a:effectRef>
-              <a:fontRef idx="minor">
-                <a:schemeClr val="lt1"/>
-              </a:fontRef>
-            </p:style>
-            <p:txBody>
-              <a:bodyPr rtlCol="0" anchor="ctr"/>
-              <a:lstStyle/>
-              <a:p>
-                <a:pPr algn="ctr"/>
-                <a:endParaRPr lang="en-US" sz="2000"/>
-              </a:p>
-            </p:txBody>
-          </p:sp>
-          <p:grpSp>
-            <p:nvGrpSpPr>
-              <p:cNvPr id="55" name="Grup 54"/>
-              <p:cNvGrpSpPr/>
-              <p:nvPr/>
-            </p:nvGrpSpPr>
-            <p:grpSpPr>
-              <a:xfrm>
-                <a:off x="211667" y="6019800"/>
-                <a:ext cx="5012266" cy="605115"/>
-                <a:chOff x="211667" y="6019800"/>
-                <a:chExt cx="5012266" cy="605115"/>
-              </a:xfrm>
-            </p:grpSpPr>
-            <p:pic>
-              <p:nvPicPr>
-                <p:cNvPr id="56" name="Resim 55"/>
-                <p:cNvPicPr>
-                  <a:picLocks noChangeAspect="1"/>
-                </p:cNvPicPr>
-                <p:nvPr/>
-              </p:nvPicPr>
-              <p:blipFill rotWithShape="1">
-                <a:blip r:embed="rId8" cstate="print">
-                  <a:extLst>
-                    <a:ext uri="{28A0092B-C50C-407E-A947-70E740481C1C}">
-                      <a14:useLocalDpi xmlns:a14="http://schemas.microsoft.com/office/drawing/2010/main" val="0"/>
-                    </a:ext>
-                  </a:extLst>
-                </a:blip>
-                <a:srcRect l="24387" t="8319" r="18355" b="50150"/>
-                <a:stretch/>
-              </p:blipFill>
-              <p:spPr>
-                <a:xfrm>
-                  <a:off x="211667" y="6019800"/>
-                  <a:ext cx="1072095" cy="600892"/>
-                </a:xfrm>
-                <a:prstGeom prst="rect">
-                  <a:avLst/>
-                </a:prstGeom>
-              </p:spPr>
-            </p:pic>
-            <p:sp>
-              <p:nvSpPr>
-                <p:cNvPr id="57" name="Unvan 1"/>
-                <p:cNvSpPr txBox="1">
-                  <a:spLocks/>
-                </p:cNvSpPr>
-                <p:nvPr/>
-              </p:nvSpPr>
-              <p:spPr>
-                <a:xfrm>
-                  <a:off x="1283763" y="6024023"/>
-                  <a:ext cx="3940170" cy="600892"/>
-                </a:xfrm>
-                <a:prstGeom prst="rect">
-                  <a:avLst/>
-                </a:prstGeom>
-              </p:spPr>
-              <p:txBody>
-                <a:bodyPr vert="horz" lIns="91440" tIns="45720" rIns="91440" bIns="45720" rtlCol="0" anchor="b">
-                  <a:noAutofit/>
-                </a:bodyPr>
-                <a:lstStyle>
-                  <a:lvl1pPr algn="ctr" defTabSz="914400" rtl="0" eaLnBrk="1" latinLnBrk="0" hangingPunct="1">
-                    <a:lnSpc>
-                      <a:spcPct val="90000"/>
-                    </a:lnSpc>
-                    <a:spcBef>
-                      <a:spcPct val="0"/>
-                    </a:spcBef>
-                    <a:buNone/>
-                    <a:defRPr sz="6000" kern="1200">
-                      <a:solidFill>
-                        <a:schemeClr val="tx1"/>
-                      </a:solidFill>
-                      <a:latin typeface="+mj-lt"/>
-                      <a:ea typeface="+mj-ea"/>
-                      <a:cs typeface="+mj-cs"/>
-                    </a:defRPr>
-                  </a:lvl1pPr>
-                </a:lstStyle>
-                <a:p>
-                  <a:pPr algn="l"/>
-                  <a:r>
-                    <a:rPr lang="tr-TR" sz="2000" dirty="0" smtClean="0">
-                      <a:solidFill>
-                        <a:srgbClr val="CB171F"/>
-                      </a:solidFill>
-                      <a:latin typeface="Constantia" panose="02030602050306030303" pitchFamily="18" charset="0"/>
-                      <a:ea typeface="Verdana" panose="020B0604030504040204" pitchFamily="34" charset="0"/>
-                      <a:cs typeface="Arial" panose="020B0604020202020204" pitchFamily="34" charset="0"/>
-                    </a:rPr>
-                    <a:t>Veri Bilimi Okulu</a:t>
-                  </a:r>
-                  <a:endParaRPr lang="en-US" sz="2000" dirty="0">
-                    <a:solidFill>
-                      <a:srgbClr val="CB171F"/>
-                    </a:solidFill>
-                    <a:latin typeface="Constantia" panose="02030602050306030303" pitchFamily="18" charset="0"/>
-                    <a:ea typeface="Verdana" panose="020B0604030504040204" pitchFamily="34" charset="0"/>
-                    <a:cs typeface="Arial" panose="020B0604020202020204" pitchFamily="34" charset="0"/>
-                  </a:endParaRPr>
-                </a:p>
-              </p:txBody>
-            </p:sp>
-          </p:grpSp>
-        </p:grpSp>
-        <p:sp>
-          <p:nvSpPr>
-            <p:cNvPr id="53" name="Metin kutusu 52"/>
-            <p:cNvSpPr txBox="1"/>
-            <p:nvPr/>
-          </p:nvSpPr>
-          <p:spPr>
-            <a:xfrm>
-              <a:off x="1582782" y="6493211"/>
-              <a:ext cx="1687468" cy="230832"/>
-            </a:xfrm>
-            <a:prstGeom prst="rect">
-              <a:avLst/>
-            </a:prstGeom>
-            <a:noFill/>
-          </p:spPr>
-          <p:txBody>
-            <a:bodyPr wrap="square" rtlCol="0">
-              <a:spAutoFit/>
-            </a:bodyPr>
-            <a:lstStyle/>
-            <a:p>
-              <a:r>
-                <a:rPr lang="en-US" sz="900" dirty="0" smtClean="0">
-                  <a:solidFill>
-                    <a:srgbClr val="0B8043"/>
-                  </a:solidFill>
-                </a:rPr>
-                <a:t>https:</a:t>
-              </a:r>
-              <a:r>
-                <a:rPr lang="en-US" sz="900" dirty="0" smtClean="0">
-                  <a:solidFill>
-                    <a:schemeClr val="bg1">
-                      <a:lumMod val="50000"/>
-                    </a:schemeClr>
-                  </a:solidFill>
-                </a:rPr>
-                <a:t>//www.veribilimi.co</a:t>
-              </a:r>
-              <a:endParaRPr lang="en-US" sz="900" dirty="0">
-                <a:solidFill>
-                  <a:schemeClr val="bg1">
-                    <a:lumMod val="50000"/>
-                  </a:schemeClr>
-                </a:solidFill>
-              </a:endParaRPr>
-            </a:p>
-          </p:txBody>
-        </p:sp>
       </p:grpSp>
       <p:cxnSp>
         <p:nvCxnSpPr>
@@ -25730,7 +22548,7 @@
               <a:p>
                 <a:pPr algn="ctr"/>
                 <a:r>
-                  <a:rPr lang="tr-TR" sz="1300" dirty="0" smtClean="0">
+                  <a:rPr lang="tr-TR" sz="1300" dirty="0">
                     <a:latin typeface="Arial" panose="020B0604020202020204" pitchFamily="34" charset="0"/>
                     <a:cs typeface="Arial" panose="020B0604020202020204" pitchFamily="34" charset="0"/>
                   </a:rPr>
@@ -25753,7 +22571,7 @@
             <p:nvPr/>
           </p:nvPicPr>
           <p:blipFill rotWithShape="1">
-            <a:blip r:embed="rId9" cstate="print">
+            <a:blip r:embed="rId8" cstate="print">
               <a:extLst>
                 <a:ext uri="{28A0092B-C50C-407E-A947-70E740481C1C}">
                   <a14:useLocalDpi xmlns:a14="http://schemas.microsoft.com/office/drawing/2010/main" val="0"/>
@@ -25782,7 +22600,7 @@
             <p:nvPr/>
           </p:nvPicPr>
           <p:blipFill>
-            <a:blip r:embed="rId10" cstate="print">
+            <a:blip r:embed="rId9" cstate="print">
               <a:extLst>
                 <a:ext uri="{28A0092B-C50C-407E-A947-70E740481C1C}">
                   <a14:useLocalDpi xmlns:a14="http://schemas.microsoft.com/office/drawing/2010/main" val="0"/>
@@ -25969,7 +22787,7 @@
                 <a:p>
                   <a:pPr algn="ctr"/>
                   <a:r>
-                    <a:rPr lang="tr-TR" dirty="0" smtClean="0">
+                    <a:rPr lang="tr-TR" dirty="0">
                       <a:latin typeface="Arial" panose="020B0604020202020204" pitchFamily="34" charset="0"/>
                       <a:cs typeface="Arial" panose="020B0604020202020204" pitchFamily="34" charset="0"/>
                     </a:rPr>
@@ -26006,7 +22824,7 @@
                 <p:nvPr/>
               </p:nvPicPr>
               <p:blipFill>
-                <a:blip r:embed="rId11" cstate="print">
+                <a:blip r:embed="rId10" cstate="print">
                   <a:extLst>
                     <a:ext uri="{28A0092B-C50C-407E-A947-70E740481C1C}">
                       <a14:useLocalDpi xmlns:a14="http://schemas.microsoft.com/office/drawing/2010/main" val="0"/>
@@ -26100,7 +22918,7 @@
                 <a:p>
                   <a:pPr algn="ctr"/>
                   <a:r>
-                    <a:rPr lang="tr-TR" sz="1400" dirty="0" smtClean="0">
+                    <a:rPr lang="tr-TR" sz="1400" dirty="0">
                       <a:latin typeface="Arial" panose="020B0604020202020204" pitchFamily="34" charset="0"/>
                       <a:cs typeface="Arial" panose="020B0604020202020204" pitchFamily="34" charset="0"/>
                     </a:rPr>
@@ -26137,7 +22955,7 @@
                 <p:nvPr/>
               </p:nvPicPr>
               <p:blipFill>
-                <a:blip r:embed="rId12">
+                <a:blip r:embed="rId11">
                   <a:extLst>
                     <a:ext uri="{28A0092B-C50C-407E-A947-70E740481C1C}">
                       <a14:useLocalDpi xmlns:a14="http://schemas.microsoft.com/office/drawing/2010/main" val="0"/>
@@ -26231,7 +23049,7 @@
                 <a:p>
                   <a:pPr algn="ctr"/>
                   <a:r>
-                    <a:rPr lang="tr-TR" sz="1200" dirty="0" smtClean="0">
+                    <a:rPr lang="tr-TR" sz="1200" dirty="0">
                       <a:latin typeface="Arial" panose="020B0604020202020204" pitchFamily="34" charset="0"/>
                       <a:cs typeface="Arial" panose="020B0604020202020204" pitchFamily="34" charset="0"/>
                     </a:rPr>
@@ -26255,7 +23073,7 @@
             <p:nvPr/>
           </p:nvPicPr>
           <p:blipFill rotWithShape="1">
-            <a:blip r:embed="rId13">
+            <a:blip r:embed="rId12">
               <a:extLst>
                 <a:ext uri="{28A0092B-C50C-407E-A947-70E740481C1C}">
                   <a14:useLocalDpi xmlns:a14="http://schemas.microsoft.com/office/drawing/2010/main" val="0"/>
@@ -26322,7 +23140,7 @@
             <p:nvPr/>
           </p:nvPicPr>
           <p:blipFill rotWithShape="1">
-            <a:blip r:embed="rId14" cstate="print">
+            <a:blip r:embed="rId13" cstate="print">
               <a:extLst>
                 <a:ext uri="{28A0092B-C50C-407E-A947-70E740481C1C}">
                   <a14:useLocalDpi xmlns:a14="http://schemas.microsoft.com/office/drawing/2010/main" val="0"/>
@@ -26494,7 +23312,7 @@
               <a:p>
                 <a:pPr algn="ctr"/>
                 <a:r>
-                  <a:rPr lang="tr-TR" sz="1600" dirty="0" smtClean="0">
+                  <a:rPr lang="tr-TR" sz="1600" dirty="0">
                     <a:latin typeface="Arial" panose="020B0604020202020204" pitchFamily="34" charset="0"/>
                     <a:cs typeface="Arial" panose="020B0604020202020204" pitchFamily="34" charset="0"/>
                   </a:rPr>
@@ -26517,7 +23335,7 @@
             <p:nvPr/>
           </p:nvPicPr>
           <p:blipFill rotWithShape="1">
-            <a:blip r:embed="rId15">
+            <a:blip r:embed="rId14">
               <a:extLst>
                 <a:ext uri="{28A0092B-C50C-407E-A947-70E740481C1C}">
                   <a14:useLocalDpi xmlns:a14="http://schemas.microsoft.com/office/drawing/2010/main" val="0"/>
@@ -26675,7 +23493,7 @@
             <a:p>
               <a:pPr algn="ctr"/>
               <a:r>
-                <a:rPr lang="tr-TR" sz="2400" dirty="0" smtClean="0">
+                <a:rPr lang="tr-TR" sz="2400" dirty="0">
                   <a:latin typeface="Arial" panose="020B0604020202020204" pitchFamily="34" charset="0"/>
                   <a:cs typeface="Arial" panose="020B0604020202020204" pitchFamily="34" charset="0"/>
                 </a:rPr>
@@ -26698,7 +23516,7 @@
           <p:nvPr/>
         </p:nvPicPr>
         <p:blipFill rotWithShape="1">
-          <a:blip r:embed="rId16" cstate="print">
+          <a:blip r:embed="rId15" cstate="print">
             <a:extLst>
               <a:ext uri="{28A0092B-C50C-407E-A947-70E740481C1C}">
                 <a14:useLocalDpi xmlns:a14="http://schemas.microsoft.com/office/drawing/2010/main" val="0"/>
@@ -26727,7 +23545,7 @@
           <p:nvPr/>
         </p:nvPicPr>
         <p:blipFill>
-          <a:blip r:embed="rId17" cstate="print">
+          <a:blip r:embed="rId16" cstate="print">
             <a:extLst>
               <a:ext uri="{28A0092B-C50C-407E-A947-70E740481C1C}">
                 <a14:useLocalDpi xmlns:a14="http://schemas.microsoft.com/office/drawing/2010/main" val="0"/>
@@ -26757,7 +23575,7 @@
           <p:nvPr/>
         </p:nvPicPr>
         <p:blipFill>
-          <a:blip r:embed="rId18" cstate="print">
+          <a:blip r:embed="rId17" cstate="print">
             <a:extLst>
               <a:ext uri="{28A0092B-C50C-407E-A947-70E740481C1C}">
                 <a14:useLocalDpi xmlns:a14="http://schemas.microsoft.com/office/drawing/2010/main" val="0"/>
@@ -26929,7 +23747,7 @@
               <a:p>
                 <a:pPr algn="ctr"/>
                 <a:r>
-                  <a:rPr lang="tr-TR" sz="1400" dirty="0" smtClean="0">
+                  <a:rPr lang="tr-TR" sz="1400" dirty="0">
                     <a:latin typeface="Arial" panose="020B0604020202020204" pitchFamily="34" charset="0"/>
                     <a:cs typeface="Arial" panose="020B0604020202020204" pitchFamily="34" charset="0"/>
                   </a:rPr>
@@ -26952,7 +23770,7 @@
             <p:nvPr/>
           </p:nvPicPr>
           <p:blipFill rotWithShape="1">
-            <a:blip r:embed="rId19" cstate="print">
+            <a:blip r:embed="rId18" cstate="print">
               <a:extLst>
                 <a:ext uri="{28A0092B-C50C-407E-A947-70E740481C1C}">
                   <a14:useLocalDpi xmlns:a14="http://schemas.microsoft.com/office/drawing/2010/main" val="0"/>
@@ -27124,21 +23942,21 @@
               <a:p>
                 <a:pPr algn="ctr"/>
                 <a:r>
-                  <a:rPr lang="tr-TR" sz="1600" dirty="0" smtClean="0">
+                  <a:rPr lang="tr-TR" sz="1600" dirty="0">
                     <a:latin typeface="Arial" panose="020B0604020202020204" pitchFamily="34" charset="0"/>
                     <a:cs typeface="Arial" panose="020B0604020202020204" pitchFamily="34" charset="0"/>
                   </a:rPr>
                   <a:t>Arama (</a:t>
                 </a:r>
                 <a:r>
-                  <a:rPr lang="tr-TR" sz="1600" dirty="0" err="1" smtClean="0">
+                  <a:rPr lang="tr-TR" sz="1600" dirty="0" err="1">
                     <a:latin typeface="Arial" panose="020B0604020202020204" pitchFamily="34" charset="0"/>
                     <a:cs typeface="Arial" panose="020B0604020202020204" pitchFamily="34" charset="0"/>
                   </a:rPr>
                   <a:t>Search</a:t>
                 </a:r>
                 <a:r>
-                  <a:rPr lang="tr-TR" sz="1600" dirty="0" smtClean="0">
+                  <a:rPr lang="tr-TR" sz="1600" dirty="0">
                     <a:latin typeface="Arial" panose="020B0604020202020204" pitchFamily="34" charset="0"/>
                     <a:cs typeface="Arial" panose="020B0604020202020204" pitchFamily="34" charset="0"/>
                   </a:rPr>
@@ -27161,7 +23979,7 @@
             <p:nvPr/>
           </p:nvPicPr>
           <p:blipFill>
-            <a:blip r:embed="rId20" cstate="print">
+            <a:blip r:embed="rId19" cstate="print">
               <a:extLst>
                 <a:ext uri="{28A0092B-C50C-407E-A947-70E740481C1C}">
                   <a14:useLocalDpi xmlns:a14="http://schemas.microsoft.com/office/drawing/2010/main" val="0"/>
@@ -27334,7 +24152,7 @@
               <a:p>
                 <a:pPr algn="ctr"/>
                 <a:r>
-                  <a:rPr lang="tr-TR" sz="1400" dirty="0" smtClean="0">
+                  <a:rPr lang="tr-TR" sz="1400" dirty="0">
                     <a:latin typeface="Arial" panose="020B0604020202020204" pitchFamily="34" charset="0"/>
                     <a:cs typeface="Arial" panose="020B0604020202020204" pitchFamily="34" charset="0"/>
                   </a:rPr>
@@ -27357,7 +24175,7 @@
             <p:nvPr/>
           </p:nvPicPr>
           <p:blipFill>
-            <a:blip r:embed="rId21" cstate="print">
+            <a:blip r:embed="rId20" cstate="print">
               <a:extLst>
                 <a:ext uri="{28A0092B-C50C-407E-A947-70E740481C1C}">
                   <a14:useLocalDpi xmlns:a14="http://schemas.microsoft.com/office/drawing/2010/main" val="0"/>
@@ -27389,13 +24207,6 @@
   <p:clrMapOvr>
     <a:masterClrMapping/>
   </p:clrMapOvr>
-  <p:timing>
-    <p:tnLst>
-      <p:par>
-        <p:cTn id="1" dur="indefinite" restart="never" nodeType="tmRoot"/>
-      </p:par>
-    </p:tnLst>
-  </p:timing>
 </p:sld>
 </file>
 
